--- a/Database for Clinic Management.pptx
+++ b/Database for Clinic Management.pptx
@@ -3781,6 +3781,296 @@
           </a:fontRef>
         </p:style>
       </p:cxnSp>
+      <p:pic>
+        <p:nvPicPr>
+          <p:cNvPr id="8" name="Picture 7">
+            <a:extLst>
+              <a:ext uri="{FF2B5EF4-FFF2-40B4-BE49-F238E27FC236}">
+                <a16:creationId xmlns:a16="http://schemas.microsoft.com/office/drawing/2014/main" id="{3662A3B3-6C72-46AF-B055-4C3F50095DA0}"/>
+              </a:ext>
+            </a:extLst>
+          </p:cNvPr>
+          <p:cNvPicPr>
+            <a:picLocks noChangeAspect="1"/>
+          </p:cNvPicPr>
+          <p:nvPr/>
+        </p:nvPicPr>
+        <p:blipFill>
+          <a:blip r:embed="rId4"/>
+          <a:stretch>
+            <a:fillRect/>
+          </a:stretch>
+        </p:blipFill>
+        <p:spPr>
+          <a:xfrm>
+            <a:off x="9638944" y="0"/>
+            <a:ext cx="2553056" cy="1543265"/>
+          </a:xfrm>
+          <a:prstGeom prst="rect">
+            <a:avLst/>
+          </a:prstGeom>
+        </p:spPr>
+      </p:pic>
+      <p:pic>
+        <p:nvPicPr>
+          <p:cNvPr id="10" name="Picture 9">
+            <a:extLst>
+              <a:ext uri="{FF2B5EF4-FFF2-40B4-BE49-F238E27FC236}">
+                <a16:creationId xmlns:a16="http://schemas.microsoft.com/office/drawing/2014/main" id="{7E256F14-6A8E-4EA0-8EC0-B1164A2775FB}"/>
+              </a:ext>
+            </a:extLst>
+          </p:cNvPr>
+          <p:cNvPicPr>
+            <a:picLocks noChangeAspect="1"/>
+          </p:cNvPicPr>
+          <p:nvPr/>
+        </p:nvPicPr>
+        <p:blipFill>
+          <a:blip r:embed="rId5"/>
+          <a:stretch>
+            <a:fillRect/>
+          </a:stretch>
+        </p:blipFill>
+        <p:spPr>
+          <a:xfrm>
+            <a:off x="5017273" y="4448653"/>
+            <a:ext cx="5902948" cy="999089"/>
+          </a:xfrm>
+          <a:prstGeom prst="rect">
+            <a:avLst/>
+          </a:prstGeom>
+        </p:spPr>
+      </p:pic>
+      <p:pic>
+        <p:nvPicPr>
+          <p:cNvPr id="12" name="Picture 11">
+            <a:extLst>
+              <a:ext uri="{FF2B5EF4-FFF2-40B4-BE49-F238E27FC236}">
+                <a16:creationId xmlns:a16="http://schemas.microsoft.com/office/drawing/2014/main" id="{D7A7D3E0-6BCE-46D1-8A28-C621DE5A8A84}"/>
+              </a:ext>
+            </a:extLst>
+          </p:cNvPr>
+          <p:cNvPicPr>
+            <a:picLocks noChangeAspect="1"/>
+          </p:cNvPicPr>
+          <p:nvPr/>
+        </p:nvPicPr>
+        <p:blipFill>
+          <a:blip r:embed="rId6"/>
+          <a:stretch>
+            <a:fillRect/>
+          </a:stretch>
+        </p:blipFill>
+        <p:spPr>
+          <a:xfrm>
+            <a:off x="4818403" y="1195915"/>
+            <a:ext cx="4629796" cy="428685"/>
+          </a:xfrm>
+          <a:prstGeom prst="rect">
+            <a:avLst/>
+          </a:prstGeom>
+        </p:spPr>
+      </p:pic>
+      <p:pic>
+        <p:nvPicPr>
+          <p:cNvPr id="14" name="Picture 13">
+            <a:extLst>
+              <a:ext uri="{FF2B5EF4-FFF2-40B4-BE49-F238E27FC236}">
+                <a16:creationId xmlns:a16="http://schemas.microsoft.com/office/drawing/2014/main" id="{530757EC-74FA-4F3E-BD9A-466BBAAD0D21}"/>
+              </a:ext>
+            </a:extLst>
+          </p:cNvPr>
+          <p:cNvPicPr>
+            <a:picLocks noChangeAspect="1"/>
+          </p:cNvPicPr>
+          <p:nvPr/>
+        </p:nvPicPr>
+        <p:blipFill>
+          <a:blip r:embed="rId7"/>
+          <a:stretch>
+            <a:fillRect/>
+          </a:stretch>
+        </p:blipFill>
+        <p:spPr>
+          <a:xfrm>
+            <a:off x="5859312" y="1689741"/>
+            <a:ext cx="3588887" cy="293535"/>
+          </a:xfrm>
+          <a:prstGeom prst="rect">
+            <a:avLst/>
+          </a:prstGeom>
+        </p:spPr>
+      </p:pic>
+      <p:cxnSp>
+        <p:nvCxnSpPr>
+          <p:cNvPr id="16" name="Straight Arrow Connector 15">
+            <a:extLst>
+              <a:ext uri="{FF2B5EF4-FFF2-40B4-BE49-F238E27FC236}">
+                <a16:creationId xmlns:a16="http://schemas.microsoft.com/office/drawing/2014/main" id="{A3762BDB-433A-464B-8129-CA0C622380E4}"/>
+              </a:ext>
+            </a:extLst>
+          </p:cNvPr>
+          <p:cNvCxnSpPr/>
+          <p:nvPr/>
+        </p:nvCxnSpPr>
+        <p:spPr>
+          <a:xfrm flipV="1">
+            <a:off x="4126727" y="1836508"/>
+            <a:ext cx="1502796" cy="2449245"/>
+          </a:xfrm>
+          <a:prstGeom prst="straightConnector1">
+            <a:avLst/>
+          </a:prstGeom>
+          <a:ln>
+            <a:tailEnd type="triangle"/>
+          </a:ln>
+        </p:spPr>
+        <p:style>
+          <a:lnRef idx="1">
+            <a:schemeClr val="accent1"/>
+          </a:lnRef>
+          <a:fillRef idx="0">
+            <a:schemeClr val="accent1"/>
+          </a:fillRef>
+          <a:effectRef idx="0">
+            <a:schemeClr val="accent1"/>
+          </a:effectRef>
+          <a:fontRef idx="minor">
+            <a:schemeClr val="tx1"/>
+          </a:fontRef>
+        </p:style>
+      </p:cxnSp>
+      <p:cxnSp>
+        <p:nvCxnSpPr>
+          <p:cNvPr id="22" name="Straight Arrow Connector 21">
+            <a:extLst>
+              <a:ext uri="{FF2B5EF4-FFF2-40B4-BE49-F238E27FC236}">
+                <a16:creationId xmlns:a16="http://schemas.microsoft.com/office/drawing/2014/main" id="{7B45F718-BC91-4A29-A5EC-1229A3C894AE}"/>
+              </a:ext>
+            </a:extLst>
+          </p:cNvPr>
+          <p:cNvCxnSpPr>
+            <a:cxnSpLocks/>
+          </p:cNvCxnSpPr>
+          <p:nvPr/>
+        </p:nvCxnSpPr>
+        <p:spPr>
+          <a:xfrm>
+            <a:off x="3037399" y="2809345"/>
+            <a:ext cx="3525080" cy="55659"/>
+          </a:xfrm>
+          <a:prstGeom prst="straightConnector1">
+            <a:avLst/>
+          </a:prstGeom>
+          <a:ln>
+            <a:tailEnd type="triangle"/>
+          </a:ln>
+        </p:spPr>
+        <p:style>
+          <a:lnRef idx="1">
+            <a:schemeClr val="accent1"/>
+          </a:lnRef>
+          <a:fillRef idx="0">
+            <a:schemeClr val="accent1"/>
+          </a:fillRef>
+          <a:effectRef idx="0">
+            <a:schemeClr val="accent1"/>
+          </a:effectRef>
+          <a:fontRef idx="minor">
+            <a:schemeClr val="tx1"/>
+          </a:fontRef>
+        </p:style>
+      </p:cxnSp>
+      <p:pic>
+        <p:nvPicPr>
+          <p:cNvPr id="24" name="Picture 23">
+            <a:extLst>
+              <a:ext uri="{FF2B5EF4-FFF2-40B4-BE49-F238E27FC236}">
+                <a16:creationId xmlns:a16="http://schemas.microsoft.com/office/drawing/2014/main" id="{BBAB7AF1-74FF-4A95-BF8F-3EBFCA2C6EC3}"/>
+              </a:ext>
+            </a:extLst>
+          </p:cNvPr>
+          <p:cNvPicPr>
+            <a:picLocks noChangeAspect="1"/>
+          </p:cNvPicPr>
+          <p:nvPr/>
+        </p:nvPicPr>
+        <p:blipFill>
+          <a:blip r:embed="rId8"/>
+          <a:stretch>
+            <a:fillRect/>
+          </a:stretch>
+        </p:blipFill>
+        <p:spPr>
+          <a:xfrm>
+            <a:off x="6671626" y="2328827"/>
+            <a:ext cx="4406996" cy="818346"/>
+          </a:xfrm>
+          <a:prstGeom prst="rect">
+            <a:avLst/>
+          </a:prstGeom>
+        </p:spPr>
+      </p:pic>
+      <p:pic>
+        <p:nvPicPr>
+          <p:cNvPr id="26" name="Picture 25">
+            <a:extLst>
+              <a:ext uri="{FF2B5EF4-FFF2-40B4-BE49-F238E27FC236}">
+                <a16:creationId xmlns:a16="http://schemas.microsoft.com/office/drawing/2014/main" id="{07DE36C7-236B-43E4-8EF1-4F9C00A0CD0E}"/>
+              </a:ext>
+            </a:extLst>
+          </p:cNvPr>
+          <p:cNvPicPr>
+            <a:picLocks noChangeAspect="1"/>
+          </p:cNvPicPr>
+          <p:nvPr/>
+        </p:nvPicPr>
+        <p:blipFill>
+          <a:blip r:embed="rId9"/>
+          <a:stretch>
+            <a:fillRect/>
+          </a:stretch>
+        </p:blipFill>
+        <p:spPr>
+          <a:xfrm>
+            <a:off x="6671626" y="3187796"/>
+            <a:ext cx="3370010" cy="168997"/>
+          </a:xfrm>
+          <a:prstGeom prst="rect">
+            <a:avLst/>
+          </a:prstGeom>
+        </p:spPr>
+      </p:pic>
+      <p:pic>
+        <p:nvPicPr>
+          <p:cNvPr id="28" name="Picture 27">
+            <a:extLst>
+              <a:ext uri="{FF2B5EF4-FFF2-40B4-BE49-F238E27FC236}">
+                <a16:creationId xmlns:a16="http://schemas.microsoft.com/office/drawing/2014/main" id="{C5EA5401-D8B4-48F1-A774-C0ECCE9CBCC1}"/>
+              </a:ext>
+            </a:extLst>
+          </p:cNvPr>
+          <p:cNvPicPr>
+            <a:picLocks noChangeAspect="1"/>
+          </p:cNvPicPr>
+          <p:nvPr/>
+        </p:nvPicPr>
+        <p:blipFill>
+          <a:blip r:embed="rId10"/>
+          <a:stretch>
+            <a:fillRect/>
+          </a:stretch>
+        </p:blipFill>
+        <p:spPr>
+          <a:xfrm>
+            <a:off x="6680078" y="3429000"/>
+            <a:ext cx="3210601" cy="717262"/>
+          </a:xfrm>
+          <a:prstGeom prst="rect">
+            <a:avLst/>
+          </a:prstGeom>
+        </p:spPr>
+      </p:pic>
     </p:spTree>
     <p:extLst>
       <p:ext uri="{BB962C8B-B14F-4D97-AF65-F5344CB8AC3E}">
@@ -3862,7 +4152,7 @@
         </p:blipFill>
         <p:spPr>
           <a:xfrm>
-            <a:off x="5650229" y="401813"/>
+            <a:off x="4614952" y="1170043"/>
             <a:ext cx="5344271" cy="838317"/>
           </a:xfrm>
           <a:prstGeom prst="rect">
@@ -3884,8 +4174,280 @@
         </p:nvCxnSpPr>
         <p:spPr>
           <a:xfrm flipV="1">
-            <a:off x="3172570" y="874643"/>
+            <a:off x="2394447" y="1408036"/>
             <a:ext cx="2345635" cy="1200647"/>
+          </a:xfrm>
+          <a:prstGeom prst="straightConnector1">
+            <a:avLst/>
+          </a:prstGeom>
+          <a:ln>
+            <a:tailEnd type="triangle"/>
+          </a:ln>
+        </p:spPr>
+        <p:style>
+          <a:lnRef idx="1">
+            <a:schemeClr val="accent1"/>
+          </a:lnRef>
+          <a:fillRef idx="0">
+            <a:schemeClr val="accent1"/>
+          </a:fillRef>
+          <a:effectRef idx="0">
+            <a:schemeClr val="accent1"/>
+          </a:effectRef>
+          <a:fontRef idx="minor">
+            <a:schemeClr val="tx1"/>
+          </a:fontRef>
+        </p:style>
+      </p:cxnSp>
+      <p:pic>
+        <p:nvPicPr>
+          <p:cNvPr id="8" name="Picture 7">
+            <a:extLst>
+              <a:ext uri="{FF2B5EF4-FFF2-40B4-BE49-F238E27FC236}">
+                <a16:creationId xmlns:a16="http://schemas.microsoft.com/office/drawing/2014/main" id="{BB7D13AB-B7CA-4A9B-ACA1-D8778E21207B}"/>
+              </a:ext>
+            </a:extLst>
+          </p:cNvPr>
+          <p:cNvPicPr>
+            <a:picLocks noChangeAspect="1"/>
+          </p:cNvPicPr>
+          <p:nvPr/>
+        </p:nvPicPr>
+        <p:blipFill>
+          <a:blip r:embed="rId4"/>
+          <a:stretch>
+            <a:fillRect/>
+          </a:stretch>
+        </p:blipFill>
+        <p:spPr>
+          <a:xfrm>
+            <a:off x="4614952" y="2082654"/>
+            <a:ext cx="2962095" cy="1598253"/>
+          </a:xfrm>
+          <a:prstGeom prst="rect">
+            <a:avLst/>
+          </a:prstGeom>
+        </p:spPr>
+      </p:pic>
+      <p:pic>
+        <p:nvPicPr>
+          <p:cNvPr id="10" name="Picture 9">
+            <a:extLst>
+              <a:ext uri="{FF2B5EF4-FFF2-40B4-BE49-F238E27FC236}">
+                <a16:creationId xmlns:a16="http://schemas.microsoft.com/office/drawing/2014/main" id="{FAFFC6F2-4935-4A85-9090-8E621CBDA11E}"/>
+              </a:ext>
+            </a:extLst>
+          </p:cNvPr>
+          <p:cNvPicPr>
+            <a:picLocks noChangeAspect="1"/>
+          </p:cNvPicPr>
+          <p:nvPr/>
+        </p:nvPicPr>
+        <p:blipFill>
+          <a:blip r:embed="rId5"/>
+          <a:stretch>
+            <a:fillRect/>
+          </a:stretch>
+        </p:blipFill>
+        <p:spPr>
+          <a:xfrm>
+            <a:off x="6851373" y="2192353"/>
+            <a:ext cx="3643355" cy="689427"/>
+          </a:xfrm>
+          <a:prstGeom prst="rect">
+            <a:avLst/>
+          </a:prstGeom>
+        </p:spPr>
+      </p:pic>
+      <p:pic>
+        <p:nvPicPr>
+          <p:cNvPr id="12" name="Picture 11">
+            <a:extLst>
+              <a:ext uri="{FF2B5EF4-FFF2-40B4-BE49-F238E27FC236}">
+                <a16:creationId xmlns:a16="http://schemas.microsoft.com/office/drawing/2014/main" id="{84820B09-3812-476D-AD9A-307FAF8AF337}"/>
+              </a:ext>
+            </a:extLst>
+          </p:cNvPr>
+          <p:cNvPicPr>
+            <a:picLocks noChangeAspect="1"/>
+          </p:cNvPicPr>
+          <p:nvPr/>
+        </p:nvPicPr>
+        <p:blipFill>
+          <a:blip r:embed="rId6"/>
+          <a:stretch>
+            <a:fillRect/>
+          </a:stretch>
+        </p:blipFill>
+        <p:spPr>
+          <a:xfrm>
+            <a:off x="4614952" y="0"/>
+            <a:ext cx="2659005" cy="495467"/>
+          </a:xfrm>
+          <a:prstGeom prst="rect">
+            <a:avLst/>
+          </a:prstGeom>
+        </p:spPr>
+      </p:pic>
+      <p:cxnSp>
+        <p:nvCxnSpPr>
+          <p:cNvPr id="14" name="Straight Arrow Connector 13">
+            <a:extLst>
+              <a:ext uri="{FF2B5EF4-FFF2-40B4-BE49-F238E27FC236}">
+                <a16:creationId xmlns:a16="http://schemas.microsoft.com/office/drawing/2014/main" id="{8589F49F-2BA6-400C-A7DD-FA478C68E6EB}"/>
+              </a:ext>
+            </a:extLst>
+          </p:cNvPr>
+          <p:cNvCxnSpPr/>
+          <p:nvPr/>
+        </p:nvCxnSpPr>
+        <p:spPr>
+          <a:xfrm flipV="1">
+            <a:off x="4031311" y="381663"/>
+            <a:ext cx="583641" cy="564542"/>
+          </a:xfrm>
+          <a:prstGeom prst="straightConnector1">
+            <a:avLst/>
+          </a:prstGeom>
+          <a:ln>
+            <a:tailEnd type="triangle"/>
+          </a:ln>
+        </p:spPr>
+        <p:style>
+          <a:lnRef idx="1">
+            <a:schemeClr val="accent1"/>
+          </a:lnRef>
+          <a:fillRef idx="0">
+            <a:schemeClr val="accent1"/>
+          </a:fillRef>
+          <a:effectRef idx="0">
+            <a:schemeClr val="accent1"/>
+          </a:effectRef>
+          <a:fontRef idx="minor">
+            <a:schemeClr val="tx1"/>
+          </a:fontRef>
+        </p:style>
+      </p:cxnSp>
+      <p:pic>
+        <p:nvPicPr>
+          <p:cNvPr id="16" name="Picture 15">
+            <a:extLst>
+              <a:ext uri="{FF2B5EF4-FFF2-40B4-BE49-F238E27FC236}">
+                <a16:creationId xmlns:a16="http://schemas.microsoft.com/office/drawing/2014/main" id="{942A6A1D-08AA-44F9-930C-DB238C93F569}"/>
+              </a:ext>
+            </a:extLst>
+          </p:cNvPr>
+          <p:cNvPicPr>
+            <a:picLocks noChangeAspect="1"/>
+          </p:cNvPicPr>
+          <p:nvPr/>
+        </p:nvPicPr>
+        <p:blipFill>
+          <a:blip r:embed="rId7"/>
+          <a:stretch>
+            <a:fillRect/>
+          </a:stretch>
+        </p:blipFill>
+        <p:spPr>
+          <a:xfrm>
+            <a:off x="4648935" y="5332483"/>
+            <a:ext cx="3882542" cy="780378"/>
+          </a:xfrm>
+          <a:prstGeom prst="rect">
+            <a:avLst/>
+          </a:prstGeom>
+        </p:spPr>
+      </p:pic>
+      <p:pic>
+        <p:nvPicPr>
+          <p:cNvPr id="18" name="Picture 17">
+            <a:extLst>
+              <a:ext uri="{FF2B5EF4-FFF2-40B4-BE49-F238E27FC236}">
+                <a16:creationId xmlns:a16="http://schemas.microsoft.com/office/drawing/2014/main" id="{4ED0EC48-0050-48B8-9274-B42C6C981DFF}"/>
+              </a:ext>
+            </a:extLst>
+          </p:cNvPr>
+          <p:cNvPicPr>
+            <a:picLocks noChangeAspect="1"/>
+          </p:cNvPicPr>
+          <p:nvPr/>
+        </p:nvPicPr>
+        <p:blipFill>
+          <a:blip r:embed="rId8"/>
+          <a:stretch>
+            <a:fillRect/>
+          </a:stretch>
+        </p:blipFill>
+        <p:spPr>
+          <a:xfrm>
+            <a:off x="4636154" y="3901309"/>
+            <a:ext cx="4037855" cy="1207978"/>
+          </a:xfrm>
+          <a:prstGeom prst="rect">
+            <a:avLst/>
+          </a:prstGeom>
+        </p:spPr>
+      </p:pic>
+      <p:cxnSp>
+        <p:nvCxnSpPr>
+          <p:cNvPr id="20" name="Straight Arrow Connector 19">
+            <a:extLst>
+              <a:ext uri="{FF2B5EF4-FFF2-40B4-BE49-F238E27FC236}">
+                <a16:creationId xmlns:a16="http://schemas.microsoft.com/office/drawing/2014/main" id="{F90259FD-9D68-4BAB-9C80-2E7AC4947DFF}"/>
+              </a:ext>
+            </a:extLst>
+          </p:cNvPr>
+          <p:cNvCxnSpPr>
+            <a:cxnSpLocks/>
+            <a:endCxn id="18" idx="1"/>
+          </p:cNvCxnSpPr>
+          <p:nvPr/>
+        </p:nvCxnSpPr>
+        <p:spPr>
+          <a:xfrm flipV="1">
+            <a:off x="1979875" y="4505298"/>
+            <a:ext cx="2656279" cy="1076518"/>
+          </a:xfrm>
+          <a:prstGeom prst="straightConnector1">
+            <a:avLst/>
+          </a:prstGeom>
+          <a:ln>
+            <a:tailEnd type="triangle"/>
+          </a:ln>
+        </p:spPr>
+        <p:style>
+          <a:lnRef idx="1">
+            <a:schemeClr val="accent1"/>
+          </a:lnRef>
+          <a:fillRef idx="0">
+            <a:schemeClr val="accent1"/>
+          </a:fillRef>
+          <a:effectRef idx="0">
+            <a:schemeClr val="accent1"/>
+          </a:effectRef>
+          <a:fontRef idx="minor">
+            <a:schemeClr val="tx1"/>
+          </a:fontRef>
+        </p:style>
+      </p:cxnSp>
+      <p:cxnSp>
+        <p:nvCxnSpPr>
+          <p:cNvPr id="22" name="Straight Arrow Connector 21">
+            <a:extLst>
+              <a:ext uri="{FF2B5EF4-FFF2-40B4-BE49-F238E27FC236}">
+                <a16:creationId xmlns:a16="http://schemas.microsoft.com/office/drawing/2014/main" id="{6CA58E2B-292B-4B9B-AA20-9F36C3BAEC65}"/>
+              </a:ext>
+            </a:extLst>
+          </p:cNvPr>
+          <p:cNvCxnSpPr>
+            <a:cxnSpLocks/>
+          </p:cNvCxnSpPr>
+          <p:nvPr/>
+        </p:nvCxnSpPr>
+        <p:spPr>
+          <a:xfrm flipV="1">
+            <a:off x="2910177" y="5581816"/>
+            <a:ext cx="1738758" cy="140856"/>
           </a:xfrm>
           <a:prstGeom prst="straightConnector1">
             <a:avLst/>
@@ -3990,7 +4552,7 @@
         </p:blipFill>
         <p:spPr>
           <a:xfrm>
-            <a:off x="5534108" y="255479"/>
+            <a:off x="4937760" y="1275021"/>
             <a:ext cx="4280830" cy="768354"/>
           </a:xfrm>
           <a:prstGeom prst="rect">
@@ -4007,13 +4569,284 @@
               </a:ext>
             </a:extLst>
           </p:cNvPr>
+          <p:cNvCxnSpPr>
+            <a:cxnSpLocks/>
+          </p:cNvCxnSpPr>
+          <p:nvPr/>
+        </p:nvCxnSpPr>
+        <p:spPr>
+          <a:xfrm flipV="1">
+            <a:off x="2433099" y="1725433"/>
+            <a:ext cx="2393343" cy="151075"/>
+          </a:xfrm>
+          <a:prstGeom prst="straightConnector1">
+            <a:avLst/>
+          </a:prstGeom>
+          <a:ln>
+            <a:tailEnd type="triangle"/>
+          </a:ln>
+        </p:spPr>
+        <p:style>
+          <a:lnRef idx="1">
+            <a:schemeClr val="accent1"/>
+          </a:lnRef>
+          <a:fillRef idx="0">
+            <a:schemeClr val="accent1"/>
+          </a:fillRef>
+          <a:effectRef idx="0">
+            <a:schemeClr val="accent1"/>
+          </a:effectRef>
+          <a:fontRef idx="minor">
+            <a:schemeClr val="tx1"/>
+          </a:fontRef>
+        </p:style>
+      </p:cxnSp>
+      <p:pic>
+        <p:nvPicPr>
+          <p:cNvPr id="8" name="Picture 7">
+            <a:extLst>
+              <a:ext uri="{FF2B5EF4-FFF2-40B4-BE49-F238E27FC236}">
+                <a16:creationId xmlns:a16="http://schemas.microsoft.com/office/drawing/2014/main" id="{43CEF65D-2440-42A0-AB62-7855BE9D57F1}"/>
+              </a:ext>
+            </a:extLst>
+          </p:cNvPr>
+          <p:cNvPicPr>
+            <a:picLocks noChangeAspect="1"/>
+          </p:cNvPicPr>
+          <p:nvPr/>
+        </p:nvPicPr>
+        <p:blipFill>
+          <a:blip r:embed="rId4"/>
+          <a:stretch>
+            <a:fillRect/>
+          </a:stretch>
+        </p:blipFill>
+        <p:spPr>
+          <a:xfrm>
+            <a:off x="4700918" y="2084500"/>
+            <a:ext cx="3898563" cy="1536266"/>
+          </a:xfrm>
+          <a:prstGeom prst="rect">
+            <a:avLst/>
+          </a:prstGeom>
+        </p:spPr>
+      </p:pic>
+      <p:pic>
+        <p:nvPicPr>
+          <p:cNvPr id="10" name="Picture 9">
+            <a:extLst>
+              <a:ext uri="{FF2B5EF4-FFF2-40B4-BE49-F238E27FC236}">
+                <a16:creationId xmlns:a16="http://schemas.microsoft.com/office/drawing/2014/main" id="{3A43DCAC-2BBE-4C74-AA45-939EE86CCBD9}"/>
+              </a:ext>
+            </a:extLst>
+          </p:cNvPr>
+          <p:cNvPicPr>
+            <a:picLocks noChangeAspect="1"/>
+          </p:cNvPicPr>
+          <p:nvPr/>
+        </p:nvPicPr>
+        <p:blipFill>
+          <a:blip r:embed="rId5"/>
+          <a:stretch>
+            <a:fillRect/>
+          </a:stretch>
+        </p:blipFill>
+        <p:spPr>
+          <a:xfrm>
+            <a:off x="6753673" y="2086854"/>
+            <a:ext cx="4280830" cy="765779"/>
+          </a:xfrm>
+          <a:prstGeom prst="rect">
+            <a:avLst/>
+          </a:prstGeom>
+        </p:spPr>
+      </p:pic>
+      <p:pic>
+        <p:nvPicPr>
+          <p:cNvPr id="15" name="Picture 14">
+            <a:extLst>
+              <a:ext uri="{FF2B5EF4-FFF2-40B4-BE49-F238E27FC236}">
+                <a16:creationId xmlns:a16="http://schemas.microsoft.com/office/drawing/2014/main" id="{1277E4A3-01B9-4713-9A17-D14D7F8F8C69}"/>
+              </a:ext>
+            </a:extLst>
+          </p:cNvPr>
+          <p:cNvPicPr>
+            <a:picLocks noChangeAspect="1"/>
+          </p:cNvPicPr>
+          <p:nvPr/>
+        </p:nvPicPr>
+        <p:blipFill>
+          <a:blip r:embed="rId6"/>
+          <a:stretch>
+            <a:fillRect/>
+          </a:stretch>
+        </p:blipFill>
+        <p:spPr>
+          <a:xfrm>
+            <a:off x="4627527" y="295900"/>
+            <a:ext cx="3972712" cy="570792"/>
+          </a:xfrm>
+          <a:prstGeom prst="rect">
+            <a:avLst/>
+          </a:prstGeom>
+        </p:spPr>
+      </p:pic>
+      <p:cxnSp>
+        <p:nvCxnSpPr>
+          <p:cNvPr id="17" name="Straight Arrow Connector 16">
+            <a:extLst>
+              <a:ext uri="{FF2B5EF4-FFF2-40B4-BE49-F238E27FC236}">
+                <a16:creationId xmlns:a16="http://schemas.microsoft.com/office/drawing/2014/main" id="{C123864B-61AF-4DCC-98BA-705C0B89B97C}"/>
+              </a:ext>
+            </a:extLst>
+          </p:cNvPr>
           <p:cNvCxnSpPr/>
           <p:nvPr/>
         </p:nvCxnSpPr>
         <p:spPr>
           <a:xfrm flipV="1">
-            <a:off x="2552369" y="787179"/>
-            <a:ext cx="2743200" cy="1256306"/>
+            <a:off x="4110824" y="723569"/>
+            <a:ext cx="590094" cy="254441"/>
+          </a:xfrm>
+          <a:prstGeom prst="straightConnector1">
+            <a:avLst/>
+          </a:prstGeom>
+          <a:ln>
+            <a:tailEnd type="triangle"/>
+          </a:ln>
+        </p:spPr>
+        <p:style>
+          <a:lnRef idx="1">
+            <a:schemeClr val="accent1"/>
+          </a:lnRef>
+          <a:fillRef idx="0">
+            <a:schemeClr val="accent1"/>
+          </a:fillRef>
+          <a:effectRef idx="0">
+            <a:schemeClr val="accent1"/>
+          </a:effectRef>
+          <a:fontRef idx="minor">
+            <a:schemeClr val="tx1"/>
+          </a:fontRef>
+        </p:style>
+      </p:cxnSp>
+      <p:pic>
+        <p:nvPicPr>
+          <p:cNvPr id="19" name="Picture 18">
+            <a:extLst>
+              <a:ext uri="{FF2B5EF4-FFF2-40B4-BE49-F238E27FC236}">
+                <a16:creationId xmlns:a16="http://schemas.microsoft.com/office/drawing/2014/main" id="{978F0826-873E-402D-BFB7-D866ED5C03B5}"/>
+              </a:ext>
+            </a:extLst>
+          </p:cNvPr>
+          <p:cNvPicPr>
+            <a:picLocks noChangeAspect="1"/>
+          </p:cNvPicPr>
+          <p:nvPr/>
+        </p:nvPicPr>
+        <p:blipFill>
+          <a:blip r:embed="rId7"/>
+          <a:stretch>
+            <a:fillRect/>
+          </a:stretch>
+        </p:blipFill>
+        <p:spPr>
+          <a:xfrm>
+            <a:off x="4627527" y="3556439"/>
+            <a:ext cx="4419691" cy="897858"/>
+          </a:xfrm>
+          <a:prstGeom prst="rect">
+            <a:avLst/>
+          </a:prstGeom>
+        </p:spPr>
+      </p:pic>
+      <p:pic>
+        <p:nvPicPr>
+          <p:cNvPr id="21" name="Picture 20">
+            <a:extLst>
+              <a:ext uri="{FF2B5EF4-FFF2-40B4-BE49-F238E27FC236}">
+                <a16:creationId xmlns:a16="http://schemas.microsoft.com/office/drawing/2014/main" id="{BE701D77-761D-4EB8-B646-FAD53AFB4FFE}"/>
+              </a:ext>
+            </a:extLst>
+          </p:cNvPr>
+          <p:cNvPicPr>
+            <a:picLocks noChangeAspect="1"/>
+          </p:cNvPicPr>
+          <p:nvPr/>
+        </p:nvPicPr>
+        <p:blipFill>
+          <a:blip r:embed="rId8"/>
+          <a:stretch>
+            <a:fillRect/>
+          </a:stretch>
+        </p:blipFill>
+        <p:spPr>
+          <a:xfrm>
+            <a:off x="4627527" y="4545820"/>
+            <a:ext cx="2711527" cy="1037159"/>
+          </a:xfrm>
+          <a:prstGeom prst="rect">
+            <a:avLst/>
+          </a:prstGeom>
+        </p:spPr>
+      </p:pic>
+      <p:cxnSp>
+        <p:nvCxnSpPr>
+          <p:cNvPr id="23" name="Straight Arrow Connector 22">
+            <a:extLst>
+              <a:ext uri="{FF2B5EF4-FFF2-40B4-BE49-F238E27FC236}">
+                <a16:creationId xmlns:a16="http://schemas.microsoft.com/office/drawing/2014/main" id="{CA751567-0A0B-47CE-8EA1-C51043C443B0}"/>
+              </a:ext>
+            </a:extLst>
+          </p:cNvPr>
+          <p:cNvCxnSpPr/>
+          <p:nvPr/>
+        </p:nvCxnSpPr>
+        <p:spPr>
+          <a:xfrm flipV="1">
+            <a:off x="2782957" y="3888188"/>
+            <a:ext cx="1917961" cy="1025718"/>
+          </a:xfrm>
+          <a:prstGeom prst="straightConnector1">
+            <a:avLst/>
+          </a:prstGeom>
+          <a:ln>
+            <a:tailEnd type="triangle"/>
+          </a:ln>
+        </p:spPr>
+        <p:style>
+          <a:lnRef idx="1">
+            <a:schemeClr val="accent1"/>
+          </a:lnRef>
+          <a:fillRef idx="0">
+            <a:schemeClr val="accent1"/>
+          </a:fillRef>
+          <a:effectRef idx="0">
+            <a:schemeClr val="accent1"/>
+          </a:effectRef>
+          <a:fontRef idx="minor">
+            <a:schemeClr val="tx1"/>
+          </a:fontRef>
+        </p:style>
+      </p:cxnSp>
+      <p:cxnSp>
+        <p:nvCxnSpPr>
+          <p:cNvPr id="25" name="Straight Arrow Connector 24">
+            <a:extLst>
+              <a:ext uri="{FF2B5EF4-FFF2-40B4-BE49-F238E27FC236}">
+                <a16:creationId xmlns:a16="http://schemas.microsoft.com/office/drawing/2014/main" id="{37F12E39-51CD-4817-9A96-16456C8F580C}"/>
+              </a:ext>
+            </a:extLst>
+          </p:cNvPr>
+          <p:cNvCxnSpPr>
+            <a:cxnSpLocks/>
+          </p:cNvCxnSpPr>
+          <p:nvPr/>
+        </p:nvCxnSpPr>
+        <p:spPr>
+          <a:xfrm>
+            <a:off x="2138901" y="5064399"/>
+            <a:ext cx="2488626" cy="236298"/>
           </a:xfrm>
           <a:prstGeom prst="straightConnector1">
             <a:avLst/>
@@ -4118,7 +4951,7 @@
         </p:blipFill>
         <p:spPr>
           <a:xfrm>
-            <a:off x="5012080" y="217358"/>
+            <a:off x="4775688" y="826936"/>
             <a:ext cx="6763694" cy="857370"/>
           </a:xfrm>
           <a:prstGeom prst="rect">
@@ -4140,8 +4973,281 @@
         </p:nvCxnSpPr>
         <p:spPr>
           <a:xfrm flipV="1">
-            <a:off x="3371353" y="826936"/>
+            <a:off x="3225184" y="1359674"/>
             <a:ext cx="1550504" cy="1113182"/>
+          </a:xfrm>
+          <a:prstGeom prst="straightConnector1">
+            <a:avLst/>
+          </a:prstGeom>
+          <a:ln>
+            <a:tailEnd type="triangle"/>
+          </a:ln>
+        </p:spPr>
+        <p:style>
+          <a:lnRef idx="1">
+            <a:schemeClr val="accent1"/>
+          </a:lnRef>
+          <a:fillRef idx="0">
+            <a:schemeClr val="accent1"/>
+          </a:fillRef>
+          <a:effectRef idx="0">
+            <a:schemeClr val="accent1"/>
+          </a:effectRef>
+          <a:fontRef idx="minor">
+            <a:schemeClr val="tx1"/>
+          </a:fontRef>
+        </p:style>
+      </p:cxnSp>
+      <p:pic>
+        <p:nvPicPr>
+          <p:cNvPr id="8" name="Picture 7">
+            <a:extLst>
+              <a:ext uri="{FF2B5EF4-FFF2-40B4-BE49-F238E27FC236}">
+                <a16:creationId xmlns:a16="http://schemas.microsoft.com/office/drawing/2014/main" id="{DFAA7427-4B51-485D-9CF4-B7F61C873E1F}"/>
+              </a:ext>
+            </a:extLst>
+          </p:cNvPr>
+          <p:cNvPicPr>
+            <a:picLocks noChangeAspect="1"/>
+          </p:cNvPicPr>
+          <p:nvPr/>
+        </p:nvPicPr>
+        <p:blipFill>
+          <a:blip r:embed="rId4"/>
+          <a:stretch>
+            <a:fillRect/>
+          </a:stretch>
+        </p:blipFill>
+        <p:spPr>
+          <a:xfrm>
+            <a:off x="4680897" y="1715480"/>
+            <a:ext cx="3365257" cy="1954529"/>
+          </a:xfrm>
+          <a:prstGeom prst="rect">
+            <a:avLst/>
+          </a:prstGeom>
+        </p:spPr>
+      </p:pic>
+      <p:pic>
+        <p:nvPicPr>
+          <p:cNvPr id="10" name="Picture 9">
+            <a:extLst>
+              <a:ext uri="{FF2B5EF4-FFF2-40B4-BE49-F238E27FC236}">
+                <a16:creationId xmlns:a16="http://schemas.microsoft.com/office/drawing/2014/main" id="{0D6C0652-F045-44E7-BD4F-0FE8D19A9676}"/>
+              </a:ext>
+            </a:extLst>
+          </p:cNvPr>
+          <p:cNvPicPr>
+            <a:picLocks noChangeAspect="1"/>
+          </p:cNvPicPr>
+          <p:nvPr/>
+        </p:nvPicPr>
+        <p:blipFill>
+          <a:blip r:embed="rId5"/>
+          <a:stretch>
+            <a:fillRect/>
+          </a:stretch>
+        </p:blipFill>
+        <p:spPr>
+          <a:xfrm>
+            <a:off x="6541670" y="2211974"/>
+            <a:ext cx="4527505" cy="669915"/>
+          </a:xfrm>
+          <a:prstGeom prst="rect">
+            <a:avLst/>
+          </a:prstGeom>
+        </p:spPr>
+      </p:pic>
+      <p:pic>
+        <p:nvPicPr>
+          <p:cNvPr id="12" name="Picture 11">
+            <a:extLst>
+              <a:ext uri="{FF2B5EF4-FFF2-40B4-BE49-F238E27FC236}">
+                <a16:creationId xmlns:a16="http://schemas.microsoft.com/office/drawing/2014/main" id="{EB9CD785-D77D-417D-867F-1445E8E23005}"/>
+              </a:ext>
+            </a:extLst>
+          </p:cNvPr>
+          <p:cNvPicPr>
+            <a:picLocks noChangeAspect="1"/>
+          </p:cNvPicPr>
+          <p:nvPr/>
+        </p:nvPicPr>
+        <p:blipFill>
+          <a:blip r:embed="rId6"/>
+          <a:stretch>
+            <a:fillRect/>
+          </a:stretch>
+        </p:blipFill>
+        <p:spPr>
+          <a:xfrm>
+            <a:off x="4675042" y="4827364"/>
+            <a:ext cx="4096322" cy="1381318"/>
+          </a:xfrm>
+          <a:prstGeom prst="rect">
+            <a:avLst/>
+          </a:prstGeom>
+        </p:spPr>
+      </p:pic>
+      <p:pic>
+        <p:nvPicPr>
+          <p:cNvPr id="14" name="Picture 13">
+            <a:extLst>
+              <a:ext uri="{FF2B5EF4-FFF2-40B4-BE49-F238E27FC236}">
+                <a16:creationId xmlns:a16="http://schemas.microsoft.com/office/drawing/2014/main" id="{2D06DAE6-96B9-44F3-B0B5-1C940BE7BA14}"/>
+              </a:ext>
+            </a:extLst>
+          </p:cNvPr>
+          <p:cNvPicPr>
+            <a:picLocks noChangeAspect="1"/>
+          </p:cNvPicPr>
+          <p:nvPr/>
+        </p:nvPicPr>
+        <p:blipFill>
+          <a:blip r:embed="rId7"/>
+          <a:stretch>
+            <a:fillRect/>
+          </a:stretch>
+        </p:blipFill>
+        <p:spPr>
+          <a:xfrm>
+            <a:off x="4675042" y="3777965"/>
+            <a:ext cx="6462483" cy="1041270"/>
+          </a:xfrm>
+          <a:prstGeom prst="rect">
+            <a:avLst/>
+          </a:prstGeom>
+        </p:spPr>
+      </p:pic>
+      <p:pic>
+        <p:nvPicPr>
+          <p:cNvPr id="16" name="Picture 15">
+            <a:extLst>
+              <a:ext uri="{FF2B5EF4-FFF2-40B4-BE49-F238E27FC236}">
+                <a16:creationId xmlns:a16="http://schemas.microsoft.com/office/drawing/2014/main" id="{312676F5-C928-4EF7-A4EB-317E67C2C548}"/>
+              </a:ext>
+            </a:extLst>
+          </p:cNvPr>
+          <p:cNvPicPr>
+            <a:picLocks noChangeAspect="1"/>
+          </p:cNvPicPr>
+          <p:nvPr/>
+        </p:nvPicPr>
+        <p:blipFill>
+          <a:blip r:embed="rId8"/>
+          <a:stretch>
+            <a:fillRect/>
+          </a:stretch>
+        </p:blipFill>
+        <p:spPr>
+          <a:xfrm>
+            <a:off x="4675042" y="46227"/>
+            <a:ext cx="3888514" cy="621862"/>
+          </a:xfrm>
+          <a:prstGeom prst="rect">
+            <a:avLst/>
+          </a:prstGeom>
+        </p:spPr>
+      </p:pic>
+      <p:cxnSp>
+        <p:nvCxnSpPr>
+          <p:cNvPr id="18" name="Straight Arrow Connector 17">
+            <a:extLst>
+              <a:ext uri="{FF2B5EF4-FFF2-40B4-BE49-F238E27FC236}">
+                <a16:creationId xmlns:a16="http://schemas.microsoft.com/office/drawing/2014/main" id="{376ACE2A-66B6-49C8-9F51-2DF29D79715D}"/>
+              </a:ext>
+            </a:extLst>
+          </p:cNvPr>
+          <p:cNvCxnSpPr>
+            <a:cxnSpLocks/>
+          </p:cNvCxnSpPr>
+          <p:nvPr/>
+        </p:nvCxnSpPr>
+        <p:spPr>
+          <a:xfrm>
+            <a:off x="2124323" y="5123520"/>
+            <a:ext cx="2718021" cy="0"/>
+          </a:xfrm>
+          <a:prstGeom prst="straightConnector1">
+            <a:avLst/>
+          </a:prstGeom>
+          <a:ln>
+            <a:tailEnd type="triangle"/>
+          </a:ln>
+        </p:spPr>
+        <p:style>
+          <a:lnRef idx="1">
+            <a:schemeClr val="accent1"/>
+          </a:lnRef>
+          <a:fillRef idx="0">
+            <a:schemeClr val="accent1"/>
+          </a:fillRef>
+          <a:effectRef idx="0">
+            <a:schemeClr val="accent1"/>
+          </a:effectRef>
+          <a:fontRef idx="minor">
+            <a:schemeClr val="tx1"/>
+          </a:fontRef>
+        </p:style>
+      </p:cxnSp>
+      <p:cxnSp>
+        <p:nvCxnSpPr>
+          <p:cNvPr id="19" name="Straight Arrow Connector 18">
+            <a:extLst>
+              <a:ext uri="{FF2B5EF4-FFF2-40B4-BE49-F238E27FC236}">
+                <a16:creationId xmlns:a16="http://schemas.microsoft.com/office/drawing/2014/main" id="{E423E5AA-9682-4F39-9A59-047DCE4E7A5C}"/>
+              </a:ext>
+            </a:extLst>
+          </p:cNvPr>
+          <p:cNvCxnSpPr>
+            <a:cxnSpLocks/>
+          </p:cNvCxnSpPr>
+          <p:nvPr/>
+        </p:nvCxnSpPr>
+        <p:spPr>
+          <a:xfrm flipV="1">
+            <a:off x="2728622" y="4305631"/>
+            <a:ext cx="2113722" cy="694644"/>
+          </a:xfrm>
+          <a:prstGeom prst="straightConnector1">
+            <a:avLst/>
+          </a:prstGeom>
+          <a:ln>
+            <a:tailEnd type="triangle"/>
+          </a:ln>
+        </p:spPr>
+        <p:style>
+          <a:lnRef idx="1">
+            <a:schemeClr val="accent1"/>
+          </a:lnRef>
+          <a:fillRef idx="0">
+            <a:schemeClr val="accent1"/>
+          </a:fillRef>
+          <a:effectRef idx="0">
+            <a:schemeClr val="accent1"/>
+          </a:effectRef>
+          <a:fontRef idx="minor">
+            <a:schemeClr val="tx1"/>
+          </a:fontRef>
+        </p:style>
+      </p:cxnSp>
+      <p:cxnSp>
+        <p:nvCxnSpPr>
+          <p:cNvPr id="20" name="Straight Arrow Connector 19">
+            <a:extLst>
+              <a:ext uri="{FF2B5EF4-FFF2-40B4-BE49-F238E27FC236}">
+                <a16:creationId xmlns:a16="http://schemas.microsoft.com/office/drawing/2014/main" id="{AEC0544F-8593-4520-90A8-FC1A60E7FAC2}"/>
+              </a:ext>
+            </a:extLst>
+          </p:cNvPr>
+          <p:cNvCxnSpPr>
+            <a:cxnSpLocks/>
+          </p:cNvCxnSpPr>
+          <p:nvPr/>
+        </p:nvCxnSpPr>
+        <p:spPr>
+          <a:xfrm flipV="1">
+            <a:off x="3845782" y="401542"/>
+            <a:ext cx="1208598" cy="540510"/>
           </a:xfrm>
           <a:prstGeom prst="straightConnector1">
             <a:avLst/>
@@ -4246,7 +5352,7 @@
         </p:blipFill>
         <p:spPr>
           <a:xfrm>
-            <a:off x="5320733" y="432044"/>
+            <a:off x="4634273" y="1209283"/>
             <a:ext cx="4953691" cy="857370"/>
           </a:xfrm>
           <a:prstGeom prst="rect">
@@ -4268,8 +5374,281 @@
         </p:nvCxnSpPr>
         <p:spPr>
           <a:xfrm flipV="1">
-            <a:off x="3244132" y="1073426"/>
+            <a:off x="2940283" y="1474507"/>
             <a:ext cx="1836751" cy="1129085"/>
+          </a:xfrm>
+          <a:prstGeom prst="straightConnector1">
+            <a:avLst/>
+          </a:prstGeom>
+          <a:ln>
+            <a:tailEnd type="triangle"/>
+          </a:ln>
+        </p:spPr>
+        <p:style>
+          <a:lnRef idx="1">
+            <a:schemeClr val="accent1"/>
+          </a:lnRef>
+          <a:fillRef idx="0">
+            <a:schemeClr val="accent1"/>
+          </a:fillRef>
+          <a:effectRef idx="0">
+            <a:schemeClr val="accent1"/>
+          </a:effectRef>
+          <a:fontRef idx="minor">
+            <a:schemeClr val="tx1"/>
+          </a:fontRef>
+        </p:style>
+      </p:cxnSp>
+      <p:pic>
+        <p:nvPicPr>
+          <p:cNvPr id="8" name="Picture 7">
+            <a:extLst>
+              <a:ext uri="{FF2B5EF4-FFF2-40B4-BE49-F238E27FC236}">
+                <a16:creationId xmlns:a16="http://schemas.microsoft.com/office/drawing/2014/main" id="{61410FCB-3A6A-4606-8D05-30419EFF7889}"/>
+              </a:ext>
+            </a:extLst>
+          </p:cNvPr>
+          <p:cNvPicPr>
+            <a:picLocks noChangeAspect="1"/>
+          </p:cNvPicPr>
+          <p:nvPr/>
+        </p:nvPicPr>
+        <p:blipFill>
+          <a:blip r:embed="rId4"/>
+          <a:stretch>
+            <a:fillRect/>
+          </a:stretch>
+        </p:blipFill>
+        <p:spPr>
+          <a:xfrm>
+            <a:off x="4610802" y="2039050"/>
+            <a:ext cx="2970396" cy="1153398"/>
+          </a:xfrm>
+          <a:prstGeom prst="rect">
+            <a:avLst/>
+          </a:prstGeom>
+        </p:spPr>
+      </p:pic>
+      <p:pic>
+        <p:nvPicPr>
+          <p:cNvPr id="10" name="Picture 9">
+            <a:extLst>
+              <a:ext uri="{FF2B5EF4-FFF2-40B4-BE49-F238E27FC236}">
+                <a16:creationId xmlns:a16="http://schemas.microsoft.com/office/drawing/2014/main" id="{9CB3D2AB-9E0B-4038-A276-12C3F29EF06B}"/>
+              </a:ext>
+            </a:extLst>
+          </p:cNvPr>
+          <p:cNvPicPr>
+            <a:picLocks noChangeAspect="1"/>
+          </p:cNvPicPr>
+          <p:nvPr/>
+        </p:nvPicPr>
+        <p:blipFill>
+          <a:blip r:embed="rId5"/>
+          <a:stretch>
+            <a:fillRect/>
+          </a:stretch>
+        </p:blipFill>
+        <p:spPr>
+          <a:xfrm>
+            <a:off x="4610802" y="3192448"/>
+            <a:ext cx="5232745" cy="841818"/>
+          </a:xfrm>
+          <a:prstGeom prst="rect">
+            <a:avLst/>
+          </a:prstGeom>
+        </p:spPr>
+      </p:pic>
+      <p:pic>
+        <p:nvPicPr>
+          <p:cNvPr id="12" name="Picture 11">
+            <a:extLst>
+              <a:ext uri="{FF2B5EF4-FFF2-40B4-BE49-F238E27FC236}">
+                <a16:creationId xmlns:a16="http://schemas.microsoft.com/office/drawing/2014/main" id="{21762125-3796-4BC8-9C2B-7EE3CC3CC084}"/>
+              </a:ext>
+            </a:extLst>
+          </p:cNvPr>
+          <p:cNvPicPr>
+            <a:picLocks noChangeAspect="1"/>
+          </p:cNvPicPr>
+          <p:nvPr/>
+        </p:nvPicPr>
+        <p:blipFill>
+          <a:blip r:embed="rId6"/>
+          <a:stretch>
+            <a:fillRect/>
+          </a:stretch>
+        </p:blipFill>
+        <p:spPr>
+          <a:xfrm>
+            <a:off x="4610802" y="4979011"/>
+            <a:ext cx="4148454" cy="1133543"/>
+          </a:xfrm>
+          <a:prstGeom prst="rect">
+            <a:avLst/>
+          </a:prstGeom>
+        </p:spPr>
+      </p:pic>
+      <p:pic>
+        <p:nvPicPr>
+          <p:cNvPr id="14" name="Picture 13">
+            <a:extLst>
+              <a:ext uri="{FF2B5EF4-FFF2-40B4-BE49-F238E27FC236}">
+                <a16:creationId xmlns:a16="http://schemas.microsoft.com/office/drawing/2014/main" id="{7122E369-5A70-4A3C-BCFF-9FF097B1097E}"/>
+              </a:ext>
+            </a:extLst>
+          </p:cNvPr>
+          <p:cNvPicPr>
+            <a:picLocks noChangeAspect="1"/>
+          </p:cNvPicPr>
+          <p:nvPr/>
+        </p:nvPicPr>
+        <p:blipFill>
+          <a:blip r:embed="rId7"/>
+          <a:stretch>
+            <a:fillRect/>
+          </a:stretch>
+        </p:blipFill>
+        <p:spPr>
+          <a:xfrm>
+            <a:off x="4610802" y="4135954"/>
+            <a:ext cx="4756095" cy="830966"/>
+          </a:xfrm>
+          <a:prstGeom prst="rect">
+            <a:avLst/>
+          </a:prstGeom>
+        </p:spPr>
+      </p:pic>
+      <p:pic>
+        <p:nvPicPr>
+          <p:cNvPr id="16" name="Picture 15">
+            <a:extLst>
+              <a:ext uri="{FF2B5EF4-FFF2-40B4-BE49-F238E27FC236}">
+                <a16:creationId xmlns:a16="http://schemas.microsoft.com/office/drawing/2014/main" id="{98AC26FC-DA3E-4CA0-A648-13514EA8D5DC}"/>
+              </a:ext>
+            </a:extLst>
+          </p:cNvPr>
+          <p:cNvPicPr>
+            <a:picLocks noChangeAspect="1"/>
+          </p:cNvPicPr>
+          <p:nvPr/>
+        </p:nvPicPr>
+        <p:blipFill>
+          <a:blip r:embed="rId8"/>
+          <a:stretch>
+            <a:fillRect/>
+          </a:stretch>
+        </p:blipFill>
+        <p:spPr>
+          <a:xfrm>
+            <a:off x="4693173" y="183303"/>
+            <a:ext cx="3794110" cy="456383"/>
+          </a:xfrm>
+          <a:prstGeom prst="rect">
+            <a:avLst/>
+          </a:prstGeom>
+        </p:spPr>
+      </p:pic>
+      <p:cxnSp>
+        <p:nvCxnSpPr>
+          <p:cNvPr id="17" name="Straight Arrow Connector 16">
+            <a:extLst>
+              <a:ext uri="{FF2B5EF4-FFF2-40B4-BE49-F238E27FC236}">
+                <a16:creationId xmlns:a16="http://schemas.microsoft.com/office/drawing/2014/main" id="{631F42E5-2298-4762-9E98-525737D82C22}"/>
+              </a:ext>
+            </a:extLst>
+          </p:cNvPr>
+          <p:cNvCxnSpPr>
+            <a:cxnSpLocks/>
+          </p:cNvCxnSpPr>
+          <p:nvPr/>
+        </p:nvCxnSpPr>
+        <p:spPr>
+          <a:xfrm flipV="1">
+            <a:off x="3786146" y="505543"/>
+            <a:ext cx="1208598" cy="445619"/>
+          </a:xfrm>
+          <a:prstGeom prst="straightConnector1">
+            <a:avLst/>
+          </a:prstGeom>
+          <a:ln>
+            <a:tailEnd type="triangle"/>
+          </a:ln>
+        </p:spPr>
+        <p:style>
+          <a:lnRef idx="1">
+            <a:schemeClr val="accent1"/>
+          </a:lnRef>
+          <a:fillRef idx="0">
+            <a:schemeClr val="accent1"/>
+          </a:fillRef>
+          <a:effectRef idx="0">
+            <a:schemeClr val="accent1"/>
+          </a:effectRef>
+          <a:fontRef idx="minor">
+            <a:schemeClr val="tx1"/>
+          </a:fontRef>
+        </p:style>
+      </p:cxnSp>
+      <p:cxnSp>
+        <p:nvCxnSpPr>
+          <p:cNvPr id="18" name="Straight Arrow Connector 17">
+            <a:extLst>
+              <a:ext uri="{FF2B5EF4-FFF2-40B4-BE49-F238E27FC236}">
+                <a16:creationId xmlns:a16="http://schemas.microsoft.com/office/drawing/2014/main" id="{CD42BFCB-514C-45B4-9B6D-EACD03712232}"/>
+              </a:ext>
+            </a:extLst>
+          </p:cNvPr>
+          <p:cNvCxnSpPr>
+            <a:cxnSpLocks/>
+          </p:cNvCxnSpPr>
+          <p:nvPr/>
+        </p:nvCxnSpPr>
+        <p:spPr>
+          <a:xfrm flipV="1">
+            <a:off x="2729948" y="4370999"/>
+            <a:ext cx="1963225" cy="634397"/>
+          </a:xfrm>
+          <a:prstGeom prst="straightConnector1">
+            <a:avLst/>
+          </a:prstGeom>
+          <a:ln>
+            <a:tailEnd type="triangle"/>
+          </a:ln>
+        </p:spPr>
+        <p:style>
+          <a:lnRef idx="1">
+            <a:schemeClr val="accent1"/>
+          </a:lnRef>
+          <a:fillRef idx="0">
+            <a:schemeClr val="accent1"/>
+          </a:fillRef>
+          <a:effectRef idx="0">
+            <a:schemeClr val="accent1"/>
+          </a:effectRef>
+          <a:fontRef idx="minor">
+            <a:schemeClr val="tx1"/>
+          </a:fontRef>
+        </p:style>
+      </p:cxnSp>
+      <p:cxnSp>
+        <p:nvCxnSpPr>
+          <p:cNvPr id="19" name="Straight Arrow Connector 18">
+            <a:extLst>
+              <a:ext uri="{FF2B5EF4-FFF2-40B4-BE49-F238E27FC236}">
+                <a16:creationId xmlns:a16="http://schemas.microsoft.com/office/drawing/2014/main" id="{9420558D-E517-4914-97B6-6EF2A4D5685F}"/>
+              </a:ext>
+            </a:extLst>
+          </p:cNvPr>
+          <p:cNvCxnSpPr>
+            <a:cxnSpLocks/>
+          </p:cNvCxnSpPr>
+          <p:nvPr/>
+        </p:nvCxnSpPr>
+        <p:spPr>
+          <a:xfrm>
+            <a:off x="2125649" y="5128641"/>
+            <a:ext cx="2708744" cy="417141"/>
           </a:xfrm>
           <a:prstGeom prst="straightConnector1">
             <a:avLst/>
@@ -4374,8 +5753,8 @@
         </p:blipFill>
         <p:spPr>
           <a:xfrm>
-            <a:off x="5116984" y="169613"/>
-            <a:ext cx="6697010" cy="809738"/>
+            <a:off x="4683386" y="1088324"/>
+            <a:ext cx="5510186" cy="666239"/>
           </a:xfrm>
           <a:prstGeom prst="rect">
             <a:avLst/>
@@ -4391,13 +5770,288 @@
               </a:ext>
             </a:extLst>
           </p:cNvPr>
-          <p:cNvCxnSpPr/>
+          <p:cNvCxnSpPr>
+            <a:cxnSpLocks/>
+          </p:cNvCxnSpPr>
           <p:nvPr/>
         </p:nvCxnSpPr>
         <p:spPr>
           <a:xfrm flipV="1">
-            <a:off x="2775005" y="795130"/>
-            <a:ext cx="2194560" cy="1248355"/>
+            <a:off x="2369892" y="1348805"/>
+            <a:ext cx="2313494" cy="543588"/>
+          </a:xfrm>
+          <a:prstGeom prst="straightConnector1">
+            <a:avLst/>
+          </a:prstGeom>
+          <a:ln>
+            <a:tailEnd type="triangle"/>
+          </a:ln>
+        </p:spPr>
+        <p:style>
+          <a:lnRef idx="1">
+            <a:schemeClr val="accent1"/>
+          </a:lnRef>
+          <a:fillRef idx="0">
+            <a:schemeClr val="accent1"/>
+          </a:fillRef>
+          <a:effectRef idx="0">
+            <a:schemeClr val="accent1"/>
+          </a:effectRef>
+          <a:fontRef idx="minor">
+            <a:schemeClr val="tx1"/>
+          </a:fontRef>
+        </p:style>
+      </p:cxnSp>
+      <p:pic>
+        <p:nvPicPr>
+          <p:cNvPr id="8" name="Picture 7">
+            <a:extLst>
+              <a:ext uri="{FF2B5EF4-FFF2-40B4-BE49-F238E27FC236}">
+                <a16:creationId xmlns:a16="http://schemas.microsoft.com/office/drawing/2014/main" id="{7997AB51-FEDE-4491-8F0D-E1218E5EE0AD}"/>
+              </a:ext>
+            </a:extLst>
+          </p:cNvPr>
+          <p:cNvPicPr>
+            <a:picLocks noChangeAspect="1"/>
+          </p:cNvPicPr>
+          <p:nvPr/>
+        </p:nvPicPr>
+        <p:blipFill>
+          <a:blip r:embed="rId4"/>
+          <a:stretch>
+            <a:fillRect/>
+          </a:stretch>
+        </p:blipFill>
+        <p:spPr>
+          <a:xfrm>
+            <a:off x="4579951" y="1894701"/>
+            <a:ext cx="3564324" cy="1421904"/>
+          </a:xfrm>
+          <a:prstGeom prst="rect">
+            <a:avLst/>
+          </a:prstGeom>
+        </p:spPr>
+      </p:pic>
+      <p:pic>
+        <p:nvPicPr>
+          <p:cNvPr id="10" name="Picture 9">
+            <a:extLst>
+              <a:ext uri="{FF2B5EF4-FFF2-40B4-BE49-F238E27FC236}">
+                <a16:creationId xmlns:a16="http://schemas.microsoft.com/office/drawing/2014/main" id="{B862B088-302C-4533-830E-3205D7414FBD}"/>
+              </a:ext>
+            </a:extLst>
+          </p:cNvPr>
+          <p:cNvPicPr>
+            <a:picLocks noChangeAspect="1"/>
+          </p:cNvPicPr>
+          <p:nvPr/>
+        </p:nvPicPr>
+        <p:blipFill>
+          <a:blip r:embed="rId5"/>
+          <a:stretch>
+            <a:fillRect/>
+          </a:stretch>
+        </p:blipFill>
+        <p:spPr>
+          <a:xfrm>
+            <a:off x="6480312" y="1918728"/>
+            <a:ext cx="4900083" cy="774692"/>
+          </a:xfrm>
+          <a:prstGeom prst="rect">
+            <a:avLst/>
+          </a:prstGeom>
+        </p:spPr>
+      </p:pic>
+      <p:pic>
+        <p:nvPicPr>
+          <p:cNvPr id="12" name="Picture 11">
+            <a:extLst>
+              <a:ext uri="{FF2B5EF4-FFF2-40B4-BE49-F238E27FC236}">
+                <a16:creationId xmlns:a16="http://schemas.microsoft.com/office/drawing/2014/main" id="{10D2B3BF-6C86-499C-B60C-9EE7EF5ED483}"/>
+              </a:ext>
+            </a:extLst>
+          </p:cNvPr>
+          <p:cNvPicPr>
+            <a:picLocks noChangeAspect="1"/>
+          </p:cNvPicPr>
+          <p:nvPr/>
+        </p:nvPicPr>
+        <p:blipFill>
+          <a:blip r:embed="rId6"/>
+          <a:stretch>
+            <a:fillRect/>
+          </a:stretch>
+        </p:blipFill>
+        <p:spPr>
+          <a:xfrm>
+            <a:off x="4579951" y="139843"/>
+            <a:ext cx="6652987" cy="751253"/>
+          </a:xfrm>
+          <a:prstGeom prst="rect">
+            <a:avLst/>
+          </a:prstGeom>
+        </p:spPr>
+      </p:pic>
+      <p:pic>
+        <p:nvPicPr>
+          <p:cNvPr id="15" name="Picture 14">
+            <a:extLst>
+              <a:ext uri="{FF2B5EF4-FFF2-40B4-BE49-F238E27FC236}">
+                <a16:creationId xmlns:a16="http://schemas.microsoft.com/office/drawing/2014/main" id="{F6866091-EF12-4D23-9452-B0057DD857E5}"/>
+              </a:ext>
+            </a:extLst>
+          </p:cNvPr>
+          <p:cNvPicPr>
+            <a:picLocks noChangeAspect="1"/>
+          </p:cNvPicPr>
+          <p:nvPr/>
+        </p:nvPicPr>
+        <p:blipFill>
+          <a:blip r:embed="rId7"/>
+          <a:stretch>
+            <a:fillRect/>
+          </a:stretch>
+        </p:blipFill>
+        <p:spPr>
+          <a:xfrm>
+            <a:off x="4579951" y="3651312"/>
+            <a:ext cx="4826770" cy="1026538"/>
+          </a:xfrm>
+          <a:prstGeom prst="rect">
+            <a:avLst/>
+          </a:prstGeom>
+        </p:spPr>
+      </p:pic>
+      <p:pic>
+        <p:nvPicPr>
+          <p:cNvPr id="17" name="Picture 16">
+            <a:extLst>
+              <a:ext uri="{FF2B5EF4-FFF2-40B4-BE49-F238E27FC236}">
+                <a16:creationId xmlns:a16="http://schemas.microsoft.com/office/drawing/2014/main" id="{02CEAA92-0724-4406-832A-8ADA2AA36DCF}"/>
+              </a:ext>
+            </a:extLst>
+          </p:cNvPr>
+          <p:cNvPicPr>
+            <a:picLocks noChangeAspect="1"/>
+          </p:cNvPicPr>
+          <p:nvPr/>
+        </p:nvPicPr>
+        <p:blipFill>
+          <a:blip r:embed="rId8"/>
+          <a:stretch>
+            <a:fillRect/>
+          </a:stretch>
+        </p:blipFill>
+        <p:spPr>
+          <a:xfrm>
+            <a:off x="4579951" y="4711567"/>
+            <a:ext cx="3767829" cy="1186597"/>
+          </a:xfrm>
+          <a:prstGeom prst="rect">
+            <a:avLst/>
+          </a:prstGeom>
+        </p:spPr>
+      </p:pic>
+      <p:cxnSp>
+        <p:nvCxnSpPr>
+          <p:cNvPr id="18" name="Straight Arrow Connector 17">
+            <a:extLst>
+              <a:ext uri="{FF2B5EF4-FFF2-40B4-BE49-F238E27FC236}">
+                <a16:creationId xmlns:a16="http://schemas.microsoft.com/office/drawing/2014/main" id="{57EF29A4-7869-4EAA-9EEC-A0B21F57121E}"/>
+              </a:ext>
+            </a:extLst>
+          </p:cNvPr>
+          <p:cNvCxnSpPr>
+            <a:cxnSpLocks/>
+          </p:cNvCxnSpPr>
+          <p:nvPr/>
+        </p:nvCxnSpPr>
+        <p:spPr>
+          <a:xfrm flipV="1">
+            <a:off x="3797151" y="593640"/>
+            <a:ext cx="1208598" cy="437560"/>
+          </a:xfrm>
+          <a:prstGeom prst="straightConnector1">
+            <a:avLst/>
+          </a:prstGeom>
+          <a:ln>
+            <a:tailEnd type="triangle"/>
+          </a:ln>
+        </p:spPr>
+        <p:style>
+          <a:lnRef idx="1">
+            <a:schemeClr val="accent1"/>
+          </a:lnRef>
+          <a:fillRef idx="0">
+            <a:schemeClr val="accent1"/>
+          </a:fillRef>
+          <a:effectRef idx="0">
+            <a:schemeClr val="accent1"/>
+          </a:effectRef>
+          <a:fontRef idx="minor">
+            <a:schemeClr val="tx1"/>
+          </a:fontRef>
+        </p:style>
+      </p:cxnSp>
+      <p:cxnSp>
+        <p:nvCxnSpPr>
+          <p:cNvPr id="19" name="Straight Arrow Connector 18">
+            <a:extLst>
+              <a:ext uri="{FF2B5EF4-FFF2-40B4-BE49-F238E27FC236}">
+                <a16:creationId xmlns:a16="http://schemas.microsoft.com/office/drawing/2014/main" id="{B678D1BD-26DF-4EC9-B2CA-5185187DA8EC}"/>
+              </a:ext>
+            </a:extLst>
+          </p:cNvPr>
+          <p:cNvCxnSpPr>
+            <a:cxnSpLocks/>
+          </p:cNvCxnSpPr>
+          <p:nvPr/>
+        </p:nvCxnSpPr>
+        <p:spPr>
+          <a:xfrm flipV="1">
+            <a:off x="2572650" y="4164581"/>
+            <a:ext cx="2167135" cy="785398"/>
+          </a:xfrm>
+          <a:prstGeom prst="straightConnector1">
+            <a:avLst/>
+          </a:prstGeom>
+          <a:ln>
+            <a:tailEnd type="triangle"/>
+          </a:ln>
+        </p:spPr>
+        <p:style>
+          <a:lnRef idx="1">
+            <a:schemeClr val="accent1"/>
+          </a:lnRef>
+          <a:fillRef idx="0">
+            <a:schemeClr val="accent1"/>
+          </a:fillRef>
+          <a:effectRef idx="0">
+            <a:schemeClr val="accent1"/>
+          </a:effectRef>
+          <a:fontRef idx="minor">
+            <a:schemeClr val="tx1"/>
+          </a:fontRef>
+        </p:style>
+      </p:cxnSp>
+      <p:cxnSp>
+        <p:nvCxnSpPr>
+          <p:cNvPr id="20" name="Straight Arrow Connector 19">
+            <a:extLst>
+              <a:ext uri="{FF2B5EF4-FFF2-40B4-BE49-F238E27FC236}">
+                <a16:creationId xmlns:a16="http://schemas.microsoft.com/office/drawing/2014/main" id="{11EAD0F9-E95C-4AF9-BB9D-A1F3852F4EFF}"/>
+              </a:ext>
+            </a:extLst>
+          </p:cNvPr>
+          <p:cNvCxnSpPr>
+            <a:cxnSpLocks/>
+          </p:cNvCxnSpPr>
+          <p:nvPr/>
+        </p:nvCxnSpPr>
+        <p:spPr>
+          <a:xfrm>
+            <a:off x="2085028" y="5088853"/>
+            <a:ext cx="2654757" cy="420342"/>
           </a:xfrm>
           <a:prstGeom prst="straightConnector1">
             <a:avLst/>
@@ -4510,7 +6164,7 @@
         </p:blipFill>
         <p:spPr>
           <a:xfrm>
-            <a:off x="5512643" y="190316"/>
+            <a:off x="4624884" y="647002"/>
             <a:ext cx="4315427" cy="847843"/>
           </a:xfrm>
           <a:prstGeom prst="rect">
@@ -4527,13 +6181,289 @@
               </a:ext>
             </a:extLst>
           </p:cNvPr>
-          <p:cNvCxnSpPr/>
+          <p:cNvCxnSpPr>
+            <a:cxnSpLocks/>
+          </p:cNvCxnSpPr>
           <p:nvPr/>
         </p:nvCxnSpPr>
         <p:spPr>
           <a:xfrm flipV="1">
-            <a:off x="2425148" y="731520"/>
-            <a:ext cx="2894275" cy="1319917"/>
+            <a:off x="2091193" y="1176794"/>
+            <a:ext cx="2803691" cy="636103"/>
+          </a:xfrm>
+          <a:prstGeom prst="straightConnector1">
+            <a:avLst/>
+          </a:prstGeom>
+          <a:ln>
+            <a:tailEnd type="triangle"/>
+          </a:ln>
+        </p:spPr>
+        <p:style>
+          <a:lnRef idx="1">
+            <a:schemeClr val="accent1"/>
+          </a:lnRef>
+          <a:fillRef idx="0">
+            <a:schemeClr val="accent1"/>
+          </a:fillRef>
+          <a:effectRef idx="0">
+            <a:schemeClr val="accent1"/>
+          </a:effectRef>
+          <a:fontRef idx="minor">
+            <a:schemeClr val="tx1"/>
+          </a:fontRef>
+        </p:style>
+      </p:cxnSp>
+      <p:pic>
+        <p:nvPicPr>
+          <p:cNvPr id="35" name="Picture 34">
+            <a:extLst>
+              <a:ext uri="{FF2B5EF4-FFF2-40B4-BE49-F238E27FC236}">
+                <a16:creationId xmlns:a16="http://schemas.microsoft.com/office/drawing/2014/main" id="{C6742D0F-FD04-4CDF-BCDA-003C74E274B3}"/>
+              </a:ext>
+            </a:extLst>
+          </p:cNvPr>
+          <p:cNvPicPr>
+            <a:picLocks noChangeAspect="1"/>
+          </p:cNvPicPr>
+          <p:nvPr/>
+        </p:nvPicPr>
+        <p:blipFill>
+          <a:blip r:embed="rId5"/>
+          <a:stretch>
+            <a:fillRect/>
+          </a:stretch>
+        </p:blipFill>
+        <p:spPr>
+          <a:xfrm>
+            <a:off x="4624884" y="1489840"/>
+            <a:ext cx="2238203" cy="993914"/>
+          </a:xfrm>
+          <a:prstGeom prst="rect">
+            <a:avLst/>
+          </a:prstGeom>
+        </p:spPr>
+      </p:pic>
+      <p:pic>
+        <p:nvPicPr>
+          <p:cNvPr id="37" name="Picture 36">
+            <a:extLst>
+              <a:ext uri="{FF2B5EF4-FFF2-40B4-BE49-F238E27FC236}">
+                <a16:creationId xmlns:a16="http://schemas.microsoft.com/office/drawing/2014/main" id="{50A5E207-5D08-4F5B-8B78-88610E607A80}"/>
+              </a:ext>
+            </a:extLst>
+          </p:cNvPr>
+          <p:cNvPicPr>
+            <a:picLocks noChangeAspect="1"/>
+          </p:cNvPicPr>
+          <p:nvPr/>
+        </p:nvPicPr>
+        <p:blipFill>
+          <a:blip r:embed="rId6"/>
+          <a:stretch>
+            <a:fillRect/>
+          </a:stretch>
+        </p:blipFill>
+        <p:spPr>
+          <a:xfrm>
+            <a:off x="6648402" y="1489840"/>
+            <a:ext cx="4720780" cy="1131286"/>
+          </a:xfrm>
+          <a:prstGeom prst="rect">
+            <a:avLst/>
+          </a:prstGeom>
+        </p:spPr>
+      </p:pic>
+      <p:pic>
+        <p:nvPicPr>
+          <p:cNvPr id="40" name="Picture 39">
+            <a:extLst>
+              <a:ext uri="{FF2B5EF4-FFF2-40B4-BE49-F238E27FC236}">
+                <a16:creationId xmlns:a16="http://schemas.microsoft.com/office/drawing/2014/main" id="{F0007C92-0291-4CA2-849D-AA2E67FE6E23}"/>
+              </a:ext>
+            </a:extLst>
+          </p:cNvPr>
+          <p:cNvPicPr>
+            <a:picLocks noChangeAspect="1"/>
+          </p:cNvPicPr>
+          <p:nvPr/>
+        </p:nvPicPr>
+        <p:blipFill>
+          <a:blip r:embed="rId7"/>
+          <a:stretch>
+            <a:fillRect/>
+          </a:stretch>
+        </p:blipFill>
+        <p:spPr>
+          <a:xfrm>
+            <a:off x="4624884" y="150565"/>
+            <a:ext cx="3272875" cy="463083"/>
+          </a:xfrm>
+          <a:prstGeom prst="rect">
+            <a:avLst/>
+          </a:prstGeom>
+        </p:spPr>
+      </p:pic>
+      <p:pic>
+        <p:nvPicPr>
+          <p:cNvPr id="42" name="Picture 41">
+            <a:extLst>
+              <a:ext uri="{FF2B5EF4-FFF2-40B4-BE49-F238E27FC236}">
+                <a16:creationId xmlns:a16="http://schemas.microsoft.com/office/drawing/2014/main" id="{E0C32A8D-12A4-4E59-A043-989B14A4D794}"/>
+              </a:ext>
+            </a:extLst>
+          </p:cNvPr>
+          <p:cNvPicPr>
+            <a:picLocks noChangeAspect="1"/>
+          </p:cNvPicPr>
+          <p:nvPr/>
+        </p:nvPicPr>
+        <p:blipFill>
+          <a:blip r:embed="rId8"/>
+          <a:stretch>
+            <a:fillRect/>
+          </a:stretch>
+        </p:blipFill>
+        <p:spPr>
+          <a:xfrm>
+            <a:off x="4624884" y="3523341"/>
+            <a:ext cx="4248743" cy="1143160"/>
+          </a:xfrm>
+          <a:prstGeom prst="rect">
+            <a:avLst/>
+          </a:prstGeom>
+        </p:spPr>
+      </p:pic>
+      <p:pic>
+        <p:nvPicPr>
+          <p:cNvPr id="44" name="Picture 43">
+            <a:extLst>
+              <a:ext uri="{FF2B5EF4-FFF2-40B4-BE49-F238E27FC236}">
+                <a16:creationId xmlns:a16="http://schemas.microsoft.com/office/drawing/2014/main" id="{C1E9FCF9-9B5B-4E7F-9146-9CC671132C86}"/>
+              </a:ext>
+            </a:extLst>
+          </p:cNvPr>
+          <p:cNvPicPr>
+            <a:picLocks noChangeAspect="1"/>
+          </p:cNvPicPr>
+          <p:nvPr/>
+        </p:nvPicPr>
+        <p:blipFill>
+          <a:blip r:embed="rId9"/>
+          <a:stretch>
+            <a:fillRect/>
+          </a:stretch>
+        </p:blipFill>
+        <p:spPr>
+          <a:xfrm>
+            <a:off x="4624884" y="4682264"/>
+            <a:ext cx="4124901" cy="1371791"/>
+          </a:xfrm>
+          <a:prstGeom prst="rect">
+            <a:avLst/>
+          </a:prstGeom>
+        </p:spPr>
+      </p:pic>
+      <p:cxnSp>
+        <p:nvCxnSpPr>
+          <p:cNvPr id="45" name="Straight Arrow Connector 44">
+            <a:extLst>
+              <a:ext uri="{FF2B5EF4-FFF2-40B4-BE49-F238E27FC236}">
+                <a16:creationId xmlns:a16="http://schemas.microsoft.com/office/drawing/2014/main" id="{2D074DDB-69C8-4895-8B75-DF576A01FEB7}"/>
+              </a:ext>
+            </a:extLst>
+          </p:cNvPr>
+          <p:cNvCxnSpPr>
+            <a:cxnSpLocks/>
+            <a:endCxn id="40" idx="1"/>
+          </p:cNvCxnSpPr>
+          <p:nvPr/>
+        </p:nvCxnSpPr>
+        <p:spPr>
+          <a:xfrm flipV="1">
+            <a:off x="3857006" y="382107"/>
+            <a:ext cx="767878" cy="596124"/>
+          </a:xfrm>
+          <a:prstGeom prst="straightConnector1">
+            <a:avLst/>
+          </a:prstGeom>
+          <a:ln>
+            <a:tailEnd type="triangle"/>
+          </a:ln>
+        </p:spPr>
+        <p:style>
+          <a:lnRef idx="1">
+            <a:schemeClr val="accent1"/>
+          </a:lnRef>
+          <a:fillRef idx="0">
+            <a:schemeClr val="accent1"/>
+          </a:fillRef>
+          <a:effectRef idx="0">
+            <a:schemeClr val="accent1"/>
+          </a:effectRef>
+          <a:fontRef idx="minor">
+            <a:schemeClr val="tx1"/>
+          </a:fontRef>
+        </p:style>
+      </p:cxnSp>
+      <p:cxnSp>
+        <p:nvCxnSpPr>
+          <p:cNvPr id="46" name="Straight Arrow Connector 45">
+            <a:extLst>
+              <a:ext uri="{FF2B5EF4-FFF2-40B4-BE49-F238E27FC236}">
+                <a16:creationId xmlns:a16="http://schemas.microsoft.com/office/drawing/2014/main" id="{78027C1A-C956-452C-968E-4A31AC7AF2BB}"/>
+              </a:ext>
+            </a:extLst>
+          </p:cNvPr>
+          <p:cNvCxnSpPr>
+            <a:cxnSpLocks/>
+          </p:cNvCxnSpPr>
+          <p:nvPr/>
+        </p:nvCxnSpPr>
+        <p:spPr>
+          <a:xfrm flipV="1">
+            <a:off x="2553694" y="3824577"/>
+            <a:ext cx="2137711" cy="1207728"/>
+          </a:xfrm>
+          <a:prstGeom prst="straightConnector1">
+            <a:avLst/>
+          </a:prstGeom>
+          <a:ln>
+            <a:tailEnd type="triangle"/>
+          </a:ln>
+        </p:spPr>
+        <p:style>
+          <a:lnRef idx="1">
+            <a:schemeClr val="accent1"/>
+          </a:lnRef>
+          <a:fillRef idx="0">
+            <a:schemeClr val="accent1"/>
+          </a:fillRef>
+          <a:effectRef idx="0">
+            <a:schemeClr val="accent1"/>
+          </a:effectRef>
+          <a:fontRef idx="minor">
+            <a:schemeClr val="tx1"/>
+          </a:fontRef>
+        </p:style>
+      </p:cxnSp>
+      <p:cxnSp>
+        <p:nvCxnSpPr>
+          <p:cNvPr id="47" name="Straight Arrow Connector 46">
+            <a:extLst>
+              <a:ext uri="{FF2B5EF4-FFF2-40B4-BE49-F238E27FC236}">
+                <a16:creationId xmlns:a16="http://schemas.microsoft.com/office/drawing/2014/main" id="{A01176E3-81E9-48CB-922F-34D4BD9E62E3}"/>
+              </a:ext>
+            </a:extLst>
+          </p:cNvPr>
+          <p:cNvCxnSpPr>
+            <a:cxnSpLocks/>
+          </p:cNvCxnSpPr>
+          <p:nvPr/>
+        </p:nvCxnSpPr>
+        <p:spPr>
+          <a:xfrm>
+            <a:off x="2091193" y="5155550"/>
+            <a:ext cx="2803691" cy="92311"/>
           </a:xfrm>
           <a:prstGeom prst="straightConnector1">
             <a:avLst/>
@@ -5645,7 +7575,7 @@
         </p:blipFill>
         <p:spPr>
           <a:xfrm>
-            <a:off x="5191343" y="3364399"/>
+            <a:off x="4829117" y="3375581"/>
             <a:ext cx="6482692" cy="969062"/>
           </a:xfrm>
           <a:prstGeom prst="rect">
@@ -5669,8 +7599,8 @@
         </p:nvCxnSpPr>
         <p:spPr>
           <a:xfrm flipV="1">
-            <a:off x="1224501" y="3848930"/>
-            <a:ext cx="3856382" cy="1231953"/>
+            <a:off x="1065475" y="3665551"/>
+            <a:ext cx="3744968" cy="1338902"/>
           </a:xfrm>
           <a:prstGeom prst="straightConnector1">
             <a:avLst/>
@@ -5716,8 +7646,8 @@
         </p:blipFill>
         <p:spPr>
           <a:xfrm>
-            <a:off x="5719031" y="76065"/>
-            <a:ext cx="2562583" cy="1876687"/>
+            <a:off x="9139362" y="81011"/>
+            <a:ext cx="2362529" cy="1730179"/>
           </a:xfrm>
           <a:prstGeom prst="rect">
             <a:avLst/>
@@ -5746,7 +7676,7 @@
         </p:blipFill>
         <p:spPr>
           <a:xfrm>
-            <a:off x="5780598" y="2210389"/>
+            <a:off x="6013862" y="4873380"/>
             <a:ext cx="5557820" cy="1154010"/>
           </a:xfrm>
           <a:prstGeom prst="rect">
@@ -5776,7 +7706,7 @@
         </p:blipFill>
         <p:spPr>
           <a:xfrm>
-            <a:off x="5191343" y="4399854"/>
+            <a:off x="4754021" y="83219"/>
             <a:ext cx="3104766" cy="1087617"/>
           </a:xfrm>
           <a:prstGeom prst="rect">
@@ -5793,13 +7723,15 @@
               </a:ext>
             </a:extLst>
           </p:cNvPr>
-          <p:cNvCxnSpPr/>
+          <p:cNvCxnSpPr>
+            <a:cxnSpLocks/>
+          </p:cNvCxnSpPr>
           <p:nvPr/>
         </p:nvCxnSpPr>
         <p:spPr>
-          <a:xfrm>
-            <a:off x="2202511" y="2743200"/>
-            <a:ext cx="2878372" cy="1733384"/>
+          <a:xfrm flipV="1">
+            <a:off x="2202511" y="1252509"/>
+            <a:ext cx="2626606" cy="1490691"/>
           </a:xfrm>
           <a:prstGeom prst="straightConnector1">
             <a:avLst/>
@@ -5837,8 +7769,8 @@
         </p:nvSpPr>
         <p:spPr>
           <a:xfrm>
-            <a:off x="5719031" y="5939006"/>
-            <a:ext cx="5849678" cy="445891"/>
+            <a:off x="4613799" y="1753210"/>
+            <a:ext cx="5850117" cy="451535"/>
           </a:xfrm>
           <a:prstGeom prst="rect">
             <a:avLst/>
@@ -5846,7 +7778,7 @@
           <a:noFill/>
         </p:spPr>
         <p:txBody>
-          <a:bodyPr wrap="none" rtlCol="0">
+          <a:bodyPr wrap="square" rtlCol="0">
             <a:spAutoFit/>
           </a:bodyPr>
           <a:lstStyle/>
@@ -5903,8 +7835,118 @@
         </p:nvCxnSpPr>
         <p:spPr>
           <a:xfrm>
-            <a:off x="6743726" y="5487471"/>
+            <a:off x="6306404" y="1170836"/>
             <a:ext cx="420399" cy="451535"/>
+          </a:xfrm>
+          <a:prstGeom prst="straightConnector1">
+            <a:avLst/>
+          </a:prstGeom>
+          <a:ln>
+            <a:tailEnd type="triangle"/>
+          </a:ln>
+        </p:spPr>
+        <p:style>
+          <a:lnRef idx="1">
+            <a:schemeClr val="accent1"/>
+          </a:lnRef>
+          <a:fillRef idx="0">
+            <a:schemeClr val="accent1"/>
+          </a:fillRef>
+          <a:effectRef idx="0">
+            <a:schemeClr val="accent1"/>
+          </a:effectRef>
+          <a:fontRef idx="minor">
+            <a:schemeClr val="tx1"/>
+          </a:fontRef>
+        </p:style>
+      </p:cxnSp>
+      <p:cxnSp>
+        <p:nvCxnSpPr>
+          <p:cNvPr id="32" name="Straight Arrow Connector 31">
+            <a:extLst>
+              <a:ext uri="{FF2B5EF4-FFF2-40B4-BE49-F238E27FC236}">
+                <a16:creationId xmlns:a16="http://schemas.microsoft.com/office/drawing/2014/main" id="{2161D159-A819-4185-8D67-2EA8FEBAC076}"/>
+              </a:ext>
+            </a:extLst>
+          </p:cNvPr>
+          <p:cNvCxnSpPr/>
+          <p:nvPr/>
+        </p:nvCxnSpPr>
+        <p:spPr>
+          <a:xfrm flipH="1" flipV="1">
+            <a:off x="8269357" y="4253948"/>
+            <a:ext cx="166977" cy="469127"/>
+          </a:xfrm>
+          <a:prstGeom prst="straightConnector1">
+            <a:avLst/>
+          </a:prstGeom>
+          <a:ln>
+            <a:tailEnd type="triangle"/>
+          </a:ln>
+        </p:spPr>
+        <p:style>
+          <a:lnRef idx="1">
+            <a:schemeClr val="accent1"/>
+          </a:lnRef>
+          <a:fillRef idx="0">
+            <a:schemeClr val="accent1"/>
+          </a:fillRef>
+          <a:effectRef idx="0">
+            <a:schemeClr val="accent1"/>
+          </a:effectRef>
+          <a:fontRef idx="minor">
+            <a:schemeClr val="tx1"/>
+          </a:fontRef>
+        </p:style>
+      </p:cxnSp>
+      <p:pic>
+        <p:nvPicPr>
+          <p:cNvPr id="36" name="Picture 35">
+            <a:extLst>
+              <a:ext uri="{FF2B5EF4-FFF2-40B4-BE49-F238E27FC236}">
+                <a16:creationId xmlns:a16="http://schemas.microsoft.com/office/drawing/2014/main" id="{F5EAF6DC-C1E2-4A5C-9460-46C045D1BB6A}"/>
+              </a:ext>
+            </a:extLst>
+          </p:cNvPr>
+          <p:cNvPicPr>
+            <a:picLocks noChangeAspect="1"/>
+          </p:cNvPicPr>
+          <p:nvPr/>
+        </p:nvPicPr>
+        <p:blipFill>
+          <a:blip r:embed="rId7"/>
+          <a:stretch>
+            <a:fillRect/>
+          </a:stretch>
+        </p:blipFill>
+        <p:spPr>
+          <a:xfrm>
+            <a:off x="5292078" y="2574396"/>
+            <a:ext cx="4915586" cy="362001"/>
+          </a:xfrm>
+          <a:prstGeom prst="rect">
+            <a:avLst/>
+          </a:prstGeom>
+        </p:spPr>
+      </p:pic>
+      <p:cxnSp>
+        <p:nvCxnSpPr>
+          <p:cNvPr id="38" name="Straight Arrow Connector 37">
+            <a:extLst>
+              <a:ext uri="{FF2B5EF4-FFF2-40B4-BE49-F238E27FC236}">
+                <a16:creationId xmlns:a16="http://schemas.microsoft.com/office/drawing/2014/main" id="{7FD734AE-32A4-47F7-94B7-87A0A6A5A6FD}"/>
+              </a:ext>
+            </a:extLst>
+          </p:cNvPr>
+          <p:cNvCxnSpPr>
+            <a:endCxn id="36" idx="1"/>
+          </p:cNvCxnSpPr>
+          <p:nvPr/>
+        </p:nvCxnSpPr>
+        <p:spPr>
+          <a:xfrm flipV="1">
+            <a:off x="4142630" y="2755397"/>
+            <a:ext cx="1149448" cy="1597461"/>
           </a:xfrm>
           <a:prstGeom prst="straightConnector1">
             <a:avLst/>

--- a/Database for Clinic Management.pptx
+++ b/Database for Clinic Management.pptx
@@ -8,10 +8,10 @@
     <p:sldId id="268" r:id="rId5"/>
     <p:sldId id="310" r:id="rId6"/>
     <p:sldId id="311" r:id="rId7"/>
-    <p:sldId id="312" r:id="rId8"/>
-    <p:sldId id="313" r:id="rId9"/>
-    <p:sldId id="320" r:id="rId10"/>
-    <p:sldId id="319" r:id="rId11"/>
+    <p:sldId id="313" r:id="rId8"/>
+    <p:sldId id="320" r:id="rId9"/>
+    <p:sldId id="319" r:id="rId10"/>
+    <p:sldId id="327" r:id="rId11"/>
     <p:sldId id="318" r:id="rId12"/>
     <p:sldId id="317" r:id="rId13"/>
     <p:sldId id="316" r:id="rId14"/>
@@ -127,6 +127,32 @@
     </p:ext>
   </p:extLst>
 </p:presentation>
+</file>
+
+<file path=ppt/commentAuthors.xml><?xml version="1.0" encoding="utf-8"?>
+<p:cmAuthorLst xmlns:a="http://schemas.openxmlformats.org/drawingml/2006/main" xmlns:r="http://schemas.openxmlformats.org/officeDocument/2006/relationships" xmlns:p="http://schemas.openxmlformats.org/presentationml/2006/main">
+  <p:cmAuthor id="1" name="Teeratass Peyasantiwong" initials="TP" lastIdx="1" clrIdx="0">
+    <p:extLst>
+      <p:ext uri="{19B8F6BF-5375-455C-9EA6-DF929625EA0E}">
+        <p15:presenceInfo xmlns:p15="http://schemas.microsoft.com/office/powerpoint/2012/main" userId="dee77c05bcceade1" providerId="Windows Live"/>
+      </p:ext>
+    </p:extLst>
+  </p:cmAuthor>
+</p:cmAuthorLst>
+</file>
+
+<file path=ppt/comments/comment1.xml><?xml version="1.0" encoding="utf-8"?>
+<p:cmLst xmlns:a="http://schemas.openxmlformats.org/drawingml/2006/main" xmlns:r="http://schemas.openxmlformats.org/officeDocument/2006/relationships" xmlns:p="http://schemas.openxmlformats.org/presentationml/2006/main">
+  <p:cm authorId="1" dt="2024-12-06T09:15:30.717" idx="1">
+    <p:pos x="10" y="10"/>
+    <p:text/>
+    <p:extLst>
+      <p:ext uri="{C676402C-5697-4E1C-873F-D02D1690AC5C}">
+        <p15:threadingInfo xmlns:p15="http://schemas.microsoft.com/office/powerpoint/2012/main" timeZoneBias="-420"/>
+      </p:ext>
+    </p:extLst>
+  </p:cm>
+</p:cmLst>
 </file>
 
 <file path=ppt/slideLayouts/slideLayout1.xml><?xml version="1.0" encoding="utf-8"?>
@@ -4071,6 +4097,87 @@
           </a:prstGeom>
         </p:spPr>
       </p:pic>
+      <p:sp>
+        <p:nvSpPr>
+          <p:cNvPr id="31" name="TextBox 30">
+            <a:extLst>
+              <a:ext uri="{FF2B5EF4-FFF2-40B4-BE49-F238E27FC236}">
+                <a16:creationId xmlns:a16="http://schemas.microsoft.com/office/drawing/2014/main" id="{F61531F9-B075-4DD6-B0B9-90D07BAABBA7}"/>
+              </a:ext>
+            </a:extLst>
+          </p:cNvPr>
+          <p:cNvSpPr txBox="1"/>
+          <p:nvPr/>
+        </p:nvSpPr>
+        <p:spPr>
+          <a:xfrm>
+            <a:off x="4748396" y="41021"/>
+            <a:ext cx="6096000" cy="369332"/>
+          </a:xfrm>
+          <a:prstGeom prst="rect">
+            <a:avLst/>
+          </a:prstGeom>
+          <a:noFill/>
+        </p:spPr>
+        <p:txBody>
+          <a:bodyPr wrap="square">
+            <a:spAutoFit/>
+          </a:bodyPr>
+          <a:lstStyle/>
+          <a:p>
+            <a:r>
+              <a:rPr lang="en-US" dirty="0">
+                <a:solidFill>
+                  <a:schemeClr val="bg1"/>
+                </a:solidFill>
+                <a:highlight>
+                  <a:srgbClr val="000000"/>
+                </a:highlight>
+              </a:rPr>
+              <a:t>Purpose           Manage Doctor Information</a:t>
+            </a:r>
+          </a:p>
+        </p:txBody>
+      </p:sp>
+      <p:cxnSp>
+        <p:nvCxnSpPr>
+          <p:cNvPr id="33" name="Straight Arrow Connector 32">
+            <a:extLst>
+              <a:ext uri="{FF2B5EF4-FFF2-40B4-BE49-F238E27FC236}">
+                <a16:creationId xmlns:a16="http://schemas.microsoft.com/office/drawing/2014/main" id="{85949D6B-4466-425D-B58A-B6C32E3E3B57}"/>
+              </a:ext>
+            </a:extLst>
+          </p:cNvPr>
+          <p:cNvCxnSpPr/>
+          <p:nvPr/>
+        </p:nvCxnSpPr>
+        <p:spPr>
+          <a:xfrm>
+            <a:off x="5709920" y="233680"/>
+            <a:ext cx="487680" cy="0"/>
+          </a:xfrm>
+          <a:prstGeom prst="straightConnector1">
+            <a:avLst/>
+          </a:prstGeom>
+          <a:ln>
+            <a:tailEnd type="triangle"/>
+          </a:ln>
+        </p:spPr>
+        <p:style>
+          <a:lnRef idx="1">
+            <a:schemeClr val="accent1"/>
+          </a:lnRef>
+          <a:fillRef idx="0">
+            <a:schemeClr val="accent1"/>
+          </a:fillRef>
+          <a:effectRef idx="0">
+            <a:schemeClr val="accent1"/>
+          </a:effectRef>
+          <a:fontRef idx="minor">
+            <a:schemeClr val="tx1"/>
+          </a:fontRef>
+        </p:style>
+      </p:cxnSp>
     </p:spTree>
     <p:extLst>
       <p:ext uri="{BB962C8B-B14F-4D97-AF65-F5344CB8AC3E}">
@@ -4448,6 +4555,87 @@
           <a:xfrm flipV="1">
             <a:off x="2910177" y="5581816"/>
             <a:ext cx="1738758" cy="140856"/>
+          </a:xfrm>
+          <a:prstGeom prst="straightConnector1">
+            <a:avLst/>
+          </a:prstGeom>
+          <a:ln>
+            <a:tailEnd type="triangle"/>
+          </a:ln>
+        </p:spPr>
+        <p:style>
+          <a:lnRef idx="1">
+            <a:schemeClr val="accent1"/>
+          </a:lnRef>
+          <a:fillRef idx="0">
+            <a:schemeClr val="accent1"/>
+          </a:fillRef>
+          <a:effectRef idx="0">
+            <a:schemeClr val="accent1"/>
+          </a:effectRef>
+          <a:fontRef idx="minor">
+            <a:schemeClr val="tx1"/>
+          </a:fontRef>
+        </p:style>
+      </p:cxnSp>
+      <p:sp>
+        <p:nvSpPr>
+          <p:cNvPr id="26" name="TextBox 25">
+            <a:extLst>
+              <a:ext uri="{FF2B5EF4-FFF2-40B4-BE49-F238E27FC236}">
+                <a16:creationId xmlns:a16="http://schemas.microsoft.com/office/drawing/2014/main" id="{C6C70914-4BA9-4975-AA36-8F2D0D0C692A}"/>
+              </a:ext>
+            </a:extLst>
+          </p:cNvPr>
+          <p:cNvSpPr txBox="1"/>
+          <p:nvPr/>
+        </p:nvSpPr>
+        <p:spPr>
+          <a:xfrm>
+            <a:off x="7446728" y="85961"/>
+            <a:ext cx="6096000" cy="338554"/>
+          </a:xfrm>
+          <a:prstGeom prst="rect">
+            <a:avLst/>
+          </a:prstGeom>
+          <a:noFill/>
+        </p:spPr>
+        <p:txBody>
+          <a:bodyPr wrap="square">
+            <a:spAutoFit/>
+          </a:bodyPr>
+          <a:lstStyle/>
+          <a:p>
+            <a:r>
+              <a:rPr lang="en-US" sz="1600" dirty="0">
+                <a:solidFill>
+                  <a:schemeClr val="bg1"/>
+                </a:solidFill>
+                <a:highlight>
+                  <a:srgbClr val="000000"/>
+                </a:highlight>
+              </a:rPr>
+              <a:t>Purpose           Schedule and Manage Appointments</a:t>
+            </a:r>
+          </a:p>
+        </p:txBody>
+      </p:sp>
+      <p:cxnSp>
+        <p:nvCxnSpPr>
+          <p:cNvPr id="28" name="Straight Arrow Connector 27">
+            <a:extLst>
+              <a:ext uri="{FF2B5EF4-FFF2-40B4-BE49-F238E27FC236}">
+                <a16:creationId xmlns:a16="http://schemas.microsoft.com/office/drawing/2014/main" id="{42057BF5-5BE1-40DB-972E-E4962712AFC4}"/>
+              </a:ext>
+            </a:extLst>
+          </p:cNvPr>
+          <p:cNvCxnSpPr/>
+          <p:nvPr/>
+        </p:nvCxnSpPr>
+        <p:spPr>
+          <a:xfrm>
+            <a:off x="8310880" y="254000"/>
+            <a:ext cx="467360" cy="0"/>
           </a:xfrm>
           <a:prstGeom prst="straightConnector1">
             <a:avLst/>
@@ -4870,6 +5058,90 @@
           </a:fontRef>
         </p:style>
       </p:cxnSp>
+      <p:sp>
+        <p:nvSpPr>
+          <p:cNvPr id="27" name="TextBox 26">
+            <a:extLst>
+              <a:ext uri="{FF2B5EF4-FFF2-40B4-BE49-F238E27FC236}">
+                <a16:creationId xmlns:a16="http://schemas.microsoft.com/office/drawing/2014/main" id="{3BB079C9-E4FD-49AB-9A6D-8707960C7DAC}"/>
+              </a:ext>
+            </a:extLst>
+          </p:cNvPr>
+          <p:cNvSpPr txBox="1"/>
+          <p:nvPr/>
+        </p:nvSpPr>
+        <p:spPr>
+          <a:xfrm>
+            <a:off x="7728598" y="972211"/>
+            <a:ext cx="3972712" cy="646331"/>
+          </a:xfrm>
+          <a:prstGeom prst="rect">
+            <a:avLst/>
+          </a:prstGeom>
+          <a:noFill/>
+        </p:spPr>
+        <p:txBody>
+          <a:bodyPr wrap="square" rtlCol="0">
+            <a:spAutoFit/>
+          </a:bodyPr>
+          <a:lstStyle/>
+          <a:p>
+            <a:r>
+              <a:rPr lang="en-US" sz="1800" dirty="0">
+                <a:solidFill>
+                  <a:schemeClr val="bg1"/>
+                </a:solidFill>
+                <a:highlight>
+                  <a:srgbClr val="000000"/>
+                </a:highlight>
+              </a:rPr>
+              <a:t>Purpose           Manage Payments/Bills</a:t>
+            </a:r>
+          </a:p>
+          <a:p>
+            <a:endParaRPr lang="en-US" dirty="0"/>
+          </a:p>
+        </p:txBody>
+      </p:sp>
+      <p:cxnSp>
+        <p:nvCxnSpPr>
+          <p:cNvPr id="29" name="Straight Arrow Connector 28">
+            <a:extLst>
+              <a:ext uri="{FF2B5EF4-FFF2-40B4-BE49-F238E27FC236}">
+                <a16:creationId xmlns:a16="http://schemas.microsoft.com/office/drawing/2014/main" id="{0676F79A-9EB7-4B18-8C66-4DCF87D5D571}"/>
+              </a:ext>
+            </a:extLst>
+          </p:cNvPr>
+          <p:cNvCxnSpPr/>
+          <p:nvPr/>
+        </p:nvCxnSpPr>
+        <p:spPr>
+          <a:xfrm>
+            <a:off x="8686800" y="1158240"/>
+            <a:ext cx="531790" cy="0"/>
+          </a:xfrm>
+          <a:prstGeom prst="straightConnector1">
+            <a:avLst/>
+          </a:prstGeom>
+          <a:ln>
+            <a:tailEnd type="triangle"/>
+          </a:ln>
+        </p:spPr>
+        <p:style>
+          <a:lnRef idx="1">
+            <a:schemeClr val="accent1"/>
+          </a:lnRef>
+          <a:fillRef idx="0">
+            <a:schemeClr val="accent1"/>
+          </a:fillRef>
+          <a:effectRef idx="0">
+            <a:schemeClr val="accent1"/>
+          </a:effectRef>
+          <a:fontRef idx="minor">
+            <a:schemeClr val="tx1"/>
+          </a:fontRef>
+        </p:style>
+      </p:cxnSp>
     </p:spTree>
     <p:extLst>
       <p:ext uri="{BB962C8B-B14F-4D97-AF65-F5344CB8AC3E}">
@@ -5248,6 +5520,87 @@
           <a:xfrm flipV="1">
             <a:off x="3845782" y="401542"/>
             <a:ext cx="1208598" cy="540510"/>
+          </a:xfrm>
+          <a:prstGeom prst="straightConnector1">
+            <a:avLst/>
+          </a:prstGeom>
+          <a:ln>
+            <a:tailEnd type="triangle"/>
+          </a:ln>
+        </p:spPr>
+        <p:style>
+          <a:lnRef idx="1">
+            <a:schemeClr val="accent1"/>
+          </a:lnRef>
+          <a:fillRef idx="0">
+            <a:schemeClr val="accent1"/>
+          </a:fillRef>
+          <a:effectRef idx="0">
+            <a:schemeClr val="accent1"/>
+          </a:effectRef>
+          <a:fontRef idx="minor">
+            <a:schemeClr val="tx1"/>
+          </a:fontRef>
+        </p:style>
+      </p:cxnSp>
+      <p:sp>
+        <p:nvSpPr>
+          <p:cNvPr id="24" name="TextBox 23">
+            <a:extLst>
+              <a:ext uri="{FF2B5EF4-FFF2-40B4-BE49-F238E27FC236}">
+                <a16:creationId xmlns:a16="http://schemas.microsoft.com/office/drawing/2014/main" id="{CFCB1024-48CF-4CD4-AE91-F5AC2B48C1A1}"/>
+              </a:ext>
+            </a:extLst>
+          </p:cNvPr>
+          <p:cNvSpPr txBox="1"/>
+          <p:nvPr/>
+        </p:nvSpPr>
+        <p:spPr>
+          <a:xfrm>
+            <a:off x="8563556" y="24691"/>
+            <a:ext cx="3888514" cy="369332"/>
+          </a:xfrm>
+          <a:prstGeom prst="rect">
+            <a:avLst/>
+          </a:prstGeom>
+          <a:noFill/>
+        </p:spPr>
+        <p:txBody>
+          <a:bodyPr wrap="square" rtlCol="0">
+            <a:spAutoFit/>
+          </a:bodyPr>
+          <a:lstStyle/>
+          <a:p>
+            <a:r>
+              <a:rPr lang="en-US" sz="1800" dirty="0">
+                <a:solidFill>
+                  <a:schemeClr val="bg1"/>
+                </a:solidFill>
+                <a:highlight>
+                  <a:srgbClr val="000000"/>
+                </a:highlight>
+              </a:rPr>
+              <a:t>Purpose           Manage Medical Test</a:t>
+            </a:r>
+          </a:p>
+        </p:txBody>
+      </p:sp>
+      <p:cxnSp>
+        <p:nvCxnSpPr>
+          <p:cNvPr id="26" name="Straight Arrow Connector 25">
+            <a:extLst>
+              <a:ext uri="{FF2B5EF4-FFF2-40B4-BE49-F238E27FC236}">
+                <a16:creationId xmlns:a16="http://schemas.microsoft.com/office/drawing/2014/main" id="{CD342D2E-0466-48E9-8EF1-F579811155E3}"/>
+              </a:ext>
+            </a:extLst>
+          </p:cNvPr>
+          <p:cNvCxnSpPr/>
+          <p:nvPr/>
+        </p:nvCxnSpPr>
+        <p:spPr>
+          <a:xfrm>
+            <a:off x="9499600" y="209357"/>
+            <a:ext cx="589280" cy="0"/>
           </a:xfrm>
           <a:prstGeom prst="straightConnector1">
             <a:avLst/>
@@ -5672,6 +6025,87 @@
           </a:fontRef>
         </p:style>
       </p:cxnSp>
+      <p:sp>
+        <p:nvSpPr>
+          <p:cNvPr id="23" name="TextBox 22">
+            <a:extLst>
+              <a:ext uri="{FF2B5EF4-FFF2-40B4-BE49-F238E27FC236}">
+                <a16:creationId xmlns:a16="http://schemas.microsoft.com/office/drawing/2014/main" id="{B14193A3-407D-43BE-8986-A948BD2B4B34}"/>
+              </a:ext>
+            </a:extLst>
+          </p:cNvPr>
+          <p:cNvSpPr txBox="1"/>
+          <p:nvPr/>
+        </p:nvSpPr>
+        <p:spPr>
+          <a:xfrm>
+            <a:off x="6644640" y="710891"/>
+            <a:ext cx="5547360" cy="369332"/>
+          </a:xfrm>
+          <a:prstGeom prst="rect">
+            <a:avLst/>
+          </a:prstGeom>
+          <a:noFill/>
+        </p:spPr>
+        <p:txBody>
+          <a:bodyPr wrap="square" rtlCol="0">
+            <a:spAutoFit/>
+          </a:bodyPr>
+          <a:lstStyle/>
+          <a:p>
+            <a:r>
+              <a:rPr lang="en-US" sz="1800" dirty="0">
+                <a:solidFill>
+                  <a:schemeClr val="bg1"/>
+                </a:solidFill>
+                <a:highlight>
+                  <a:srgbClr val="000000"/>
+                </a:highlight>
+              </a:rPr>
+              <a:t>Purpose           Track Medication in Each Branch</a:t>
+            </a:r>
+          </a:p>
+        </p:txBody>
+      </p:sp>
+      <p:cxnSp>
+        <p:nvCxnSpPr>
+          <p:cNvPr id="25" name="Straight Arrow Connector 24">
+            <a:extLst>
+              <a:ext uri="{FF2B5EF4-FFF2-40B4-BE49-F238E27FC236}">
+                <a16:creationId xmlns:a16="http://schemas.microsoft.com/office/drawing/2014/main" id="{A03346EA-A8D0-420A-B925-723CB511637C}"/>
+              </a:ext>
+            </a:extLst>
+          </p:cNvPr>
+          <p:cNvCxnSpPr/>
+          <p:nvPr/>
+        </p:nvCxnSpPr>
+        <p:spPr>
+          <a:xfrm>
+            <a:off x="7581198" y="895557"/>
+            <a:ext cx="556962" cy="0"/>
+          </a:xfrm>
+          <a:prstGeom prst="straightConnector1">
+            <a:avLst/>
+          </a:prstGeom>
+          <a:ln>
+            <a:tailEnd type="triangle"/>
+          </a:ln>
+        </p:spPr>
+        <p:style>
+          <a:lnRef idx="1">
+            <a:schemeClr val="accent1"/>
+          </a:lnRef>
+          <a:fillRef idx="0">
+            <a:schemeClr val="accent1"/>
+          </a:fillRef>
+          <a:effectRef idx="0">
+            <a:schemeClr val="accent1"/>
+          </a:effectRef>
+          <a:fontRef idx="minor">
+            <a:schemeClr val="tx1"/>
+          </a:fontRef>
+        </p:style>
+      </p:cxnSp>
     </p:spTree>
     <p:extLst>
       <p:ext uri="{BB962C8B-B14F-4D97-AF65-F5344CB8AC3E}">
@@ -5914,8 +6348,8 @@
         </p:blipFill>
         <p:spPr>
           <a:xfrm>
-            <a:off x="4579951" y="3651312"/>
-            <a:ext cx="4826770" cy="1026538"/>
+            <a:off x="4579950" y="3651312"/>
+            <a:ext cx="5344055" cy="1136552"/>
           </a:xfrm>
           <a:prstGeom prst="rect">
             <a:avLst/>
@@ -5944,8 +6378,8 @@
         </p:blipFill>
         <p:spPr>
           <a:xfrm>
-            <a:off x="4579951" y="4711567"/>
-            <a:ext cx="3767829" cy="1186597"/>
+            <a:off x="4596397" y="5088854"/>
+            <a:ext cx="4135541" cy="1302400"/>
           </a:xfrm>
           <a:prstGeom prst="rect">
             <a:avLst/>
@@ -6052,6 +6486,106 @@
           <a:xfrm>
             <a:off x="2085028" y="5088853"/>
             <a:ext cx="2654757" cy="420342"/>
+          </a:xfrm>
+          <a:prstGeom prst="straightConnector1">
+            <a:avLst/>
+          </a:prstGeom>
+          <a:ln>
+            <a:tailEnd type="triangle"/>
+          </a:ln>
+        </p:spPr>
+        <p:style>
+          <a:lnRef idx="1">
+            <a:schemeClr val="accent1"/>
+          </a:lnRef>
+          <a:fillRef idx="0">
+            <a:schemeClr val="accent1"/>
+          </a:fillRef>
+          <a:effectRef idx="0">
+            <a:schemeClr val="accent1"/>
+          </a:effectRef>
+          <a:fontRef idx="minor">
+            <a:schemeClr val="tx1"/>
+          </a:fontRef>
+        </p:style>
+      </p:cxnSp>
+      <p:sp>
+        <p:nvSpPr>
+          <p:cNvPr id="24" name="TextBox 23">
+            <a:extLst>
+              <a:ext uri="{FF2B5EF4-FFF2-40B4-BE49-F238E27FC236}">
+                <a16:creationId xmlns:a16="http://schemas.microsoft.com/office/drawing/2014/main" id="{A9FE768E-1D59-4CC0-8E73-99EA29868840}"/>
+              </a:ext>
+            </a:extLst>
+          </p:cNvPr>
+          <p:cNvSpPr txBox="1"/>
+          <p:nvPr/>
+        </p:nvSpPr>
+        <p:spPr>
+          <a:xfrm>
+            <a:off x="6216152" y="3248263"/>
+            <a:ext cx="5610088" cy="369332"/>
+          </a:xfrm>
+          <a:prstGeom prst="rect">
+            <a:avLst/>
+          </a:prstGeom>
+          <a:noFill/>
+        </p:spPr>
+        <p:txBody>
+          <a:bodyPr wrap="square" rtlCol="0">
+            <a:spAutoFit/>
+          </a:bodyPr>
+          <a:lstStyle/>
+          <a:p>
+            <a:r>
+              <a:rPr lang="en-US" sz="1800" dirty="0">
+                <a:solidFill>
+                  <a:schemeClr val="bg1"/>
+                </a:solidFill>
+                <a:highlight>
+                  <a:srgbClr val="000000"/>
+                </a:highlight>
+              </a:rPr>
+              <a:t>Purpose           </a:t>
+            </a:r>
+            <a:r>
+              <a:rPr lang="en-US" dirty="0">
+                <a:solidFill>
+                  <a:schemeClr val="bg1"/>
+                </a:solidFill>
+                <a:highlight>
+                  <a:srgbClr val="000000"/>
+                </a:highlight>
+              </a:rPr>
+              <a:t>Manage prescriptions issued by doctors.</a:t>
+            </a:r>
+            <a:endParaRPr lang="en-US" sz="1800" dirty="0">
+              <a:solidFill>
+                <a:schemeClr val="bg1"/>
+              </a:solidFill>
+              <a:highlight>
+                <a:srgbClr val="000000"/>
+              </a:highlight>
+            </a:endParaRPr>
+          </a:p>
+        </p:txBody>
+      </p:sp>
+      <p:cxnSp>
+        <p:nvCxnSpPr>
+          <p:cNvPr id="26" name="Straight Arrow Connector 25">
+            <a:extLst>
+              <a:ext uri="{FF2B5EF4-FFF2-40B4-BE49-F238E27FC236}">
+                <a16:creationId xmlns:a16="http://schemas.microsoft.com/office/drawing/2014/main" id="{19D62060-A04C-44C2-8925-C428277BE4BB}"/>
+              </a:ext>
+            </a:extLst>
+          </p:cNvPr>
+          <p:cNvCxnSpPr/>
+          <p:nvPr/>
+        </p:nvCxnSpPr>
+        <p:spPr>
+          <a:xfrm>
+            <a:off x="7142480" y="3429000"/>
+            <a:ext cx="579120" cy="0"/>
           </a:xfrm>
           <a:prstGeom prst="straightConnector1">
             <a:avLst/>
@@ -6487,6 +7021,108 @@
           </a:fontRef>
         </p:style>
       </p:cxnSp>
+      <p:sp>
+        <p:nvSpPr>
+          <p:cNvPr id="53" name="TextBox 52">
+            <a:extLst>
+              <a:ext uri="{FF2B5EF4-FFF2-40B4-BE49-F238E27FC236}">
+                <a16:creationId xmlns:a16="http://schemas.microsoft.com/office/drawing/2014/main" id="{64E74B79-75FE-4E8E-8627-3ECD52E48F13}"/>
+              </a:ext>
+            </a:extLst>
+          </p:cNvPr>
+          <p:cNvSpPr txBox="1"/>
+          <p:nvPr/>
+        </p:nvSpPr>
+        <p:spPr>
+          <a:xfrm>
+            <a:off x="4691405" y="2772374"/>
+            <a:ext cx="6096000" cy="369332"/>
+          </a:xfrm>
+          <a:prstGeom prst="rect">
+            <a:avLst/>
+          </a:prstGeom>
+          <a:noFill/>
+        </p:spPr>
+        <p:txBody>
+          <a:bodyPr wrap="square">
+            <a:spAutoFit/>
+          </a:bodyPr>
+          <a:lstStyle/>
+          <a:p>
+            <a:r>
+              <a:rPr lang="en-US" sz="1800" dirty="0">
+                <a:solidFill>
+                  <a:schemeClr val="bg1"/>
+                </a:solidFill>
+                <a:highlight>
+                  <a:srgbClr val="000000"/>
+                </a:highlight>
+              </a:rPr>
+              <a:t>Purpose           </a:t>
+            </a:r>
+            <a:r>
+              <a:rPr lang="en-US" dirty="0">
+                <a:solidFill>
+                  <a:schemeClr val="bg1"/>
+                </a:solidFill>
+                <a:highlight>
+                  <a:srgbClr val="000000"/>
+                </a:highlight>
+              </a:rPr>
+              <a:t>Manage clinic branches</a:t>
+            </a:r>
+            <a:endParaRPr lang="en-US" sz="1800" dirty="0">
+              <a:solidFill>
+                <a:schemeClr val="bg1"/>
+              </a:solidFill>
+              <a:highlight>
+                <a:srgbClr val="000000"/>
+              </a:highlight>
+            </a:endParaRPr>
+          </a:p>
+        </p:txBody>
+      </p:sp>
+      <p:cxnSp>
+        <p:nvCxnSpPr>
+          <p:cNvPr id="59" name="Straight Arrow Connector 58">
+            <a:extLst>
+              <a:ext uri="{FF2B5EF4-FFF2-40B4-BE49-F238E27FC236}">
+                <a16:creationId xmlns:a16="http://schemas.microsoft.com/office/drawing/2014/main" id="{779391CA-4A1F-454B-ADA7-B9833A7DA1AD}"/>
+              </a:ext>
+            </a:extLst>
+          </p:cNvPr>
+          <p:cNvCxnSpPr>
+            <a:cxnSpLocks/>
+          </p:cNvCxnSpPr>
+          <p:nvPr/>
+        </p:nvCxnSpPr>
+        <p:spPr>
+          <a:xfrm>
+            <a:off x="5638800" y="2957040"/>
+            <a:ext cx="457200" cy="0"/>
+          </a:xfrm>
+          <a:prstGeom prst="straightConnector1">
+            <a:avLst/>
+          </a:prstGeom>
+          <a:ln>
+            <a:tailEnd type="triangle"/>
+          </a:ln>
+        </p:spPr>
+        <p:style>
+          <a:lnRef idx="1">
+            <a:schemeClr val="accent1"/>
+          </a:lnRef>
+          <a:fillRef idx="0">
+            <a:schemeClr val="accent1"/>
+          </a:fillRef>
+          <a:effectRef idx="0">
+            <a:schemeClr val="accent1"/>
+          </a:effectRef>
+          <a:fontRef idx="minor">
+            <a:schemeClr val="tx1"/>
+          </a:fontRef>
+        </p:style>
+      </p:cxnSp>
     </p:spTree>
     <p:extLst>
       <p:ext uri="{BB962C8B-B14F-4D97-AF65-F5344CB8AC3E}">
@@ -6580,6 +7216,16 @@
         <p:txBody>
           <a:bodyPr/>
           <a:lstStyle/>
+          <a:p>
+            <a:pPr>
+              <a:buFont typeface="Arial" panose="020B0604020202020204" pitchFamily="34" charset="0"/>
+              <a:buChar char="•"/>
+            </a:pPr>
+            <a:r>
+              <a:rPr lang="en-US" dirty="0"/>
+              <a:t>Adding More Features(e.g. Delete)</a:t>
+            </a:r>
+          </a:p>
           <a:p>
             <a:pPr>
               <a:buFont typeface="Arial" panose="020B0604020202020204" pitchFamily="34" charset="0"/>
@@ -7050,78 +7696,44 @@
           <a:p>
             <a:r>
               <a:rPr lang="en-US" dirty="0"/>
-              <a:t>Reminder:</a:t>
+              <a:t>Site Map:</a:t>
             </a:r>
           </a:p>
         </p:txBody>
       </p:sp>
-      <p:sp>
-        <p:nvSpPr>
-          <p:cNvPr id="4" name="Content Placeholder 3">
-            <a:extLst>
-              <a:ext uri="{FF2B5EF4-FFF2-40B4-BE49-F238E27FC236}">
-                <a16:creationId xmlns:a16="http://schemas.microsoft.com/office/drawing/2014/main" id="{9755A684-ABA9-4693-B99F-F0F26323C0D8}"/>
-              </a:ext>
-            </a:extLst>
-          </p:cNvPr>
-          <p:cNvSpPr>
-            <a:spLocks noGrp="1"/>
-          </p:cNvSpPr>
+      <p:pic>
+        <p:nvPicPr>
+          <p:cNvPr id="5" name="Content Placeholder 4">
+            <a:extLst>
+              <a:ext uri="{FF2B5EF4-FFF2-40B4-BE49-F238E27FC236}">
+                <a16:creationId xmlns:a16="http://schemas.microsoft.com/office/drawing/2014/main" id="{AE39ADE6-25BE-46FB-AF24-3A905039D85C}"/>
+              </a:ext>
+            </a:extLst>
+          </p:cNvPr>
+          <p:cNvPicPr>
+            <a:picLocks noGrp="1" noChangeAspect="1"/>
+          </p:cNvPicPr>
           <p:nvPr>
             <p:ph idx="1"/>
           </p:nvPr>
-        </p:nvSpPr>
-        <p:spPr/>
-        <p:txBody>
-          <a:bodyPr/>
-          <a:lstStyle/>
-          <a:p>
-            <a:pPr>
-              <a:buFont typeface="Arial" panose="020B0604020202020204" pitchFamily="34" charset="0"/>
-              <a:buChar char="•"/>
-            </a:pPr>
-            <a:r>
-              <a:rPr lang="en-US" dirty="0"/>
-              <a:t>Please overlook “Center </a:t>
-            </a:r>
-            <a:r>
-              <a:rPr lang="en-US" dirty="0" err="1"/>
-              <a:t>Div</a:t>
-            </a:r>
-            <a:r>
-              <a:rPr lang="en-US" dirty="0"/>
-              <a:t>”</a:t>
-            </a:r>
-          </a:p>
-          <a:p>
-            <a:pPr marL="0" indent="0">
-              <a:buNone/>
-            </a:pPr>
-            <a:endParaRPr lang="en-US" dirty="0"/>
-          </a:p>
-          <a:p>
-            <a:pPr>
-              <a:buFont typeface="Arial" panose="020B0604020202020204" pitchFamily="34" charset="0"/>
-              <a:buChar char="•"/>
-            </a:pPr>
-            <a:r>
-              <a:rPr lang="en-US" dirty="0"/>
-              <a:t>Mockup UI is general</a:t>
-            </a:r>
-          </a:p>
-          <a:p>
-            <a:pPr>
-              <a:buFont typeface="Arial" panose="020B0604020202020204" pitchFamily="34" charset="0"/>
-              <a:buChar char="•"/>
-            </a:pPr>
-            <a:endParaRPr lang="en-US" dirty="0"/>
-          </a:p>
-        </p:txBody>
-      </p:sp>
+        </p:nvPicPr>
+        <p:blipFill>
+          <a:blip r:embed="rId3"/>
+          <a:stretch>
+            <a:fillRect/>
+          </a:stretch>
+        </p:blipFill>
+        <p:spPr>
+          <a:xfrm>
+            <a:off x="1887377" y="2044590"/>
+            <a:ext cx="8417246" cy="4108637"/>
+          </a:xfrm>
+        </p:spPr>
+      </p:pic>
     </p:spTree>
     <p:extLst>
       <p:ext uri="{BB962C8B-B14F-4D97-AF65-F5344CB8AC3E}">
-        <p14:creationId xmlns:p14="http://schemas.microsoft.com/office/powerpoint/2010/main" val="475524045"/>
+        <p14:creationId xmlns:p14="http://schemas.microsoft.com/office/powerpoint/2010/main" val="1214265241"/>
       </p:ext>
     </p:extLst>
   </p:cSld>
@@ -7134,14 +7746,6 @@
 <file path=ppt/slides/slide5.xml><?xml version="1.0" encoding="utf-8"?>
 <p:sld xmlns:a="http://schemas.openxmlformats.org/drawingml/2006/main" xmlns:r="http://schemas.openxmlformats.org/officeDocument/2006/relationships" xmlns:p="http://schemas.openxmlformats.org/presentationml/2006/main">
   <p:cSld>
-    <p:bg>
-      <p:bgPr>
-        <a:solidFill>
-          <a:schemeClr val="bg1"/>
-        </a:solidFill>
-        <a:effectLst/>
-      </p:bgPr>
-    </p:bg>
     <p:spTree>
       <p:nvGrpSpPr>
         <p:cNvPr id="1" name=""/>
@@ -7156,74 +7760,117 @@
           <a:chExt cx="0" cy="0"/>
         </a:xfrm>
       </p:grpSpPr>
+      <p:pic>
+        <p:nvPicPr>
+          <p:cNvPr id="2" name="Picture 1">
+            <a:extLst>
+              <a:ext uri="{FF2B5EF4-FFF2-40B4-BE49-F238E27FC236}">
+                <a16:creationId xmlns:a16="http://schemas.microsoft.com/office/drawing/2014/main" id="{73B07CC5-72FC-4ED2-8763-F1A1688C8824}"/>
+              </a:ext>
+            </a:extLst>
+          </p:cNvPr>
+          <p:cNvPicPr>
+            <a:picLocks noChangeAspect="1"/>
+          </p:cNvPicPr>
+          <p:nvPr/>
+        </p:nvPicPr>
+        <p:blipFill rotWithShape="1">
+          <a:blip r:embed="rId2"/>
+          <a:srcRect l="18902" r="23220" b="44713"/>
+          <a:stretch/>
+        </p:blipFill>
+        <p:spPr>
+          <a:xfrm>
+            <a:off x="0" y="55660"/>
+            <a:ext cx="4697130" cy="6345141"/>
+          </a:xfrm>
+          <a:prstGeom prst="rect">
+            <a:avLst/>
+          </a:prstGeom>
+        </p:spPr>
+      </p:pic>
       <p:sp>
         <p:nvSpPr>
-          <p:cNvPr id="2" name="Title 1">
-            <a:extLst>
-              <a:ext uri="{FF2B5EF4-FFF2-40B4-BE49-F238E27FC236}">
-                <a16:creationId xmlns:a16="http://schemas.microsoft.com/office/drawing/2014/main" id="{4F76CB32-901A-4DA0-AA8A-9A7B5A88BFCD}"/>
-              </a:ext>
-            </a:extLst>
-          </p:cNvPr>
-          <p:cNvSpPr>
-            <a:spLocks noGrp="1"/>
-          </p:cNvSpPr>
-          <p:nvPr>
-            <p:ph type="title"/>
-          </p:nvPr>
+          <p:cNvPr id="3" name="TextBox 2">
+            <a:extLst>
+              <a:ext uri="{FF2B5EF4-FFF2-40B4-BE49-F238E27FC236}">
+                <a16:creationId xmlns:a16="http://schemas.microsoft.com/office/drawing/2014/main" id="{88671C2C-78FD-43FF-9C7D-4257ECBA019E}"/>
+              </a:ext>
+            </a:extLst>
+          </p:cNvPr>
+          <p:cNvSpPr txBox="1"/>
+          <p:nvPr/>
         </p:nvSpPr>
         <p:spPr>
           <a:xfrm>
-            <a:off x="1097280" y="286603"/>
-            <a:ext cx="10058400" cy="1450757"/>
-          </a:xfrm>
+            <a:off x="4613081" y="0"/>
+            <a:ext cx="2965837" cy="1569660"/>
+          </a:xfrm>
+          <a:prstGeom prst="rect">
+            <a:avLst/>
+          </a:prstGeom>
+          <a:noFill/>
         </p:spPr>
         <p:txBody>
-          <a:bodyPr>
-            <a:normAutofit/>
+          <a:bodyPr wrap="square" rtlCol="0">
+            <a:spAutoFit/>
           </a:bodyPr>
           <a:lstStyle/>
           <a:p>
-            <a:r>
-              <a:rPr lang="en-US" dirty="0"/>
-              <a:t>Site Map:</a:t>
+            <a:pPr marL="514350" indent="-514350">
+              <a:buAutoNum type="arabicPeriod"/>
+            </a:pPr>
+            <a:r>
+              <a:rPr lang="en-US" sz="3200" dirty="0"/>
+              <a:t>Home page</a:t>
+            </a:r>
+          </a:p>
+          <a:p>
+            <a:pPr marL="457200" indent="-457200">
+              <a:buFont typeface="Arial" panose="020B0604020202020204" pitchFamily="34" charset="0"/>
+              <a:buChar char="•"/>
+            </a:pPr>
+            <a:r>
+              <a:rPr lang="en-US" sz="1600" dirty="0"/>
+              <a:t>Number of Patients</a:t>
+            </a:r>
+          </a:p>
+          <a:p>
+            <a:pPr marL="457200" indent="-457200">
+              <a:buFont typeface="Arial" panose="020B0604020202020204" pitchFamily="34" charset="0"/>
+              <a:buChar char="•"/>
+            </a:pPr>
+            <a:r>
+              <a:rPr lang="en-US" sz="1600" dirty="0"/>
+              <a:t>Number of Doctors</a:t>
+            </a:r>
+          </a:p>
+          <a:p>
+            <a:pPr marL="457200" indent="-457200">
+              <a:buFont typeface="Arial" panose="020B0604020202020204" pitchFamily="34" charset="0"/>
+              <a:buChar char="•"/>
+            </a:pPr>
+            <a:r>
+              <a:rPr lang="en-US" sz="1600" dirty="0"/>
+              <a:t>On-going appointment/s</a:t>
+            </a:r>
+          </a:p>
+          <a:p>
+            <a:pPr marL="457200" indent="-457200">
+              <a:buFont typeface="Arial" panose="020B0604020202020204" pitchFamily="34" charset="0"/>
+              <a:buChar char="•"/>
+            </a:pPr>
+            <a:r>
+              <a:rPr lang="en-US" sz="1600" dirty="0"/>
+              <a:t>Pending Payment/s</a:t>
             </a:r>
           </a:p>
         </p:txBody>
       </p:sp>
-      <p:pic>
-        <p:nvPicPr>
-          <p:cNvPr id="5" name="Content Placeholder 4">
-            <a:extLst>
-              <a:ext uri="{FF2B5EF4-FFF2-40B4-BE49-F238E27FC236}">
-                <a16:creationId xmlns:a16="http://schemas.microsoft.com/office/drawing/2014/main" id="{AE39ADE6-25BE-46FB-AF24-3A905039D85C}"/>
-              </a:ext>
-            </a:extLst>
-          </p:cNvPr>
-          <p:cNvPicPr>
-            <a:picLocks noGrp="1" noChangeAspect="1"/>
-          </p:cNvPicPr>
-          <p:nvPr>
-            <p:ph idx="1"/>
-          </p:nvPr>
-        </p:nvPicPr>
-        <p:blipFill>
-          <a:blip r:embed="rId3"/>
-          <a:stretch>
-            <a:fillRect/>
-          </a:stretch>
-        </p:blipFill>
-        <p:spPr>
-          <a:xfrm>
-            <a:off x="1887377" y="2044590"/>
-            <a:ext cx="8417246" cy="4108637"/>
-          </a:xfrm>
-        </p:spPr>
-      </p:pic>
     </p:spTree>
     <p:extLst>
       <p:ext uri="{BB962C8B-B14F-4D97-AF65-F5344CB8AC3E}">
-        <p14:creationId xmlns:p14="http://schemas.microsoft.com/office/powerpoint/2010/main" val="1214265241"/>
+        <p14:creationId xmlns:p14="http://schemas.microsoft.com/office/powerpoint/2010/main" val="1692663604"/>
       </p:ext>
     </p:extLst>
   </p:cSld>
@@ -7255,7 +7902,7 @@
           <p:cNvPr id="2" name="Picture 1">
             <a:extLst>
               <a:ext uri="{FF2B5EF4-FFF2-40B4-BE49-F238E27FC236}">
-                <a16:creationId xmlns:a16="http://schemas.microsoft.com/office/drawing/2014/main" id="{73B07CC5-72FC-4ED2-8763-F1A1688C8824}"/>
+                <a16:creationId xmlns:a16="http://schemas.microsoft.com/office/drawing/2014/main" id="{AE771346-FC70-4FFA-BE4A-8F3BD2536D95}"/>
               </a:ext>
             </a:extLst>
           </p:cNvPr>
@@ -7266,13 +7913,13 @@
         </p:nvPicPr>
         <p:blipFill rotWithShape="1">
           <a:blip r:embed="rId2"/>
-          <a:srcRect l="18902" r="23220" b="44713"/>
+          <a:srcRect l="18871" r="22267" b="44867"/>
           <a:stretch/>
         </p:blipFill>
         <p:spPr>
           <a:xfrm>
-            <a:off x="0" y="55660"/>
-            <a:ext cx="4697130" cy="6345141"/>
+            <a:off x="0" y="0"/>
+            <a:ext cx="4826330" cy="6392849"/>
           </a:xfrm>
           <a:prstGeom prst="rect">
             <a:avLst/>
@@ -7284,7 +7931,7 @@
           <p:cNvPr id="3" name="TextBox 2">
             <a:extLst>
               <a:ext uri="{FF2B5EF4-FFF2-40B4-BE49-F238E27FC236}">
-                <a16:creationId xmlns:a16="http://schemas.microsoft.com/office/drawing/2014/main" id="{88671C2C-78FD-43FF-9C7D-4257ECBA019E}"/>
+                <a16:creationId xmlns:a16="http://schemas.microsoft.com/office/drawing/2014/main" id="{ED23DB9B-F11E-42C6-8060-19959B9716C5}"/>
               </a:ext>
             </a:extLst>
           </p:cNvPr>
@@ -7360,7 +8007,7 @@
     </p:spTree>
     <p:extLst>
       <p:ext uri="{BB962C8B-B14F-4D97-AF65-F5344CB8AC3E}">
-        <p14:creationId xmlns:p14="http://schemas.microsoft.com/office/powerpoint/2010/main" val="1692663604"/>
+        <p14:creationId xmlns:p14="http://schemas.microsoft.com/office/powerpoint/2010/main" val="4251833062"/>
       </p:ext>
     </p:extLst>
   </p:cSld>
@@ -7392,7 +8039,7 @@
           <p:cNvPr id="2" name="Picture 1">
             <a:extLst>
               <a:ext uri="{FF2B5EF4-FFF2-40B4-BE49-F238E27FC236}">
-                <a16:creationId xmlns:a16="http://schemas.microsoft.com/office/drawing/2014/main" id="{AE771346-FC70-4FFA-BE4A-8F3BD2536D95}"/>
+                <a16:creationId xmlns:a16="http://schemas.microsoft.com/office/drawing/2014/main" id="{F2FE8B03-FC54-4EA3-B17A-E5796C130C1C}"/>
               </a:ext>
             </a:extLst>
           </p:cNvPr>
@@ -7403,13 +8050,13 @@
         </p:nvPicPr>
         <p:blipFill rotWithShape="1">
           <a:blip r:embed="rId2"/>
-          <a:srcRect l="18871" r="22267" b="44867"/>
+          <a:srcRect l="18454" r="22640" b="44713"/>
           <a:stretch/>
         </p:blipFill>
         <p:spPr>
           <a:xfrm>
             <a:off x="0" y="0"/>
-            <a:ext cx="4826330" cy="6392849"/>
+            <a:ext cx="4810443" cy="6384897"/>
           </a:xfrm>
           <a:prstGeom prst="rect">
             <a:avLst/>
@@ -7421,7 +8068,7 @@
           <p:cNvPr id="3" name="TextBox 2">
             <a:extLst>
               <a:ext uri="{FF2B5EF4-FFF2-40B4-BE49-F238E27FC236}">
-                <a16:creationId xmlns:a16="http://schemas.microsoft.com/office/drawing/2014/main" id="{ED23DB9B-F11E-42C6-8060-19959B9716C5}"/>
+                <a16:creationId xmlns:a16="http://schemas.microsoft.com/office/drawing/2014/main" id="{7C20166F-164D-435D-9A26-F88E7C9F03E9}"/>
               </a:ext>
             </a:extLst>
           </p:cNvPr>
@@ -7430,8 +8077,8 @@
         </p:nvSpPr>
         <p:spPr>
           <a:xfrm>
-            <a:off x="4613081" y="0"/>
-            <a:ext cx="2965837" cy="1569660"/>
+            <a:off x="4978400" y="375920"/>
+            <a:ext cx="4348480" cy="1754326"/>
           </a:xfrm>
           <a:prstGeom prst="rect">
             <a:avLst/>
@@ -7444,60 +8091,95 @@
           </a:bodyPr>
           <a:lstStyle/>
           <a:p>
-            <a:pPr marL="514350" indent="-514350">
-              <a:buAutoNum type="arabicPeriod"/>
-            </a:pPr>
-            <a:r>
-              <a:rPr lang="en-US" sz="3200" dirty="0"/>
-              <a:t>Home page</a:t>
-            </a:r>
-          </a:p>
-          <a:p>
-            <a:pPr marL="457200" indent="-457200">
+            <a:r>
+              <a:rPr lang="en-US" dirty="0"/>
+              <a:t>Purpose           Manage Patient Records</a:t>
+            </a:r>
+          </a:p>
+          <a:p>
+            <a:endParaRPr lang="en-US" dirty="0"/>
+          </a:p>
+          <a:p>
+            <a:r>
+              <a:rPr lang="en-US" dirty="0"/>
+              <a:t>Features:</a:t>
+            </a:r>
+          </a:p>
+          <a:p>
+            <a:pPr marL="285750" indent="-285750">
               <a:buFont typeface="Arial" panose="020B0604020202020204" pitchFamily="34" charset="0"/>
               <a:buChar char="•"/>
             </a:pPr>
             <a:r>
-              <a:rPr lang="en-US" sz="1600" dirty="0"/>
-              <a:t>Number of patients</a:t>
-            </a:r>
-          </a:p>
-          <a:p>
-            <a:pPr marL="457200" indent="-457200">
+              <a:rPr lang="en-US" dirty="0"/>
+              <a:t>Edit</a:t>
+            </a:r>
+          </a:p>
+          <a:p>
+            <a:pPr marL="285750" indent="-285750">
               <a:buFont typeface="Arial" panose="020B0604020202020204" pitchFamily="34" charset="0"/>
               <a:buChar char="•"/>
             </a:pPr>
             <a:r>
-              <a:rPr lang="en-US" sz="1600" dirty="0"/>
-              <a:t>Number of Doctors</a:t>
-            </a:r>
-          </a:p>
-          <a:p>
-            <a:pPr marL="457200" indent="-457200">
+              <a:rPr lang="en-US" dirty="0"/>
+              <a:t>Create</a:t>
+            </a:r>
+          </a:p>
+          <a:p>
+            <a:pPr marL="285750" indent="-285750">
               <a:buFont typeface="Arial" panose="020B0604020202020204" pitchFamily="34" charset="0"/>
               <a:buChar char="•"/>
             </a:pPr>
             <a:r>
-              <a:rPr lang="en-US" sz="1600" dirty="0"/>
-              <a:t>On-going appointment/s</a:t>
-            </a:r>
-          </a:p>
-          <a:p>
-            <a:pPr marL="457200" indent="-457200">
-              <a:buFont typeface="Arial" panose="020B0604020202020204" pitchFamily="34" charset="0"/>
-              <a:buChar char="•"/>
-            </a:pPr>
-            <a:r>
-              <a:rPr lang="en-US" sz="1600" dirty="0"/>
-              <a:t>Pending Payment/s</a:t>
+              <a:rPr lang="en-US" dirty="0"/>
+              <a:t>Search</a:t>
             </a:r>
           </a:p>
         </p:txBody>
       </p:sp>
+      <p:cxnSp>
+        <p:nvCxnSpPr>
+          <p:cNvPr id="7" name="Straight Arrow Connector 6">
+            <a:extLst>
+              <a:ext uri="{FF2B5EF4-FFF2-40B4-BE49-F238E27FC236}">
+                <a16:creationId xmlns:a16="http://schemas.microsoft.com/office/drawing/2014/main" id="{E51332BB-DFFC-4B98-A1F5-1BF2E2777769}"/>
+              </a:ext>
+            </a:extLst>
+          </p:cNvPr>
+          <p:cNvCxnSpPr/>
+          <p:nvPr/>
+        </p:nvCxnSpPr>
+        <p:spPr>
+          <a:xfrm>
+            <a:off x="5943600" y="558800"/>
+            <a:ext cx="477520" cy="0"/>
+          </a:xfrm>
+          <a:prstGeom prst="straightConnector1">
+            <a:avLst/>
+          </a:prstGeom>
+          <a:ln>
+            <a:tailEnd type="triangle"/>
+          </a:ln>
+        </p:spPr>
+        <p:style>
+          <a:lnRef idx="1">
+            <a:schemeClr val="accent1"/>
+          </a:lnRef>
+          <a:fillRef idx="0">
+            <a:schemeClr val="accent1"/>
+          </a:fillRef>
+          <a:effectRef idx="0">
+            <a:schemeClr val="accent1"/>
+          </a:effectRef>
+          <a:fontRef idx="minor">
+            <a:schemeClr val="tx1"/>
+          </a:fontRef>
+        </p:style>
+      </p:cxnSp>
     </p:spTree>
     <p:extLst>
       <p:ext uri="{BB962C8B-B14F-4D97-AF65-F5344CB8AC3E}">
-        <p14:creationId xmlns:p14="http://schemas.microsoft.com/office/powerpoint/2010/main" val="4251833062"/>
+        <p14:creationId xmlns:p14="http://schemas.microsoft.com/office/powerpoint/2010/main" val="1845853998"/>
       </p:ext>
     </p:extLst>
   </p:cSld>
@@ -8583,49 +9265,6 @@
 </a:themeOverride>
 </file>
 
-<file path=ppt/theme/themeOverride7.xml><?xml version="1.0" encoding="utf-8"?>
-<a:themeOverride xmlns:a="http://schemas.openxmlformats.org/drawingml/2006/main">
-  <a:clrScheme name="Custom 41">
-    <a:dk1>
-      <a:sysClr val="windowText" lastClr="000000"/>
-    </a:dk1>
-    <a:lt1>
-      <a:sysClr val="window" lastClr="FFFFFF"/>
-    </a:lt1>
-    <a:dk2>
-      <a:srgbClr val="39302A"/>
-    </a:dk2>
-    <a:lt2>
-      <a:srgbClr val="E5DEDB"/>
-    </a:lt2>
-    <a:accent1>
-      <a:srgbClr val="F36826"/>
-    </a:accent1>
-    <a:accent2>
-      <a:srgbClr val="FB8E09"/>
-    </a:accent2>
-    <a:accent3>
-      <a:srgbClr val="D48B32"/>
-    </a:accent3>
-    <a:accent4>
-      <a:srgbClr val="E64823"/>
-    </a:accent4>
-    <a:accent5>
-      <a:srgbClr val="FFCA08"/>
-    </a:accent5>
-    <a:accent6>
-      <a:srgbClr val="AF695B"/>
-    </a:accent6>
-    <a:hlink>
-      <a:srgbClr val="2998E3"/>
-    </a:hlink>
-    <a:folHlink>
-      <a:srgbClr val="7F723D"/>
-    </a:folHlink>
-  </a:clrScheme>
-</a:themeOverride>
-</file>
-
 <file path=customXml/item1.xml><?xml version="1.0" encoding="utf-8"?>
 <p:properties xmlns:p="http://schemas.microsoft.com/office/2006/metadata/properties" xmlns:xsi="http://www.w3.org/2001/XMLSchema-instance" xmlns:pc="http://schemas.microsoft.com/office/infopath/2007/PartnerControls">
   <documentManagement>

--- a/Database for Clinic Management.pptx
+++ b/Database for Clinic Management.pptx
@@ -9,20 +9,21 @@
     <p:sldId id="310" r:id="rId6"/>
     <p:sldId id="311" r:id="rId7"/>
     <p:sldId id="313" r:id="rId8"/>
-    <p:sldId id="320" r:id="rId9"/>
-    <p:sldId id="319" r:id="rId10"/>
-    <p:sldId id="327" r:id="rId11"/>
-    <p:sldId id="318" r:id="rId12"/>
-    <p:sldId id="317" r:id="rId13"/>
-    <p:sldId id="316" r:id="rId14"/>
-    <p:sldId id="315" r:id="rId15"/>
-    <p:sldId id="321" r:id="rId16"/>
-    <p:sldId id="325" r:id="rId17"/>
-    <p:sldId id="324" r:id="rId18"/>
-    <p:sldId id="323" r:id="rId19"/>
-    <p:sldId id="314" r:id="rId20"/>
-    <p:sldId id="326" r:id="rId21"/>
-    <p:sldId id="322" r:id="rId22"/>
+    <p:sldId id="328" r:id="rId9"/>
+    <p:sldId id="320" r:id="rId10"/>
+    <p:sldId id="319" r:id="rId11"/>
+    <p:sldId id="327" r:id="rId12"/>
+    <p:sldId id="318" r:id="rId13"/>
+    <p:sldId id="317" r:id="rId14"/>
+    <p:sldId id="316" r:id="rId15"/>
+    <p:sldId id="315" r:id="rId16"/>
+    <p:sldId id="321" r:id="rId17"/>
+    <p:sldId id="325" r:id="rId18"/>
+    <p:sldId id="324" r:id="rId19"/>
+    <p:sldId id="323" r:id="rId20"/>
+    <p:sldId id="314" r:id="rId21"/>
+    <p:sldId id="326" r:id="rId22"/>
+    <p:sldId id="322" r:id="rId23"/>
   </p:sldIdLst>
   <p:sldSz cx="12192000" cy="6858000"/>
   <p:notesSz cx="6858000" cy="9144000"/>
@@ -399,7 +400,7 @@
           <a:p>
             <a:fld id="{9184DA70-C731-4C70-880D-CCD4705E623C}" type="datetime1">
               <a:rPr lang="en-US" smtClean="0"/>
-              <a:t>12/5/2024</a:t>
+              <a:t>12/6/2024</a:t>
             </a:fld>
             <a:endParaRPr lang="en-US" dirty="0"/>
           </a:p>
@@ -587,7 +588,7 @@
           <a:p>
             <a:fld id="{4BE1D723-8F53-4F53-90B0-1982A396982E}" type="datetime1">
               <a:rPr lang="en-US" smtClean="0"/>
-              <a:t>12/5/2024</a:t>
+              <a:t>12/6/2024</a:t>
             </a:fld>
             <a:endParaRPr lang="en-US" dirty="0"/>
           </a:p>
@@ -960,7 +961,7 @@
           <a:p>
             <a:fld id="{97669AF7-7BEB-44E4-9852-375E34362B5B}" type="datetime1">
               <a:rPr lang="en-US" smtClean="0"/>
-              <a:t>12/5/2024</a:t>
+              <a:t>12/6/2024</a:t>
             </a:fld>
             <a:endParaRPr lang="en-US" dirty="0"/>
           </a:p>
@@ -1215,7 +1216,7 @@
           <a:p>
             <a:fld id="{BAAAC38D-0552-4C82-B593-E6124DFADBE2}" type="datetime1">
               <a:rPr lang="en-US" smtClean="0"/>
-              <a:t>12/5/2024</a:t>
+              <a:t>12/6/2024</a:t>
             </a:fld>
             <a:endParaRPr lang="en-US" dirty="0"/>
           </a:p>
@@ -1612,7 +1613,7 @@
           <a:p>
             <a:fld id="{D9DF0F1C-5577-4ACB-BB62-DF8F3C494C7E}" type="datetime1">
               <a:rPr lang="en-US" smtClean="0"/>
-              <a:t>12/5/2024</a:t>
+              <a:t>12/6/2024</a:t>
             </a:fld>
             <a:endParaRPr lang="en-US" dirty="0"/>
           </a:p>
@@ -1748,7 +1749,7 @@
           <a:p>
             <a:fld id="{1775B394-D9F9-4F0C-B15D-605F45CB9E9F}" type="datetime1">
               <a:rPr lang="en-US" smtClean="0"/>
-              <a:t>12/5/2024</a:t>
+              <a:t>12/6/2024</a:t>
             </a:fld>
             <a:endParaRPr lang="en-US" dirty="0"/>
           </a:p>
@@ -1905,7 +1906,7 @@
           <a:p>
             <a:fld id="{39667345-2558-425A-8533-9BFDBCE15005}" type="datetime1">
               <a:rPr lang="en-US" smtClean="0"/>
-              <a:t>12/5/2024</a:t>
+              <a:t>12/6/2024</a:t>
             </a:fld>
             <a:endParaRPr lang="en-US" dirty="0"/>
           </a:p>
@@ -2234,7 +2235,7 @@
           <a:p>
             <a:fld id="{92BEA474-078D-4E9B-9B14-09A87B19DC46}" type="datetime1">
               <a:rPr lang="en-US" smtClean="0"/>
-              <a:t>12/5/2024</a:t>
+              <a:t>12/6/2024</a:t>
             </a:fld>
             <a:endParaRPr lang="en-US" dirty="0"/>
           </a:p>
@@ -2584,7 +2585,7 @@
           <a:p>
             <a:fld id="{4907D986-8816-4272-A432-0437A28A9828}" type="datetime1">
               <a:rPr lang="en-US" smtClean="0"/>
-              <a:t>12/5/2024</a:t>
+              <a:t>12/6/2024</a:t>
             </a:fld>
             <a:endParaRPr lang="en-US" dirty="0"/>
           </a:p>
@@ -2845,7 +2846,7 @@
           <a:p>
             <a:fld id="{62D6E202-B606-4609-B914-27C9371A1F6D}" type="datetime1">
               <a:rPr lang="en-US" smtClean="0"/>
-              <a:t>12/5/2024</a:t>
+              <a:t>12/6/2024</a:t>
             </a:fld>
             <a:endParaRPr lang="en-US" dirty="0"/>
           </a:p>
@@ -3714,7 +3715,7 @@
           <p:cNvPr id="2" name="Picture 1">
             <a:extLst>
               <a:ext uri="{FF2B5EF4-FFF2-40B4-BE49-F238E27FC236}">
-                <a16:creationId xmlns:a16="http://schemas.microsoft.com/office/drawing/2014/main" id="{2E9B20C8-3D3F-4678-8A10-C259518AB2E0}"/>
+                <a16:creationId xmlns:a16="http://schemas.microsoft.com/office/drawing/2014/main" id="{60D19DF5-34A0-4D78-9018-24F57B9F00B7}"/>
               </a:ext>
             </a:extLst>
           </p:cNvPr>
@@ -3725,463 +3726,23 @@
         </p:nvPicPr>
         <p:blipFill rotWithShape="1">
           <a:blip r:embed="rId2"/>
-          <a:srcRect l="18827" r="23294" b="44899"/>
+          <a:srcRect l="18148" r="23153" b="44559"/>
           <a:stretch/>
         </p:blipFill>
         <p:spPr>
           <a:xfrm>
-            <a:off x="-1" y="0"/>
-            <a:ext cx="4748397" cy="6392849"/>
+            <a:off x="0" y="0"/>
+            <a:ext cx="4774282" cy="6376946"/>
           </a:xfrm>
           <a:prstGeom prst="rect">
             <a:avLst/>
           </a:prstGeom>
         </p:spPr>
       </p:pic>
-      <p:pic>
-        <p:nvPicPr>
-          <p:cNvPr id="4" name="Picture 3">
-            <a:extLst>
-              <a:ext uri="{FF2B5EF4-FFF2-40B4-BE49-F238E27FC236}">
-                <a16:creationId xmlns:a16="http://schemas.microsoft.com/office/drawing/2014/main" id="{8478E306-50FE-4E3E-B4A1-7512F3D9ED4D}"/>
-              </a:ext>
-            </a:extLst>
-          </p:cNvPr>
-          <p:cNvPicPr>
-            <a:picLocks noChangeAspect="1"/>
-          </p:cNvPicPr>
-          <p:nvPr/>
-        </p:nvPicPr>
-        <p:blipFill>
-          <a:blip r:embed="rId3"/>
-          <a:stretch>
-            <a:fillRect/>
-          </a:stretch>
-        </p:blipFill>
-        <p:spPr>
-          <a:xfrm>
-            <a:off x="5955415" y="5447742"/>
-            <a:ext cx="5163271" cy="876422"/>
-          </a:xfrm>
-          <a:prstGeom prst="rect">
-            <a:avLst/>
-          </a:prstGeom>
-        </p:spPr>
-      </p:pic>
-      <p:cxnSp>
-        <p:nvCxnSpPr>
-          <p:cNvPr id="6" name="Straight Arrow Connector 5">
-            <a:extLst>
-              <a:ext uri="{FF2B5EF4-FFF2-40B4-BE49-F238E27FC236}">
-                <a16:creationId xmlns:a16="http://schemas.microsoft.com/office/drawing/2014/main" id="{BA8102F6-1BCC-4BD9-813B-62AA44C0DB5E}"/>
-              </a:ext>
-            </a:extLst>
-          </p:cNvPr>
-          <p:cNvCxnSpPr/>
-          <p:nvPr/>
-        </p:nvCxnSpPr>
-        <p:spPr>
-          <a:xfrm>
-            <a:off x="2870421" y="5526157"/>
-            <a:ext cx="2918129" cy="373711"/>
-          </a:xfrm>
-          <a:prstGeom prst="straightConnector1">
-            <a:avLst/>
-          </a:prstGeom>
-          <a:ln>
-            <a:tailEnd type="triangle"/>
-          </a:ln>
-        </p:spPr>
-        <p:style>
-          <a:lnRef idx="1">
-            <a:schemeClr val="accent1"/>
-          </a:lnRef>
-          <a:fillRef idx="0">
-            <a:schemeClr val="accent1"/>
-          </a:fillRef>
-          <a:effectRef idx="0">
-            <a:schemeClr val="accent1"/>
-          </a:effectRef>
-          <a:fontRef idx="minor">
-            <a:schemeClr val="tx1"/>
-          </a:fontRef>
-        </p:style>
-      </p:cxnSp>
-      <p:pic>
-        <p:nvPicPr>
-          <p:cNvPr id="8" name="Picture 7">
-            <a:extLst>
-              <a:ext uri="{FF2B5EF4-FFF2-40B4-BE49-F238E27FC236}">
-                <a16:creationId xmlns:a16="http://schemas.microsoft.com/office/drawing/2014/main" id="{3662A3B3-6C72-46AF-B055-4C3F50095DA0}"/>
-              </a:ext>
-            </a:extLst>
-          </p:cNvPr>
-          <p:cNvPicPr>
-            <a:picLocks noChangeAspect="1"/>
-          </p:cNvPicPr>
-          <p:nvPr/>
-        </p:nvPicPr>
-        <p:blipFill>
-          <a:blip r:embed="rId4"/>
-          <a:stretch>
-            <a:fillRect/>
-          </a:stretch>
-        </p:blipFill>
-        <p:spPr>
-          <a:xfrm>
-            <a:off x="9638944" y="0"/>
-            <a:ext cx="2553056" cy="1543265"/>
-          </a:xfrm>
-          <a:prstGeom prst="rect">
-            <a:avLst/>
-          </a:prstGeom>
-        </p:spPr>
-      </p:pic>
-      <p:pic>
-        <p:nvPicPr>
-          <p:cNvPr id="10" name="Picture 9">
-            <a:extLst>
-              <a:ext uri="{FF2B5EF4-FFF2-40B4-BE49-F238E27FC236}">
-                <a16:creationId xmlns:a16="http://schemas.microsoft.com/office/drawing/2014/main" id="{7E256F14-6A8E-4EA0-8EC0-B1164A2775FB}"/>
-              </a:ext>
-            </a:extLst>
-          </p:cNvPr>
-          <p:cNvPicPr>
-            <a:picLocks noChangeAspect="1"/>
-          </p:cNvPicPr>
-          <p:nvPr/>
-        </p:nvPicPr>
-        <p:blipFill>
-          <a:blip r:embed="rId5"/>
-          <a:stretch>
-            <a:fillRect/>
-          </a:stretch>
-        </p:blipFill>
-        <p:spPr>
-          <a:xfrm>
-            <a:off x="5017273" y="4448653"/>
-            <a:ext cx="5902948" cy="999089"/>
-          </a:xfrm>
-          <a:prstGeom prst="rect">
-            <a:avLst/>
-          </a:prstGeom>
-        </p:spPr>
-      </p:pic>
-      <p:pic>
-        <p:nvPicPr>
-          <p:cNvPr id="12" name="Picture 11">
-            <a:extLst>
-              <a:ext uri="{FF2B5EF4-FFF2-40B4-BE49-F238E27FC236}">
-                <a16:creationId xmlns:a16="http://schemas.microsoft.com/office/drawing/2014/main" id="{D7A7D3E0-6BCE-46D1-8A28-C621DE5A8A84}"/>
-              </a:ext>
-            </a:extLst>
-          </p:cNvPr>
-          <p:cNvPicPr>
-            <a:picLocks noChangeAspect="1"/>
-          </p:cNvPicPr>
-          <p:nvPr/>
-        </p:nvPicPr>
-        <p:blipFill>
-          <a:blip r:embed="rId6"/>
-          <a:stretch>
-            <a:fillRect/>
-          </a:stretch>
-        </p:blipFill>
-        <p:spPr>
-          <a:xfrm>
-            <a:off x="4818403" y="1195915"/>
-            <a:ext cx="4629796" cy="428685"/>
-          </a:xfrm>
-          <a:prstGeom prst="rect">
-            <a:avLst/>
-          </a:prstGeom>
-        </p:spPr>
-      </p:pic>
-      <p:pic>
-        <p:nvPicPr>
-          <p:cNvPr id="14" name="Picture 13">
-            <a:extLst>
-              <a:ext uri="{FF2B5EF4-FFF2-40B4-BE49-F238E27FC236}">
-                <a16:creationId xmlns:a16="http://schemas.microsoft.com/office/drawing/2014/main" id="{530757EC-74FA-4F3E-BD9A-466BBAAD0D21}"/>
-              </a:ext>
-            </a:extLst>
-          </p:cNvPr>
-          <p:cNvPicPr>
-            <a:picLocks noChangeAspect="1"/>
-          </p:cNvPicPr>
-          <p:nvPr/>
-        </p:nvPicPr>
-        <p:blipFill>
-          <a:blip r:embed="rId7"/>
-          <a:stretch>
-            <a:fillRect/>
-          </a:stretch>
-        </p:blipFill>
-        <p:spPr>
-          <a:xfrm>
-            <a:off x="5859312" y="1689741"/>
-            <a:ext cx="3588887" cy="293535"/>
-          </a:xfrm>
-          <a:prstGeom prst="rect">
-            <a:avLst/>
-          </a:prstGeom>
-        </p:spPr>
-      </p:pic>
-      <p:cxnSp>
-        <p:nvCxnSpPr>
-          <p:cNvPr id="16" name="Straight Arrow Connector 15">
-            <a:extLst>
-              <a:ext uri="{FF2B5EF4-FFF2-40B4-BE49-F238E27FC236}">
-                <a16:creationId xmlns:a16="http://schemas.microsoft.com/office/drawing/2014/main" id="{A3762BDB-433A-464B-8129-CA0C622380E4}"/>
-              </a:ext>
-            </a:extLst>
-          </p:cNvPr>
-          <p:cNvCxnSpPr/>
-          <p:nvPr/>
-        </p:nvCxnSpPr>
-        <p:spPr>
-          <a:xfrm flipV="1">
-            <a:off x="4126727" y="1836508"/>
-            <a:ext cx="1502796" cy="2449245"/>
-          </a:xfrm>
-          <a:prstGeom prst="straightConnector1">
-            <a:avLst/>
-          </a:prstGeom>
-          <a:ln>
-            <a:tailEnd type="triangle"/>
-          </a:ln>
-        </p:spPr>
-        <p:style>
-          <a:lnRef idx="1">
-            <a:schemeClr val="accent1"/>
-          </a:lnRef>
-          <a:fillRef idx="0">
-            <a:schemeClr val="accent1"/>
-          </a:fillRef>
-          <a:effectRef idx="0">
-            <a:schemeClr val="accent1"/>
-          </a:effectRef>
-          <a:fontRef idx="minor">
-            <a:schemeClr val="tx1"/>
-          </a:fontRef>
-        </p:style>
-      </p:cxnSp>
-      <p:cxnSp>
-        <p:nvCxnSpPr>
-          <p:cNvPr id="22" name="Straight Arrow Connector 21">
-            <a:extLst>
-              <a:ext uri="{FF2B5EF4-FFF2-40B4-BE49-F238E27FC236}">
-                <a16:creationId xmlns:a16="http://schemas.microsoft.com/office/drawing/2014/main" id="{7B45F718-BC91-4A29-A5EC-1229A3C894AE}"/>
-              </a:ext>
-            </a:extLst>
-          </p:cNvPr>
-          <p:cNvCxnSpPr>
-            <a:cxnSpLocks/>
-          </p:cNvCxnSpPr>
-          <p:nvPr/>
-        </p:nvCxnSpPr>
-        <p:spPr>
-          <a:xfrm>
-            <a:off x="3037399" y="2809345"/>
-            <a:ext cx="3525080" cy="55659"/>
-          </a:xfrm>
-          <a:prstGeom prst="straightConnector1">
-            <a:avLst/>
-          </a:prstGeom>
-          <a:ln>
-            <a:tailEnd type="triangle"/>
-          </a:ln>
-        </p:spPr>
-        <p:style>
-          <a:lnRef idx="1">
-            <a:schemeClr val="accent1"/>
-          </a:lnRef>
-          <a:fillRef idx="0">
-            <a:schemeClr val="accent1"/>
-          </a:fillRef>
-          <a:effectRef idx="0">
-            <a:schemeClr val="accent1"/>
-          </a:effectRef>
-          <a:fontRef idx="minor">
-            <a:schemeClr val="tx1"/>
-          </a:fontRef>
-        </p:style>
-      </p:cxnSp>
-      <p:pic>
-        <p:nvPicPr>
-          <p:cNvPr id="24" name="Picture 23">
-            <a:extLst>
-              <a:ext uri="{FF2B5EF4-FFF2-40B4-BE49-F238E27FC236}">
-                <a16:creationId xmlns:a16="http://schemas.microsoft.com/office/drawing/2014/main" id="{BBAB7AF1-74FF-4A95-BF8F-3EBFCA2C6EC3}"/>
-              </a:ext>
-            </a:extLst>
-          </p:cNvPr>
-          <p:cNvPicPr>
-            <a:picLocks noChangeAspect="1"/>
-          </p:cNvPicPr>
-          <p:nvPr/>
-        </p:nvPicPr>
-        <p:blipFill>
-          <a:blip r:embed="rId8"/>
-          <a:stretch>
-            <a:fillRect/>
-          </a:stretch>
-        </p:blipFill>
-        <p:spPr>
-          <a:xfrm>
-            <a:off x="6671626" y="2328827"/>
-            <a:ext cx="4406996" cy="818346"/>
-          </a:xfrm>
-          <a:prstGeom prst="rect">
-            <a:avLst/>
-          </a:prstGeom>
-        </p:spPr>
-      </p:pic>
-      <p:pic>
-        <p:nvPicPr>
-          <p:cNvPr id="26" name="Picture 25">
-            <a:extLst>
-              <a:ext uri="{FF2B5EF4-FFF2-40B4-BE49-F238E27FC236}">
-                <a16:creationId xmlns:a16="http://schemas.microsoft.com/office/drawing/2014/main" id="{07DE36C7-236B-43E4-8EF1-4F9C00A0CD0E}"/>
-              </a:ext>
-            </a:extLst>
-          </p:cNvPr>
-          <p:cNvPicPr>
-            <a:picLocks noChangeAspect="1"/>
-          </p:cNvPicPr>
-          <p:nvPr/>
-        </p:nvPicPr>
-        <p:blipFill>
-          <a:blip r:embed="rId9"/>
-          <a:stretch>
-            <a:fillRect/>
-          </a:stretch>
-        </p:blipFill>
-        <p:spPr>
-          <a:xfrm>
-            <a:off x="6671626" y="3187796"/>
-            <a:ext cx="3370010" cy="168997"/>
-          </a:xfrm>
-          <a:prstGeom prst="rect">
-            <a:avLst/>
-          </a:prstGeom>
-        </p:spPr>
-      </p:pic>
-      <p:pic>
-        <p:nvPicPr>
-          <p:cNvPr id="28" name="Picture 27">
-            <a:extLst>
-              <a:ext uri="{FF2B5EF4-FFF2-40B4-BE49-F238E27FC236}">
-                <a16:creationId xmlns:a16="http://schemas.microsoft.com/office/drawing/2014/main" id="{C5EA5401-D8B4-48F1-A774-C0ECCE9CBCC1}"/>
-              </a:ext>
-            </a:extLst>
-          </p:cNvPr>
-          <p:cNvPicPr>
-            <a:picLocks noChangeAspect="1"/>
-          </p:cNvPicPr>
-          <p:nvPr/>
-        </p:nvPicPr>
-        <p:blipFill>
-          <a:blip r:embed="rId10"/>
-          <a:stretch>
-            <a:fillRect/>
-          </a:stretch>
-        </p:blipFill>
-        <p:spPr>
-          <a:xfrm>
-            <a:off x="6680078" y="3429000"/>
-            <a:ext cx="3210601" cy="717262"/>
-          </a:xfrm>
-          <a:prstGeom prst="rect">
-            <a:avLst/>
-          </a:prstGeom>
-        </p:spPr>
-      </p:pic>
-      <p:sp>
-        <p:nvSpPr>
-          <p:cNvPr id="31" name="TextBox 30">
-            <a:extLst>
-              <a:ext uri="{FF2B5EF4-FFF2-40B4-BE49-F238E27FC236}">
-                <a16:creationId xmlns:a16="http://schemas.microsoft.com/office/drawing/2014/main" id="{F61531F9-B075-4DD6-B0B9-90D07BAABBA7}"/>
-              </a:ext>
-            </a:extLst>
-          </p:cNvPr>
-          <p:cNvSpPr txBox="1"/>
-          <p:nvPr/>
-        </p:nvSpPr>
-        <p:spPr>
-          <a:xfrm>
-            <a:off x="4748396" y="41021"/>
-            <a:ext cx="6096000" cy="369332"/>
-          </a:xfrm>
-          <a:prstGeom prst="rect">
-            <a:avLst/>
-          </a:prstGeom>
-          <a:noFill/>
-        </p:spPr>
-        <p:txBody>
-          <a:bodyPr wrap="square">
-            <a:spAutoFit/>
-          </a:bodyPr>
-          <a:lstStyle/>
-          <a:p>
-            <a:r>
-              <a:rPr lang="en-US" dirty="0">
-                <a:solidFill>
-                  <a:schemeClr val="bg1"/>
-                </a:solidFill>
-                <a:highlight>
-                  <a:srgbClr val="000000"/>
-                </a:highlight>
-              </a:rPr>
-              <a:t>Purpose           Manage Doctor Information</a:t>
-            </a:r>
-          </a:p>
-        </p:txBody>
-      </p:sp>
-      <p:cxnSp>
-        <p:nvCxnSpPr>
-          <p:cNvPr id="33" name="Straight Arrow Connector 32">
-            <a:extLst>
-              <a:ext uri="{FF2B5EF4-FFF2-40B4-BE49-F238E27FC236}">
-                <a16:creationId xmlns:a16="http://schemas.microsoft.com/office/drawing/2014/main" id="{85949D6B-4466-425D-B58A-B6C32E3E3B57}"/>
-              </a:ext>
-            </a:extLst>
-          </p:cNvPr>
-          <p:cNvCxnSpPr/>
-          <p:nvPr/>
-        </p:nvCxnSpPr>
-        <p:spPr>
-          <a:xfrm>
-            <a:off x="5709920" y="233680"/>
-            <a:ext cx="487680" cy="0"/>
-          </a:xfrm>
-          <a:prstGeom prst="straightConnector1">
-            <a:avLst/>
-          </a:prstGeom>
-          <a:ln>
-            <a:tailEnd type="triangle"/>
-          </a:ln>
-        </p:spPr>
-        <p:style>
-          <a:lnRef idx="1">
-            <a:schemeClr val="accent1"/>
-          </a:lnRef>
-          <a:fillRef idx="0">
-            <a:schemeClr val="accent1"/>
-          </a:fillRef>
-          <a:effectRef idx="0">
-            <a:schemeClr val="accent1"/>
-          </a:effectRef>
-          <a:fontRef idx="minor">
-            <a:schemeClr val="tx1"/>
-          </a:fontRef>
-        </p:style>
-      </p:cxnSp>
     </p:spTree>
     <p:extLst>
       <p:ext uri="{BB962C8B-B14F-4D97-AF65-F5344CB8AC3E}">
-        <p14:creationId xmlns:p14="http://schemas.microsoft.com/office/powerpoint/2010/main" val="3707739784"/>
+        <p14:creationId xmlns:p14="http://schemas.microsoft.com/office/powerpoint/2010/main" val="1592368510"/>
       </p:ext>
     </p:extLst>
   </p:cSld>
@@ -4213,7 +3774,7 @@
           <p:cNvPr id="2" name="Picture 1">
             <a:extLst>
               <a:ext uri="{FF2B5EF4-FFF2-40B4-BE49-F238E27FC236}">
-                <a16:creationId xmlns:a16="http://schemas.microsoft.com/office/drawing/2014/main" id="{E11951AE-2B29-4F2F-9DB5-905F86040BF0}"/>
+                <a16:creationId xmlns:a16="http://schemas.microsoft.com/office/drawing/2014/main" id="{2E9B20C8-3D3F-4678-8A10-C259518AB2E0}"/>
               </a:ext>
             </a:extLst>
           </p:cNvPr>
@@ -4224,13 +3785,13 @@
         </p:nvPicPr>
         <p:blipFill rotWithShape="1">
           <a:blip r:embed="rId2"/>
-          <a:srcRect l="19176" r="22945" b="44733"/>
+          <a:srcRect l="18827" r="23294" b="44899"/>
           <a:stretch/>
         </p:blipFill>
         <p:spPr>
           <a:xfrm>
-            <a:off x="0" y="0"/>
-            <a:ext cx="4740082" cy="6400800"/>
+            <a:off x="-1" y="0"/>
+            <a:ext cx="4748397" cy="6392849"/>
           </a:xfrm>
           <a:prstGeom prst="rect">
             <a:avLst/>
@@ -4242,7 +3803,7 @@
           <p:cNvPr id="4" name="Picture 3">
             <a:extLst>
               <a:ext uri="{FF2B5EF4-FFF2-40B4-BE49-F238E27FC236}">
-                <a16:creationId xmlns:a16="http://schemas.microsoft.com/office/drawing/2014/main" id="{003FB16F-1972-4EC1-A6EB-ACEE7EE48DF5}"/>
+                <a16:creationId xmlns:a16="http://schemas.microsoft.com/office/drawing/2014/main" id="{8478E306-50FE-4E3E-B4A1-7512F3D9ED4D}"/>
               </a:ext>
             </a:extLst>
           </p:cNvPr>
@@ -4259,8 +3820,8 @@
         </p:blipFill>
         <p:spPr>
           <a:xfrm>
-            <a:off x="4614952" y="1170043"/>
-            <a:ext cx="5344271" cy="838317"/>
+            <a:off x="5955415" y="5447742"/>
+            <a:ext cx="5163271" cy="876422"/>
           </a:xfrm>
           <a:prstGeom prst="rect">
             <a:avLst/>
@@ -4272,7 +3833,7 @@
           <p:cNvPr id="6" name="Straight Arrow Connector 5">
             <a:extLst>
               <a:ext uri="{FF2B5EF4-FFF2-40B4-BE49-F238E27FC236}">
-                <a16:creationId xmlns:a16="http://schemas.microsoft.com/office/drawing/2014/main" id="{CA028A88-F5A8-4144-BB79-5CCB5985DE2E}"/>
+                <a16:creationId xmlns:a16="http://schemas.microsoft.com/office/drawing/2014/main" id="{BA8102F6-1BCC-4BD9-813B-62AA44C0DB5E}"/>
               </a:ext>
             </a:extLst>
           </p:cNvPr>
@@ -4280,9 +3841,9 @@
           <p:nvPr/>
         </p:nvCxnSpPr>
         <p:spPr>
-          <a:xfrm flipV="1">
-            <a:off x="2394447" y="1408036"/>
-            <a:ext cx="2345635" cy="1200647"/>
+          <a:xfrm>
+            <a:off x="2870421" y="5526157"/>
+            <a:ext cx="2918129" cy="373711"/>
           </a:xfrm>
           <a:prstGeom prst="straightConnector1">
             <a:avLst/>
@@ -4311,7 +3872,7 @@
           <p:cNvPr id="8" name="Picture 7">
             <a:extLst>
               <a:ext uri="{FF2B5EF4-FFF2-40B4-BE49-F238E27FC236}">
-                <a16:creationId xmlns:a16="http://schemas.microsoft.com/office/drawing/2014/main" id="{BB7D13AB-B7CA-4A9B-ACA1-D8778E21207B}"/>
+                <a16:creationId xmlns:a16="http://schemas.microsoft.com/office/drawing/2014/main" id="{3662A3B3-6C72-46AF-B055-4C3F50095DA0}"/>
               </a:ext>
             </a:extLst>
           </p:cNvPr>
@@ -4328,8 +3889,8 @@
         </p:blipFill>
         <p:spPr>
           <a:xfrm>
-            <a:off x="4614952" y="2082654"/>
-            <a:ext cx="2962095" cy="1598253"/>
+            <a:off x="9638944" y="0"/>
+            <a:ext cx="2553056" cy="1543265"/>
           </a:xfrm>
           <a:prstGeom prst="rect">
             <a:avLst/>
@@ -4341,7 +3902,7 @@
           <p:cNvPr id="10" name="Picture 9">
             <a:extLst>
               <a:ext uri="{FF2B5EF4-FFF2-40B4-BE49-F238E27FC236}">
-                <a16:creationId xmlns:a16="http://schemas.microsoft.com/office/drawing/2014/main" id="{FAFFC6F2-4935-4A85-9090-8E621CBDA11E}"/>
+                <a16:creationId xmlns:a16="http://schemas.microsoft.com/office/drawing/2014/main" id="{7E256F14-6A8E-4EA0-8EC0-B1164A2775FB}"/>
               </a:ext>
             </a:extLst>
           </p:cNvPr>
@@ -4358,8 +3919,8 @@
         </p:blipFill>
         <p:spPr>
           <a:xfrm>
-            <a:off x="6851373" y="2192353"/>
-            <a:ext cx="3643355" cy="689427"/>
+            <a:off x="5017273" y="4448653"/>
+            <a:ext cx="5902948" cy="999089"/>
           </a:xfrm>
           <a:prstGeom prst="rect">
             <a:avLst/>
@@ -4371,7 +3932,7 @@
           <p:cNvPr id="12" name="Picture 11">
             <a:extLst>
               <a:ext uri="{FF2B5EF4-FFF2-40B4-BE49-F238E27FC236}">
-                <a16:creationId xmlns:a16="http://schemas.microsoft.com/office/drawing/2014/main" id="{84820B09-3812-476D-AD9A-307FAF8AF337}"/>
+                <a16:creationId xmlns:a16="http://schemas.microsoft.com/office/drawing/2014/main" id="{D7A7D3E0-6BCE-46D1-8A28-C621DE5A8A84}"/>
               </a:ext>
             </a:extLst>
           </p:cNvPr>
@@ -4388,59 +3949,20 @@
         </p:blipFill>
         <p:spPr>
           <a:xfrm>
-            <a:off x="4614952" y="0"/>
-            <a:ext cx="2659005" cy="495467"/>
+            <a:off x="4818403" y="1195915"/>
+            <a:ext cx="4629796" cy="428685"/>
           </a:xfrm>
           <a:prstGeom prst="rect">
             <a:avLst/>
           </a:prstGeom>
         </p:spPr>
       </p:pic>
-      <p:cxnSp>
-        <p:nvCxnSpPr>
-          <p:cNvPr id="14" name="Straight Arrow Connector 13">
-            <a:extLst>
-              <a:ext uri="{FF2B5EF4-FFF2-40B4-BE49-F238E27FC236}">
-                <a16:creationId xmlns:a16="http://schemas.microsoft.com/office/drawing/2014/main" id="{8589F49F-2BA6-400C-A7DD-FA478C68E6EB}"/>
-              </a:ext>
-            </a:extLst>
-          </p:cNvPr>
-          <p:cNvCxnSpPr/>
-          <p:nvPr/>
-        </p:nvCxnSpPr>
-        <p:spPr>
-          <a:xfrm flipV="1">
-            <a:off x="4031311" y="381663"/>
-            <a:ext cx="583641" cy="564542"/>
-          </a:xfrm>
-          <a:prstGeom prst="straightConnector1">
-            <a:avLst/>
-          </a:prstGeom>
-          <a:ln>
-            <a:tailEnd type="triangle"/>
-          </a:ln>
-        </p:spPr>
-        <p:style>
-          <a:lnRef idx="1">
-            <a:schemeClr val="accent1"/>
-          </a:lnRef>
-          <a:fillRef idx="0">
-            <a:schemeClr val="accent1"/>
-          </a:fillRef>
-          <a:effectRef idx="0">
-            <a:schemeClr val="accent1"/>
-          </a:effectRef>
-          <a:fontRef idx="minor">
-            <a:schemeClr val="tx1"/>
-          </a:fontRef>
-        </p:style>
-      </p:cxnSp>
       <p:pic>
         <p:nvPicPr>
-          <p:cNvPr id="16" name="Picture 15">
-            <a:extLst>
-              <a:ext uri="{FF2B5EF4-FFF2-40B4-BE49-F238E27FC236}">
-                <a16:creationId xmlns:a16="http://schemas.microsoft.com/office/drawing/2014/main" id="{942A6A1D-08AA-44F9-930C-DB238C93F569}"/>
+          <p:cNvPr id="14" name="Picture 13">
+            <a:extLst>
+              <a:ext uri="{FF2B5EF4-FFF2-40B4-BE49-F238E27FC236}">
+                <a16:creationId xmlns:a16="http://schemas.microsoft.com/office/drawing/2014/main" id="{530757EC-74FA-4F3E-BD9A-466BBAAD0D21}"/>
               </a:ext>
             </a:extLst>
           </p:cNvPr>
@@ -4457,38 +3979,8 @@
         </p:blipFill>
         <p:spPr>
           <a:xfrm>
-            <a:off x="4648935" y="5332483"/>
-            <a:ext cx="3882542" cy="780378"/>
-          </a:xfrm>
-          <a:prstGeom prst="rect">
-            <a:avLst/>
-          </a:prstGeom>
-        </p:spPr>
-      </p:pic>
-      <p:pic>
-        <p:nvPicPr>
-          <p:cNvPr id="18" name="Picture 17">
-            <a:extLst>
-              <a:ext uri="{FF2B5EF4-FFF2-40B4-BE49-F238E27FC236}">
-                <a16:creationId xmlns:a16="http://schemas.microsoft.com/office/drawing/2014/main" id="{4ED0EC48-0050-48B8-9274-B42C6C981DFF}"/>
-              </a:ext>
-            </a:extLst>
-          </p:cNvPr>
-          <p:cNvPicPr>
-            <a:picLocks noChangeAspect="1"/>
-          </p:cNvPicPr>
-          <p:nvPr/>
-        </p:nvPicPr>
-        <p:blipFill>
-          <a:blip r:embed="rId8"/>
-          <a:stretch>
-            <a:fillRect/>
-          </a:stretch>
-        </p:blipFill>
-        <p:spPr>
-          <a:xfrm>
-            <a:off x="4636154" y="3901309"/>
-            <a:ext cx="4037855" cy="1207978"/>
+            <a:off x="5859312" y="1689741"/>
+            <a:ext cx="3588887" cy="293535"/>
           </a:xfrm>
           <a:prstGeom prst="rect">
             <a:avLst/>
@@ -4497,23 +3989,20 @@
       </p:pic>
       <p:cxnSp>
         <p:nvCxnSpPr>
-          <p:cNvPr id="20" name="Straight Arrow Connector 19">
-            <a:extLst>
-              <a:ext uri="{FF2B5EF4-FFF2-40B4-BE49-F238E27FC236}">
-                <a16:creationId xmlns:a16="http://schemas.microsoft.com/office/drawing/2014/main" id="{F90259FD-9D68-4BAB-9C80-2E7AC4947DFF}"/>
-              </a:ext>
-            </a:extLst>
-          </p:cNvPr>
-          <p:cNvCxnSpPr>
-            <a:cxnSpLocks/>
-            <a:endCxn id="18" idx="1"/>
-          </p:cNvCxnSpPr>
+          <p:cNvPr id="16" name="Straight Arrow Connector 15">
+            <a:extLst>
+              <a:ext uri="{FF2B5EF4-FFF2-40B4-BE49-F238E27FC236}">
+                <a16:creationId xmlns:a16="http://schemas.microsoft.com/office/drawing/2014/main" id="{A3762BDB-433A-464B-8129-CA0C622380E4}"/>
+              </a:ext>
+            </a:extLst>
+          </p:cNvPr>
+          <p:cNvCxnSpPr/>
           <p:nvPr/>
         </p:nvCxnSpPr>
         <p:spPr>
           <a:xfrm flipV="1">
-            <a:off x="1979875" y="4505298"/>
-            <a:ext cx="2656279" cy="1076518"/>
+            <a:off x="4126727" y="1836508"/>
+            <a:ext cx="1502796" cy="2449245"/>
           </a:xfrm>
           <a:prstGeom prst="straightConnector1">
             <a:avLst/>
@@ -4542,7 +4031,7 @@
           <p:cNvPr id="22" name="Straight Arrow Connector 21">
             <a:extLst>
               <a:ext uri="{FF2B5EF4-FFF2-40B4-BE49-F238E27FC236}">
-                <a16:creationId xmlns:a16="http://schemas.microsoft.com/office/drawing/2014/main" id="{6CA58E2B-292B-4B9B-AA20-9F36C3BAEC65}"/>
+                <a16:creationId xmlns:a16="http://schemas.microsoft.com/office/drawing/2014/main" id="{7B45F718-BC91-4A29-A5EC-1229A3C894AE}"/>
               </a:ext>
             </a:extLst>
           </p:cNvPr>
@@ -4552,9 +4041,9 @@
           <p:nvPr/>
         </p:nvCxnSpPr>
         <p:spPr>
-          <a:xfrm flipV="1">
-            <a:off x="2910177" y="5581816"/>
-            <a:ext cx="1738758" cy="140856"/>
+          <a:xfrm>
+            <a:off x="3037399" y="2809345"/>
+            <a:ext cx="3525080" cy="55659"/>
           </a:xfrm>
           <a:prstGeom prst="straightConnector1">
             <a:avLst/>
@@ -4578,12 +4067,102 @@
           </a:fontRef>
         </p:style>
       </p:cxnSp>
+      <p:pic>
+        <p:nvPicPr>
+          <p:cNvPr id="24" name="Picture 23">
+            <a:extLst>
+              <a:ext uri="{FF2B5EF4-FFF2-40B4-BE49-F238E27FC236}">
+                <a16:creationId xmlns:a16="http://schemas.microsoft.com/office/drawing/2014/main" id="{BBAB7AF1-74FF-4A95-BF8F-3EBFCA2C6EC3}"/>
+              </a:ext>
+            </a:extLst>
+          </p:cNvPr>
+          <p:cNvPicPr>
+            <a:picLocks noChangeAspect="1"/>
+          </p:cNvPicPr>
+          <p:nvPr/>
+        </p:nvPicPr>
+        <p:blipFill>
+          <a:blip r:embed="rId8"/>
+          <a:stretch>
+            <a:fillRect/>
+          </a:stretch>
+        </p:blipFill>
+        <p:spPr>
+          <a:xfrm>
+            <a:off x="6671626" y="2328827"/>
+            <a:ext cx="4406996" cy="818346"/>
+          </a:xfrm>
+          <a:prstGeom prst="rect">
+            <a:avLst/>
+          </a:prstGeom>
+        </p:spPr>
+      </p:pic>
+      <p:pic>
+        <p:nvPicPr>
+          <p:cNvPr id="26" name="Picture 25">
+            <a:extLst>
+              <a:ext uri="{FF2B5EF4-FFF2-40B4-BE49-F238E27FC236}">
+                <a16:creationId xmlns:a16="http://schemas.microsoft.com/office/drawing/2014/main" id="{07DE36C7-236B-43E4-8EF1-4F9C00A0CD0E}"/>
+              </a:ext>
+            </a:extLst>
+          </p:cNvPr>
+          <p:cNvPicPr>
+            <a:picLocks noChangeAspect="1"/>
+          </p:cNvPicPr>
+          <p:nvPr/>
+        </p:nvPicPr>
+        <p:blipFill>
+          <a:blip r:embed="rId9"/>
+          <a:stretch>
+            <a:fillRect/>
+          </a:stretch>
+        </p:blipFill>
+        <p:spPr>
+          <a:xfrm>
+            <a:off x="6671626" y="3187796"/>
+            <a:ext cx="3370010" cy="168997"/>
+          </a:xfrm>
+          <a:prstGeom prst="rect">
+            <a:avLst/>
+          </a:prstGeom>
+        </p:spPr>
+      </p:pic>
+      <p:pic>
+        <p:nvPicPr>
+          <p:cNvPr id="28" name="Picture 27">
+            <a:extLst>
+              <a:ext uri="{FF2B5EF4-FFF2-40B4-BE49-F238E27FC236}">
+                <a16:creationId xmlns:a16="http://schemas.microsoft.com/office/drawing/2014/main" id="{C5EA5401-D8B4-48F1-A774-C0ECCE9CBCC1}"/>
+              </a:ext>
+            </a:extLst>
+          </p:cNvPr>
+          <p:cNvPicPr>
+            <a:picLocks noChangeAspect="1"/>
+          </p:cNvPicPr>
+          <p:nvPr/>
+        </p:nvPicPr>
+        <p:blipFill>
+          <a:blip r:embed="rId10"/>
+          <a:stretch>
+            <a:fillRect/>
+          </a:stretch>
+        </p:blipFill>
+        <p:spPr>
+          <a:xfrm>
+            <a:off x="6680078" y="3429000"/>
+            <a:ext cx="3210601" cy="717262"/>
+          </a:xfrm>
+          <a:prstGeom prst="rect">
+            <a:avLst/>
+          </a:prstGeom>
+        </p:spPr>
+      </p:pic>
       <p:sp>
         <p:nvSpPr>
-          <p:cNvPr id="26" name="TextBox 25">
-            <a:extLst>
-              <a:ext uri="{FF2B5EF4-FFF2-40B4-BE49-F238E27FC236}">
-                <a16:creationId xmlns:a16="http://schemas.microsoft.com/office/drawing/2014/main" id="{C6C70914-4BA9-4975-AA36-8F2D0D0C692A}"/>
+          <p:cNvPr id="31" name="TextBox 30">
+            <a:extLst>
+              <a:ext uri="{FF2B5EF4-FFF2-40B4-BE49-F238E27FC236}">
+                <a16:creationId xmlns:a16="http://schemas.microsoft.com/office/drawing/2014/main" id="{F61531F9-B075-4DD6-B0B9-90D07BAABBA7}"/>
               </a:ext>
             </a:extLst>
           </p:cNvPr>
@@ -4592,8 +4171,8 @@
         </p:nvSpPr>
         <p:spPr>
           <a:xfrm>
-            <a:off x="7446728" y="85961"/>
-            <a:ext cx="6096000" cy="338554"/>
+            <a:off x="4748396" y="41021"/>
+            <a:ext cx="6096000" cy="369332"/>
           </a:xfrm>
           <a:prstGeom prst="rect">
             <a:avLst/>
@@ -4607,7 +4186,7 @@
           <a:lstStyle/>
           <a:p>
             <a:r>
-              <a:rPr lang="en-US" sz="1600" dirty="0">
+              <a:rPr lang="en-US" dirty="0">
                 <a:solidFill>
                   <a:schemeClr val="bg1"/>
                 </a:solidFill>
@@ -4615,17 +4194,17 @@
                   <a:srgbClr val="000000"/>
                 </a:highlight>
               </a:rPr>
-              <a:t>Purpose           Schedule and Manage Appointments</a:t>
+              <a:t>Purpose           Manage Doctor Information</a:t>
             </a:r>
           </a:p>
         </p:txBody>
       </p:sp>
       <p:cxnSp>
         <p:nvCxnSpPr>
-          <p:cNvPr id="28" name="Straight Arrow Connector 27">
-            <a:extLst>
-              <a:ext uri="{FF2B5EF4-FFF2-40B4-BE49-F238E27FC236}">
-                <a16:creationId xmlns:a16="http://schemas.microsoft.com/office/drawing/2014/main" id="{42057BF5-5BE1-40DB-972E-E4962712AFC4}"/>
+          <p:cNvPr id="33" name="Straight Arrow Connector 32">
+            <a:extLst>
+              <a:ext uri="{FF2B5EF4-FFF2-40B4-BE49-F238E27FC236}">
+                <a16:creationId xmlns:a16="http://schemas.microsoft.com/office/drawing/2014/main" id="{85949D6B-4466-425D-B58A-B6C32E3E3B57}"/>
               </a:ext>
             </a:extLst>
           </p:cNvPr>
@@ -4634,8 +4213,8 @@
         </p:nvCxnSpPr>
         <p:spPr>
           <a:xfrm>
-            <a:off x="8310880" y="254000"/>
-            <a:ext cx="467360" cy="0"/>
+            <a:off x="5709920" y="233680"/>
+            <a:ext cx="487680" cy="0"/>
           </a:xfrm>
           <a:prstGeom prst="straightConnector1">
             <a:avLst/>
@@ -4662,7 +4241,7 @@
     </p:spTree>
     <p:extLst>
       <p:ext uri="{BB962C8B-B14F-4D97-AF65-F5344CB8AC3E}">
-        <p14:creationId xmlns:p14="http://schemas.microsoft.com/office/powerpoint/2010/main" val="2620271192"/>
+        <p14:creationId xmlns:p14="http://schemas.microsoft.com/office/powerpoint/2010/main" val="3707739784"/>
       </p:ext>
     </p:extLst>
   </p:cSld>
@@ -4694,7 +4273,7 @@
           <p:cNvPr id="2" name="Picture 1">
             <a:extLst>
               <a:ext uri="{FF2B5EF4-FFF2-40B4-BE49-F238E27FC236}">
-                <a16:creationId xmlns:a16="http://schemas.microsoft.com/office/drawing/2014/main" id="{489C71BA-AAB6-4511-8D38-7245AC3293D8}"/>
+                <a16:creationId xmlns:a16="http://schemas.microsoft.com/office/drawing/2014/main" id="{E11951AE-2B29-4F2F-9DB5-905F86040BF0}"/>
               </a:ext>
             </a:extLst>
           </p:cNvPr>
@@ -4705,13 +4284,13 @@
         </p:nvPicPr>
         <p:blipFill rotWithShape="1">
           <a:blip r:embed="rId2"/>
-          <a:srcRect l="18379" r="23578" b="44254"/>
+          <a:srcRect l="19176" r="22945" b="44733"/>
           <a:stretch/>
         </p:blipFill>
         <p:spPr>
           <a:xfrm>
-            <a:off x="-1" y="0"/>
-            <a:ext cx="4700919" cy="6384897"/>
+            <a:off x="0" y="0"/>
+            <a:ext cx="4740082" cy="6400800"/>
           </a:xfrm>
           <a:prstGeom prst="rect">
             <a:avLst/>
@@ -4723,7 +4302,7 @@
           <p:cNvPr id="4" name="Picture 3">
             <a:extLst>
               <a:ext uri="{FF2B5EF4-FFF2-40B4-BE49-F238E27FC236}">
-                <a16:creationId xmlns:a16="http://schemas.microsoft.com/office/drawing/2014/main" id="{8CB23024-B1EF-4335-9B8B-70C9C3A2FFC4}"/>
+                <a16:creationId xmlns:a16="http://schemas.microsoft.com/office/drawing/2014/main" id="{003FB16F-1972-4EC1-A6EB-ACEE7EE48DF5}"/>
               </a:ext>
             </a:extLst>
           </p:cNvPr>
@@ -4740,8 +4319,8 @@
         </p:blipFill>
         <p:spPr>
           <a:xfrm>
-            <a:off x="4937760" y="1275021"/>
-            <a:ext cx="4280830" cy="768354"/>
+            <a:off x="4614952" y="1170043"/>
+            <a:ext cx="5344271" cy="838317"/>
           </a:xfrm>
           <a:prstGeom prst="rect">
             <a:avLst/>
@@ -4753,19 +4332,17 @@
           <p:cNvPr id="6" name="Straight Arrow Connector 5">
             <a:extLst>
               <a:ext uri="{FF2B5EF4-FFF2-40B4-BE49-F238E27FC236}">
-                <a16:creationId xmlns:a16="http://schemas.microsoft.com/office/drawing/2014/main" id="{86F281B7-78B9-4BB3-B7AB-802F40886C96}"/>
-              </a:ext>
-            </a:extLst>
-          </p:cNvPr>
-          <p:cNvCxnSpPr>
-            <a:cxnSpLocks/>
-          </p:cNvCxnSpPr>
+                <a16:creationId xmlns:a16="http://schemas.microsoft.com/office/drawing/2014/main" id="{CA028A88-F5A8-4144-BB79-5CCB5985DE2E}"/>
+              </a:ext>
+            </a:extLst>
+          </p:cNvPr>
+          <p:cNvCxnSpPr/>
           <p:nvPr/>
         </p:nvCxnSpPr>
         <p:spPr>
           <a:xfrm flipV="1">
-            <a:off x="2433099" y="1725433"/>
-            <a:ext cx="2393343" cy="151075"/>
+            <a:off x="2394447" y="1408036"/>
+            <a:ext cx="2345635" cy="1200647"/>
           </a:xfrm>
           <a:prstGeom prst="straightConnector1">
             <a:avLst/>
@@ -4794,7 +4371,7 @@
           <p:cNvPr id="8" name="Picture 7">
             <a:extLst>
               <a:ext uri="{FF2B5EF4-FFF2-40B4-BE49-F238E27FC236}">
-                <a16:creationId xmlns:a16="http://schemas.microsoft.com/office/drawing/2014/main" id="{43CEF65D-2440-42A0-AB62-7855BE9D57F1}"/>
+                <a16:creationId xmlns:a16="http://schemas.microsoft.com/office/drawing/2014/main" id="{BB7D13AB-B7CA-4A9B-ACA1-D8778E21207B}"/>
               </a:ext>
             </a:extLst>
           </p:cNvPr>
@@ -4811,8 +4388,8 @@
         </p:blipFill>
         <p:spPr>
           <a:xfrm>
-            <a:off x="4700918" y="2084500"/>
-            <a:ext cx="3898563" cy="1536266"/>
+            <a:off x="4614952" y="2082654"/>
+            <a:ext cx="2962095" cy="1598253"/>
           </a:xfrm>
           <a:prstGeom prst="rect">
             <a:avLst/>
@@ -4824,7 +4401,7 @@
           <p:cNvPr id="10" name="Picture 9">
             <a:extLst>
               <a:ext uri="{FF2B5EF4-FFF2-40B4-BE49-F238E27FC236}">
-                <a16:creationId xmlns:a16="http://schemas.microsoft.com/office/drawing/2014/main" id="{3A43DCAC-2BBE-4C74-AA45-939EE86CCBD9}"/>
+                <a16:creationId xmlns:a16="http://schemas.microsoft.com/office/drawing/2014/main" id="{FAFFC6F2-4935-4A85-9090-8E621CBDA11E}"/>
               </a:ext>
             </a:extLst>
           </p:cNvPr>
@@ -4841,8 +4418,8 @@
         </p:blipFill>
         <p:spPr>
           <a:xfrm>
-            <a:off x="6753673" y="2086854"/>
-            <a:ext cx="4280830" cy="765779"/>
+            <a:off x="6851373" y="2192353"/>
+            <a:ext cx="3643355" cy="689427"/>
           </a:xfrm>
           <a:prstGeom prst="rect">
             <a:avLst/>
@@ -4851,10 +4428,10 @@
       </p:pic>
       <p:pic>
         <p:nvPicPr>
-          <p:cNvPr id="15" name="Picture 14">
-            <a:extLst>
-              <a:ext uri="{FF2B5EF4-FFF2-40B4-BE49-F238E27FC236}">
-                <a16:creationId xmlns:a16="http://schemas.microsoft.com/office/drawing/2014/main" id="{1277E4A3-01B9-4713-9A17-D14D7F8F8C69}"/>
+          <p:cNvPr id="12" name="Picture 11">
+            <a:extLst>
+              <a:ext uri="{FF2B5EF4-FFF2-40B4-BE49-F238E27FC236}">
+                <a16:creationId xmlns:a16="http://schemas.microsoft.com/office/drawing/2014/main" id="{84820B09-3812-476D-AD9A-307FAF8AF337}"/>
               </a:ext>
             </a:extLst>
           </p:cNvPr>
@@ -4871,8 +4448,8 @@
         </p:blipFill>
         <p:spPr>
           <a:xfrm>
-            <a:off x="4627527" y="295900"/>
-            <a:ext cx="3972712" cy="570792"/>
+            <a:off x="4614952" y="0"/>
+            <a:ext cx="2659005" cy="495467"/>
           </a:xfrm>
           <a:prstGeom prst="rect">
             <a:avLst/>
@@ -4881,10 +4458,10 @@
       </p:pic>
       <p:cxnSp>
         <p:nvCxnSpPr>
-          <p:cNvPr id="17" name="Straight Arrow Connector 16">
-            <a:extLst>
-              <a:ext uri="{FF2B5EF4-FFF2-40B4-BE49-F238E27FC236}">
-                <a16:creationId xmlns:a16="http://schemas.microsoft.com/office/drawing/2014/main" id="{C123864B-61AF-4DCC-98BA-705C0B89B97C}"/>
+          <p:cNvPr id="14" name="Straight Arrow Connector 13">
+            <a:extLst>
+              <a:ext uri="{FF2B5EF4-FFF2-40B4-BE49-F238E27FC236}">
+                <a16:creationId xmlns:a16="http://schemas.microsoft.com/office/drawing/2014/main" id="{8589F49F-2BA6-400C-A7DD-FA478C68E6EB}"/>
               </a:ext>
             </a:extLst>
           </p:cNvPr>
@@ -4893,8 +4470,8 @@
         </p:nvCxnSpPr>
         <p:spPr>
           <a:xfrm flipV="1">
-            <a:off x="4110824" y="723569"/>
-            <a:ext cx="590094" cy="254441"/>
+            <a:off x="4031311" y="381663"/>
+            <a:ext cx="583641" cy="564542"/>
           </a:xfrm>
           <a:prstGeom prst="straightConnector1">
             <a:avLst/>
@@ -4920,10 +4497,10 @@
       </p:cxnSp>
       <p:pic>
         <p:nvPicPr>
-          <p:cNvPr id="19" name="Picture 18">
-            <a:extLst>
-              <a:ext uri="{FF2B5EF4-FFF2-40B4-BE49-F238E27FC236}">
-                <a16:creationId xmlns:a16="http://schemas.microsoft.com/office/drawing/2014/main" id="{978F0826-873E-402D-BFB7-D866ED5C03B5}"/>
+          <p:cNvPr id="16" name="Picture 15">
+            <a:extLst>
+              <a:ext uri="{FF2B5EF4-FFF2-40B4-BE49-F238E27FC236}">
+                <a16:creationId xmlns:a16="http://schemas.microsoft.com/office/drawing/2014/main" id="{942A6A1D-08AA-44F9-930C-DB238C93F569}"/>
               </a:ext>
             </a:extLst>
           </p:cNvPr>
@@ -4940,8 +4517,8 @@
         </p:blipFill>
         <p:spPr>
           <a:xfrm>
-            <a:off x="4627527" y="3556439"/>
-            <a:ext cx="4419691" cy="897858"/>
+            <a:off x="4648935" y="5332483"/>
+            <a:ext cx="3882542" cy="780378"/>
           </a:xfrm>
           <a:prstGeom prst="rect">
             <a:avLst/>
@@ -4950,10 +4527,10 @@
       </p:pic>
       <p:pic>
         <p:nvPicPr>
-          <p:cNvPr id="21" name="Picture 20">
-            <a:extLst>
-              <a:ext uri="{FF2B5EF4-FFF2-40B4-BE49-F238E27FC236}">
-                <a16:creationId xmlns:a16="http://schemas.microsoft.com/office/drawing/2014/main" id="{BE701D77-761D-4EB8-B646-FAD53AFB4FFE}"/>
+          <p:cNvPr id="18" name="Picture 17">
+            <a:extLst>
+              <a:ext uri="{FF2B5EF4-FFF2-40B4-BE49-F238E27FC236}">
+                <a16:creationId xmlns:a16="http://schemas.microsoft.com/office/drawing/2014/main" id="{4ED0EC48-0050-48B8-9274-B42C6C981DFF}"/>
               </a:ext>
             </a:extLst>
           </p:cNvPr>
@@ -4970,8 +4547,8 @@
         </p:blipFill>
         <p:spPr>
           <a:xfrm>
-            <a:off x="4627527" y="4545820"/>
-            <a:ext cx="2711527" cy="1037159"/>
+            <a:off x="4636154" y="3901309"/>
+            <a:ext cx="4037855" cy="1207978"/>
           </a:xfrm>
           <a:prstGeom prst="rect">
             <a:avLst/>
@@ -4980,20 +4557,23 @@
       </p:pic>
       <p:cxnSp>
         <p:nvCxnSpPr>
-          <p:cNvPr id="23" name="Straight Arrow Connector 22">
-            <a:extLst>
-              <a:ext uri="{FF2B5EF4-FFF2-40B4-BE49-F238E27FC236}">
-                <a16:creationId xmlns:a16="http://schemas.microsoft.com/office/drawing/2014/main" id="{CA751567-0A0B-47CE-8EA1-C51043C443B0}"/>
-              </a:ext>
-            </a:extLst>
-          </p:cNvPr>
-          <p:cNvCxnSpPr/>
+          <p:cNvPr id="20" name="Straight Arrow Connector 19">
+            <a:extLst>
+              <a:ext uri="{FF2B5EF4-FFF2-40B4-BE49-F238E27FC236}">
+                <a16:creationId xmlns:a16="http://schemas.microsoft.com/office/drawing/2014/main" id="{F90259FD-9D68-4BAB-9C80-2E7AC4947DFF}"/>
+              </a:ext>
+            </a:extLst>
+          </p:cNvPr>
+          <p:cNvCxnSpPr>
+            <a:cxnSpLocks/>
+            <a:endCxn id="18" idx="1"/>
+          </p:cNvCxnSpPr>
           <p:nvPr/>
         </p:nvCxnSpPr>
         <p:spPr>
           <a:xfrm flipV="1">
-            <a:off x="2782957" y="3888188"/>
-            <a:ext cx="1917961" cy="1025718"/>
+            <a:off x="1979875" y="4505298"/>
+            <a:ext cx="2656279" cy="1076518"/>
           </a:xfrm>
           <a:prstGeom prst="straightConnector1">
             <a:avLst/>
@@ -5019,10 +4599,10 @@
       </p:cxnSp>
       <p:cxnSp>
         <p:nvCxnSpPr>
-          <p:cNvPr id="25" name="Straight Arrow Connector 24">
-            <a:extLst>
-              <a:ext uri="{FF2B5EF4-FFF2-40B4-BE49-F238E27FC236}">
-                <a16:creationId xmlns:a16="http://schemas.microsoft.com/office/drawing/2014/main" id="{37F12E39-51CD-4817-9A96-16456C8F580C}"/>
+          <p:cNvPr id="22" name="Straight Arrow Connector 21">
+            <a:extLst>
+              <a:ext uri="{FF2B5EF4-FFF2-40B4-BE49-F238E27FC236}">
+                <a16:creationId xmlns:a16="http://schemas.microsoft.com/office/drawing/2014/main" id="{6CA58E2B-292B-4B9B-AA20-9F36C3BAEC65}"/>
               </a:ext>
             </a:extLst>
           </p:cNvPr>
@@ -5032,9 +4612,9 @@
           <p:nvPr/>
         </p:nvCxnSpPr>
         <p:spPr>
-          <a:xfrm>
-            <a:off x="2138901" y="5064399"/>
-            <a:ext cx="2488626" cy="236298"/>
+          <a:xfrm flipV="1">
+            <a:off x="2910177" y="5581816"/>
+            <a:ext cx="1738758" cy="140856"/>
           </a:xfrm>
           <a:prstGeom prst="straightConnector1">
             <a:avLst/>
@@ -5060,10 +4640,10 @@
       </p:cxnSp>
       <p:sp>
         <p:nvSpPr>
-          <p:cNvPr id="27" name="TextBox 26">
-            <a:extLst>
-              <a:ext uri="{FF2B5EF4-FFF2-40B4-BE49-F238E27FC236}">
-                <a16:creationId xmlns:a16="http://schemas.microsoft.com/office/drawing/2014/main" id="{3BB079C9-E4FD-49AB-9A6D-8707960C7DAC}"/>
+          <p:cNvPr id="26" name="TextBox 25">
+            <a:extLst>
+              <a:ext uri="{FF2B5EF4-FFF2-40B4-BE49-F238E27FC236}">
+                <a16:creationId xmlns:a16="http://schemas.microsoft.com/office/drawing/2014/main" id="{C6C70914-4BA9-4975-AA36-8F2D0D0C692A}"/>
               </a:ext>
             </a:extLst>
           </p:cNvPr>
@@ -5072,8 +4652,8 @@
         </p:nvSpPr>
         <p:spPr>
           <a:xfrm>
-            <a:off x="7728598" y="972211"/>
-            <a:ext cx="3972712" cy="646331"/>
+            <a:off x="7446728" y="85961"/>
+            <a:ext cx="6096000" cy="338554"/>
           </a:xfrm>
           <a:prstGeom prst="rect">
             <a:avLst/>
@@ -5081,13 +4661,13 @@
           <a:noFill/>
         </p:spPr>
         <p:txBody>
-          <a:bodyPr wrap="square" rtlCol="0">
+          <a:bodyPr wrap="square">
             <a:spAutoFit/>
           </a:bodyPr>
           <a:lstStyle/>
           <a:p>
             <a:r>
-              <a:rPr lang="en-US" sz="1800" dirty="0">
+              <a:rPr lang="en-US" sz="1600" dirty="0">
                 <a:solidFill>
                   <a:schemeClr val="bg1"/>
                 </a:solidFill>
@@ -5095,20 +4675,17 @@
                   <a:srgbClr val="000000"/>
                 </a:highlight>
               </a:rPr>
-              <a:t>Purpose           Manage Payments/Bills</a:t>
-            </a:r>
-          </a:p>
-          <a:p>
-            <a:endParaRPr lang="en-US" dirty="0"/>
+              <a:t>Purpose           Schedule and Manage Appointments</a:t>
+            </a:r>
           </a:p>
         </p:txBody>
       </p:sp>
       <p:cxnSp>
         <p:nvCxnSpPr>
-          <p:cNvPr id="29" name="Straight Arrow Connector 28">
-            <a:extLst>
-              <a:ext uri="{FF2B5EF4-FFF2-40B4-BE49-F238E27FC236}">
-                <a16:creationId xmlns:a16="http://schemas.microsoft.com/office/drawing/2014/main" id="{0676F79A-9EB7-4B18-8C66-4DCF87D5D571}"/>
+          <p:cNvPr id="28" name="Straight Arrow Connector 27">
+            <a:extLst>
+              <a:ext uri="{FF2B5EF4-FFF2-40B4-BE49-F238E27FC236}">
+                <a16:creationId xmlns:a16="http://schemas.microsoft.com/office/drawing/2014/main" id="{42057BF5-5BE1-40DB-972E-E4962712AFC4}"/>
               </a:ext>
             </a:extLst>
           </p:cNvPr>
@@ -5117,8 +4694,8 @@
         </p:nvCxnSpPr>
         <p:spPr>
           <a:xfrm>
-            <a:off x="8686800" y="1158240"/>
-            <a:ext cx="531790" cy="0"/>
+            <a:off x="8310880" y="254000"/>
+            <a:ext cx="467360" cy="0"/>
           </a:xfrm>
           <a:prstGeom prst="straightConnector1">
             <a:avLst/>
@@ -5145,7 +4722,7 @@
     </p:spTree>
     <p:extLst>
       <p:ext uri="{BB962C8B-B14F-4D97-AF65-F5344CB8AC3E}">
-        <p14:creationId xmlns:p14="http://schemas.microsoft.com/office/powerpoint/2010/main" val="3415071089"/>
+        <p14:creationId xmlns:p14="http://schemas.microsoft.com/office/powerpoint/2010/main" val="2620271192"/>
       </p:ext>
     </p:extLst>
   </p:cSld>
@@ -5177,7 +4754,7 @@
           <p:cNvPr id="2" name="Picture 1">
             <a:extLst>
               <a:ext uri="{FF2B5EF4-FFF2-40B4-BE49-F238E27FC236}">
-                <a16:creationId xmlns:a16="http://schemas.microsoft.com/office/drawing/2014/main" id="{D5116F4C-17D2-458C-937B-D9F9692A9DB3}"/>
+                <a16:creationId xmlns:a16="http://schemas.microsoft.com/office/drawing/2014/main" id="{489C71BA-AAB6-4511-8D38-7245AC3293D8}"/>
               </a:ext>
             </a:extLst>
           </p:cNvPr>
@@ -5188,13 +4765,13 @@
         </p:nvPicPr>
         <p:blipFill rotWithShape="1">
           <a:blip r:embed="rId2"/>
-          <a:srcRect l="18893" t="-1" r="23228" b="45282"/>
+          <a:srcRect l="18379" r="23578" b="44254"/>
           <a:stretch/>
         </p:blipFill>
         <p:spPr>
           <a:xfrm>
-            <a:off x="-1" y="-1"/>
-            <a:ext cx="4775689" cy="6384897"/>
+            <a:off x="-1" y="0"/>
+            <a:ext cx="4700919" cy="6384897"/>
           </a:xfrm>
           <a:prstGeom prst="rect">
             <a:avLst/>
@@ -5206,7 +4783,7 @@
           <p:cNvPr id="4" name="Picture 3">
             <a:extLst>
               <a:ext uri="{FF2B5EF4-FFF2-40B4-BE49-F238E27FC236}">
-                <a16:creationId xmlns:a16="http://schemas.microsoft.com/office/drawing/2014/main" id="{C565578D-D3E7-42F0-876C-F1E3B63E984A}"/>
+                <a16:creationId xmlns:a16="http://schemas.microsoft.com/office/drawing/2014/main" id="{8CB23024-B1EF-4335-9B8B-70C9C3A2FFC4}"/>
               </a:ext>
             </a:extLst>
           </p:cNvPr>
@@ -5223,8 +4800,8 @@
         </p:blipFill>
         <p:spPr>
           <a:xfrm>
-            <a:off x="4775688" y="826936"/>
-            <a:ext cx="6763694" cy="857370"/>
+            <a:off x="4937760" y="1275021"/>
+            <a:ext cx="4280830" cy="768354"/>
           </a:xfrm>
           <a:prstGeom prst="rect">
             <a:avLst/>
@@ -5236,17 +4813,19 @@
           <p:cNvPr id="6" name="Straight Arrow Connector 5">
             <a:extLst>
               <a:ext uri="{FF2B5EF4-FFF2-40B4-BE49-F238E27FC236}">
-                <a16:creationId xmlns:a16="http://schemas.microsoft.com/office/drawing/2014/main" id="{6DB717C1-FBB5-4406-9FF2-28081A597425}"/>
-              </a:ext>
-            </a:extLst>
-          </p:cNvPr>
-          <p:cNvCxnSpPr/>
+                <a16:creationId xmlns:a16="http://schemas.microsoft.com/office/drawing/2014/main" id="{86F281B7-78B9-4BB3-B7AB-802F40886C96}"/>
+              </a:ext>
+            </a:extLst>
+          </p:cNvPr>
+          <p:cNvCxnSpPr>
+            <a:cxnSpLocks/>
+          </p:cNvCxnSpPr>
           <p:nvPr/>
         </p:nvCxnSpPr>
         <p:spPr>
           <a:xfrm flipV="1">
-            <a:off x="3225184" y="1359674"/>
-            <a:ext cx="1550504" cy="1113182"/>
+            <a:off x="2433099" y="1725433"/>
+            <a:ext cx="2393343" cy="151075"/>
           </a:xfrm>
           <a:prstGeom prst="straightConnector1">
             <a:avLst/>
@@ -5275,7 +4854,7 @@
           <p:cNvPr id="8" name="Picture 7">
             <a:extLst>
               <a:ext uri="{FF2B5EF4-FFF2-40B4-BE49-F238E27FC236}">
-                <a16:creationId xmlns:a16="http://schemas.microsoft.com/office/drawing/2014/main" id="{DFAA7427-4B51-485D-9CF4-B7F61C873E1F}"/>
+                <a16:creationId xmlns:a16="http://schemas.microsoft.com/office/drawing/2014/main" id="{43CEF65D-2440-42A0-AB62-7855BE9D57F1}"/>
               </a:ext>
             </a:extLst>
           </p:cNvPr>
@@ -5292,8 +4871,8 @@
         </p:blipFill>
         <p:spPr>
           <a:xfrm>
-            <a:off x="4680897" y="1715480"/>
-            <a:ext cx="3365257" cy="1954529"/>
+            <a:off x="4700918" y="2084500"/>
+            <a:ext cx="3898563" cy="1536266"/>
           </a:xfrm>
           <a:prstGeom prst="rect">
             <a:avLst/>
@@ -5305,7 +4884,7 @@
           <p:cNvPr id="10" name="Picture 9">
             <a:extLst>
               <a:ext uri="{FF2B5EF4-FFF2-40B4-BE49-F238E27FC236}">
-                <a16:creationId xmlns:a16="http://schemas.microsoft.com/office/drawing/2014/main" id="{0D6C0652-F045-44E7-BD4F-0FE8D19A9676}"/>
+                <a16:creationId xmlns:a16="http://schemas.microsoft.com/office/drawing/2014/main" id="{3A43DCAC-2BBE-4C74-AA45-939EE86CCBD9}"/>
               </a:ext>
             </a:extLst>
           </p:cNvPr>
@@ -5322,8 +4901,8 @@
         </p:blipFill>
         <p:spPr>
           <a:xfrm>
-            <a:off x="6541670" y="2211974"/>
-            <a:ext cx="4527505" cy="669915"/>
+            <a:off x="6753673" y="2086854"/>
+            <a:ext cx="4280830" cy="765779"/>
           </a:xfrm>
           <a:prstGeom prst="rect">
             <a:avLst/>
@@ -5332,10 +4911,10 @@
       </p:pic>
       <p:pic>
         <p:nvPicPr>
-          <p:cNvPr id="12" name="Picture 11">
-            <a:extLst>
-              <a:ext uri="{FF2B5EF4-FFF2-40B4-BE49-F238E27FC236}">
-                <a16:creationId xmlns:a16="http://schemas.microsoft.com/office/drawing/2014/main" id="{EB9CD785-D77D-417D-867F-1445E8E23005}"/>
+          <p:cNvPr id="15" name="Picture 14">
+            <a:extLst>
+              <a:ext uri="{FF2B5EF4-FFF2-40B4-BE49-F238E27FC236}">
+                <a16:creationId xmlns:a16="http://schemas.microsoft.com/office/drawing/2014/main" id="{1277E4A3-01B9-4713-9A17-D14D7F8F8C69}"/>
               </a:ext>
             </a:extLst>
           </p:cNvPr>
@@ -5352,20 +4931,59 @@
         </p:blipFill>
         <p:spPr>
           <a:xfrm>
-            <a:off x="4675042" y="4827364"/>
-            <a:ext cx="4096322" cy="1381318"/>
+            <a:off x="4627527" y="295900"/>
+            <a:ext cx="3972712" cy="570792"/>
           </a:xfrm>
           <a:prstGeom prst="rect">
             <a:avLst/>
           </a:prstGeom>
         </p:spPr>
       </p:pic>
+      <p:cxnSp>
+        <p:nvCxnSpPr>
+          <p:cNvPr id="17" name="Straight Arrow Connector 16">
+            <a:extLst>
+              <a:ext uri="{FF2B5EF4-FFF2-40B4-BE49-F238E27FC236}">
+                <a16:creationId xmlns:a16="http://schemas.microsoft.com/office/drawing/2014/main" id="{C123864B-61AF-4DCC-98BA-705C0B89B97C}"/>
+              </a:ext>
+            </a:extLst>
+          </p:cNvPr>
+          <p:cNvCxnSpPr/>
+          <p:nvPr/>
+        </p:nvCxnSpPr>
+        <p:spPr>
+          <a:xfrm flipV="1">
+            <a:off x="4110824" y="723569"/>
+            <a:ext cx="590094" cy="254441"/>
+          </a:xfrm>
+          <a:prstGeom prst="straightConnector1">
+            <a:avLst/>
+          </a:prstGeom>
+          <a:ln>
+            <a:tailEnd type="triangle"/>
+          </a:ln>
+        </p:spPr>
+        <p:style>
+          <a:lnRef idx="1">
+            <a:schemeClr val="accent1"/>
+          </a:lnRef>
+          <a:fillRef idx="0">
+            <a:schemeClr val="accent1"/>
+          </a:fillRef>
+          <a:effectRef idx="0">
+            <a:schemeClr val="accent1"/>
+          </a:effectRef>
+          <a:fontRef idx="minor">
+            <a:schemeClr val="tx1"/>
+          </a:fontRef>
+        </p:style>
+      </p:cxnSp>
       <p:pic>
         <p:nvPicPr>
-          <p:cNvPr id="14" name="Picture 13">
-            <a:extLst>
-              <a:ext uri="{FF2B5EF4-FFF2-40B4-BE49-F238E27FC236}">
-                <a16:creationId xmlns:a16="http://schemas.microsoft.com/office/drawing/2014/main" id="{2D06DAE6-96B9-44F3-B0B5-1C940BE7BA14}"/>
+          <p:cNvPr id="19" name="Picture 18">
+            <a:extLst>
+              <a:ext uri="{FF2B5EF4-FFF2-40B4-BE49-F238E27FC236}">
+                <a16:creationId xmlns:a16="http://schemas.microsoft.com/office/drawing/2014/main" id="{978F0826-873E-402D-BFB7-D866ED5C03B5}"/>
               </a:ext>
             </a:extLst>
           </p:cNvPr>
@@ -5382,8 +5000,8 @@
         </p:blipFill>
         <p:spPr>
           <a:xfrm>
-            <a:off x="4675042" y="3777965"/>
-            <a:ext cx="6462483" cy="1041270"/>
+            <a:off x="4627527" y="3556439"/>
+            <a:ext cx="4419691" cy="897858"/>
           </a:xfrm>
           <a:prstGeom prst="rect">
             <a:avLst/>
@@ -5392,10 +5010,10 @@
       </p:pic>
       <p:pic>
         <p:nvPicPr>
-          <p:cNvPr id="16" name="Picture 15">
-            <a:extLst>
-              <a:ext uri="{FF2B5EF4-FFF2-40B4-BE49-F238E27FC236}">
-                <a16:creationId xmlns:a16="http://schemas.microsoft.com/office/drawing/2014/main" id="{312676F5-C928-4EF7-A4EB-317E67C2C548}"/>
+          <p:cNvPr id="21" name="Picture 20">
+            <a:extLst>
+              <a:ext uri="{FF2B5EF4-FFF2-40B4-BE49-F238E27FC236}">
+                <a16:creationId xmlns:a16="http://schemas.microsoft.com/office/drawing/2014/main" id="{BE701D77-761D-4EB8-B646-FAD53AFB4FFE}"/>
               </a:ext>
             </a:extLst>
           </p:cNvPr>
@@ -5412,8 +5030,8 @@
         </p:blipFill>
         <p:spPr>
           <a:xfrm>
-            <a:off x="4675042" y="46227"/>
-            <a:ext cx="3888514" cy="621862"/>
+            <a:off x="4627527" y="4545820"/>
+            <a:ext cx="2711527" cy="1037159"/>
           </a:xfrm>
           <a:prstGeom prst="rect">
             <a:avLst/>
@@ -5422,22 +5040,20 @@
       </p:pic>
       <p:cxnSp>
         <p:nvCxnSpPr>
-          <p:cNvPr id="18" name="Straight Arrow Connector 17">
-            <a:extLst>
-              <a:ext uri="{FF2B5EF4-FFF2-40B4-BE49-F238E27FC236}">
-                <a16:creationId xmlns:a16="http://schemas.microsoft.com/office/drawing/2014/main" id="{376ACE2A-66B6-49C8-9F51-2DF29D79715D}"/>
-              </a:ext>
-            </a:extLst>
-          </p:cNvPr>
-          <p:cNvCxnSpPr>
-            <a:cxnSpLocks/>
-          </p:cNvCxnSpPr>
+          <p:cNvPr id="23" name="Straight Arrow Connector 22">
+            <a:extLst>
+              <a:ext uri="{FF2B5EF4-FFF2-40B4-BE49-F238E27FC236}">
+                <a16:creationId xmlns:a16="http://schemas.microsoft.com/office/drawing/2014/main" id="{CA751567-0A0B-47CE-8EA1-C51043C443B0}"/>
+              </a:ext>
+            </a:extLst>
+          </p:cNvPr>
+          <p:cNvCxnSpPr/>
           <p:nvPr/>
         </p:nvCxnSpPr>
         <p:spPr>
-          <a:xfrm>
-            <a:off x="2124323" y="5123520"/>
-            <a:ext cx="2718021" cy="0"/>
+          <a:xfrm flipV="1">
+            <a:off x="2782957" y="3888188"/>
+            <a:ext cx="1917961" cy="1025718"/>
           </a:xfrm>
           <a:prstGeom prst="straightConnector1">
             <a:avLst/>
@@ -5463,10 +5079,10 @@
       </p:cxnSp>
       <p:cxnSp>
         <p:nvCxnSpPr>
-          <p:cNvPr id="19" name="Straight Arrow Connector 18">
-            <a:extLst>
-              <a:ext uri="{FF2B5EF4-FFF2-40B4-BE49-F238E27FC236}">
-                <a16:creationId xmlns:a16="http://schemas.microsoft.com/office/drawing/2014/main" id="{E423E5AA-9682-4F39-9A59-047DCE4E7A5C}"/>
+          <p:cNvPr id="25" name="Straight Arrow Connector 24">
+            <a:extLst>
+              <a:ext uri="{FF2B5EF4-FFF2-40B4-BE49-F238E27FC236}">
+                <a16:creationId xmlns:a16="http://schemas.microsoft.com/office/drawing/2014/main" id="{37F12E39-51CD-4817-9A96-16456C8F580C}"/>
               </a:ext>
             </a:extLst>
           </p:cNvPr>
@@ -5476,50 +5092,9 @@
           <p:nvPr/>
         </p:nvCxnSpPr>
         <p:spPr>
-          <a:xfrm flipV="1">
-            <a:off x="2728622" y="4305631"/>
-            <a:ext cx="2113722" cy="694644"/>
-          </a:xfrm>
-          <a:prstGeom prst="straightConnector1">
-            <a:avLst/>
-          </a:prstGeom>
-          <a:ln>
-            <a:tailEnd type="triangle"/>
-          </a:ln>
-        </p:spPr>
-        <p:style>
-          <a:lnRef idx="1">
-            <a:schemeClr val="accent1"/>
-          </a:lnRef>
-          <a:fillRef idx="0">
-            <a:schemeClr val="accent1"/>
-          </a:fillRef>
-          <a:effectRef idx="0">
-            <a:schemeClr val="accent1"/>
-          </a:effectRef>
-          <a:fontRef idx="minor">
-            <a:schemeClr val="tx1"/>
-          </a:fontRef>
-        </p:style>
-      </p:cxnSp>
-      <p:cxnSp>
-        <p:nvCxnSpPr>
-          <p:cNvPr id="20" name="Straight Arrow Connector 19">
-            <a:extLst>
-              <a:ext uri="{FF2B5EF4-FFF2-40B4-BE49-F238E27FC236}">
-                <a16:creationId xmlns:a16="http://schemas.microsoft.com/office/drawing/2014/main" id="{AEC0544F-8593-4520-90A8-FC1A60E7FAC2}"/>
-              </a:ext>
-            </a:extLst>
-          </p:cNvPr>
-          <p:cNvCxnSpPr>
-            <a:cxnSpLocks/>
-          </p:cNvCxnSpPr>
-          <p:nvPr/>
-        </p:nvCxnSpPr>
-        <p:spPr>
-          <a:xfrm flipV="1">
-            <a:off x="3845782" y="401542"/>
-            <a:ext cx="1208598" cy="540510"/>
+          <a:xfrm>
+            <a:off x="2138901" y="5064399"/>
+            <a:ext cx="2488626" cy="236298"/>
           </a:xfrm>
           <a:prstGeom prst="straightConnector1">
             <a:avLst/>
@@ -5545,10 +5120,10 @@
       </p:cxnSp>
       <p:sp>
         <p:nvSpPr>
-          <p:cNvPr id="24" name="TextBox 23">
-            <a:extLst>
-              <a:ext uri="{FF2B5EF4-FFF2-40B4-BE49-F238E27FC236}">
-                <a16:creationId xmlns:a16="http://schemas.microsoft.com/office/drawing/2014/main" id="{CFCB1024-48CF-4CD4-AE91-F5AC2B48C1A1}"/>
+          <p:cNvPr id="27" name="TextBox 26">
+            <a:extLst>
+              <a:ext uri="{FF2B5EF4-FFF2-40B4-BE49-F238E27FC236}">
+                <a16:creationId xmlns:a16="http://schemas.microsoft.com/office/drawing/2014/main" id="{3BB079C9-E4FD-49AB-9A6D-8707960C7DAC}"/>
               </a:ext>
             </a:extLst>
           </p:cNvPr>
@@ -5557,8 +5132,8 @@
         </p:nvSpPr>
         <p:spPr>
           <a:xfrm>
-            <a:off x="8563556" y="24691"/>
-            <a:ext cx="3888514" cy="369332"/>
+            <a:off x="7728598" y="972211"/>
+            <a:ext cx="3972712" cy="646331"/>
           </a:xfrm>
           <a:prstGeom prst="rect">
             <a:avLst/>
@@ -5580,17 +5155,20 @@
                   <a:srgbClr val="000000"/>
                 </a:highlight>
               </a:rPr>
-              <a:t>Purpose           Manage Medical Test</a:t>
-            </a:r>
+              <a:t>Purpose           Manage Payments/Bills</a:t>
+            </a:r>
+          </a:p>
+          <a:p>
+            <a:endParaRPr lang="en-US" dirty="0"/>
           </a:p>
         </p:txBody>
       </p:sp>
       <p:cxnSp>
         <p:nvCxnSpPr>
-          <p:cNvPr id="26" name="Straight Arrow Connector 25">
-            <a:extLst>
-              <a:ext uri="{FF2B5EF4-FFF2-40B4-BE49-F238E27FC236}">
-                <a16:creationId xmlns:a16="http://schemas.microsoft.com/office/drawing/2014/main" id="{CD342D2E-0466-48E9-8EF1-F579811155E3}"/>
+          <p:cNvPr id="29" name="Straight Arrow Connector 28">
+            <a:extLst>
+              <a:ext uri="{FF2B5EF4-FFF2-40B4-BE49-F238E27FC236}">
+                <a16:creationId xmlns:a16="http://schemas.microsoft.com/office/drawing/2014/main" id="{0676F79A-9EB7-4B18-8C66-4DCF87D5D571}"/>
               </a:ext>
             </a:extLst>
           </p:cNvPr>
@@ -5599,8 +5177,8 @@
         </p:nvCxnSpPr>
         <p:spPr>
           <a:xfrm>
-            <a:off x="9499600" y="209357"/>
-            <a:ext cx="589280" cy="0"/>
+            <a:off x="8686800" y="1158240"/>
+            <a:ext cx="531790" cy="0"/>
           </a:xfrm>
           <a:prstGeom prst="straightConnector1">
             <a:avLst/>
@@ -5627,7 +5205,7 @@
     </p:spTree>
     <p:extLst>
       <p:ext uri="{BB962C8B-B14F-4D97-AF65-F5344CB8AC3E}">
-        <p14:creationId xmlns:p14="http://schemas.microsoft.com/office/powerpoint/2010/main" val="3860626882"/>
+        <p14:creationId xmlns:p14="http://schemas.microsoft.com/office/powerpoint/2010/main" val="3415071089"/>
       </p:ext>
     </p:extLst>
   </p:cSld>
@@ -5659,7 +5237,7 @@
           <p:cNvPr id="2" name="Picture 1">
             <a:extLst>
               <a:ext uri="{FF2B5EF4-FFF2-40B4-BE49-F238E27FC236}">
-                <a16:creationId xmlns:a16="http://schemas.microsoft.com/office/drawing/2014/main" id="{A4898CC2-D6A0-43AC-A6E3-682F3A298B1D}"/>
+                <a16:creationId xmlns:a16="http://schemas.microsoft.com/office/drawing/2014/main" id="{D5116F4C-17D2-458C-937B-D9F9692A9DB3}"/>
               </a:ext>
             </a:extLst>
           </p:cNvPr>
@@ -5670,13 +5248,13 @@
         </p:nvPicPr>
         <p:blipFill rotWithShape="1">
           <a:blip r:embed="rId2"/>
-          <a:srcRect l="19189" r="23916" b="45266"/>
+          <a:srcRect l="18893" t="-1" r="23228" b="45282"/>
           <a:stretch/>
         </p:blipFill>
         <p:spPr>
           <a:xfrm>
-            <a:off x="0" y="0"/>
-            <a:ext cx="4693173" cy="6384897"/>
+            <a:off x="-1" y="-1"/>
+            <a:ext cx="4775689" cy="6384897"/>
           </a:xfrm>
           <a:prstGeom prst="rect">
             <a:avLst/>
@@ -5688,7 +5266,7 @@
           <p:cNvPr id="4" name="Picture 3">
             <a:extLst>
               <a:ext uri="{FF2B5EF4-FFF2-40B4-BE49-F238E27FC236}">
-                <a16:creationId xmlns:a16="http://schemas.microsoft.com/office/drawing/2014/main" id="{23ED0E1D-E2D9-4CF3-AF78-74EDB7CF9FE0}"/>
+                <a16:creationId xmlns:a16="http://schemas.microsoft.com/office/drawing/2014/main" id="{C565578D-D3E7-42F0-876C-F1E3B63E984A}"/>
               </a:ext>
             </a:extLst>
           </p:cNvPr>
@@ -5705,8 +5283,8 @@
         </p:blipFill>
         <p:spPr>
           <a:xfrm>
-            <a:off x="4634273" y="1209283"/>
-            <a:ext cx="4953691" cy="857370"/>
+            <a:off x="4775688" y="826936"/>
+            <a:ext cx="6763694" cy="857370"/>
           </a:xfrm>
           <a:prstGeom prst="rect">
             <a:avLst/>
@@ -5718,7 +5296,7 @@
           <p:cNvPr id="6" name="Straight Arrow Connector 5">
             <a:extLst>
               <a:ext uri="{FF2B5EF4-FFF2-40B4-BE49-F238E27FC236}">
-                <a16:creationId xmlns:a16="http://schemas.microsoft.com/office/drawing/2014/main" id="{7C36B617-E936-4754-A6C5-EA5C28C8BAD9}"/>
+                <a16:creationId xmlns:a16="http://schemas.microsoft.com/office/drawing/2014/main" id="{6DB717C1-FBB5-4406-9FF2-28081A597425}"/>
               </a:ext>
             </a:extLst>
           </p:cNvPr>
@@ -5727,8 +5305,8 @@
         </p:nvCxnSpPr>
         <p:spPr>
           <a:xfrm flipV="1">
-            <a:off x="2940283" y="1474507"/>
-            <a:ext cx="1836751" cy="1129085"/>
+            <a:off x="3225184" y="1359674"/>
+            <a:ext cx="1550504" cy="1113182"/>
           </a:xfrm>
           <a:prstGeom prst="straightConnector1">
             <a:avLst/>
@@ -5757,7 +5335,7 @@
           <p:cNvPr id="8" name="Picture 7">
             <a:extLst>
               <a:ext uri="{FF2B5EF4-FFF2-40B4-BE49-F238E27FC236}">
-                <a16:creationId xmlns:a16="http://schemas.microsoft.com/office/drawing/2014/main" id="{61410FCB-3A6A-4606-8D05-30419EFF7889}"/>
+                <a16:creationId xmlns:a16="http://schemas.microsoft.com/office/drawing/2014/main" id="{DFAA7427-4B51-485D-9CF4-B7F61C873E1F}"/>
               </a:ext>
             </a:extLst>
           </p:cNvPr>
@@ -5774,8 +5352,8 @@
         </p:blipFill>
         <p:spPr>
           <a:xfrm>
-            <a:off x="4610802" y="2039050"/>
-            <a:ext cx="2970396" cy="1153398"/>
+            <a:off x="4680897" y="1715480"/>
+            <a:ext cx="3365257" cy="1954529"/>
           </a:xfrm>
           <a:prstGeom prst="rect">
             <a:avLst/>
@@ -5787,7 +5365,7 @@
           <p:cNvPr id="10" name="Picture 9">
             <a:extLst>
               <a:ext uri="{FF2B5EF4-FFF2-40B4-BE49-F238E27FC236}">
-                <a16:creationId xmlns:a16="http://schemas.microsoft.com/office/drawing/2014/main" id="{9CB3D2AB-9E0B-4038-A276-12C3F29EF06B}"/>
+                <a16:creationId xmlns:a16="http://schemas.microsoft.com/office/drawing/2014/main" id="{0D6C0652-F045-44E7-BD4F-0FE8D19A9676}"/>
               </a:ext>
             </a:extLst>
           </p:cNvPr>
@@ -5804,8 +5382,8 @@
         </p:blipFill>
         <p:spPr>
           <a:xfrm>
-            <a:off x="4610802" y="3192448"/>
-            <a:ext cx="5232745" cy="841818"/>
+            <a:off x="6541670" y="2211974"/>
+            <a:ext cx="4527505" cy="669915"/>
           </a:xfrm>
           <a:prstGeom prst="rect">
             <a:avLst/>
@@ -5817,7 +5395,7 @@
           <p:cNvPr id="12" name="Picture 11">
             <a:extLst>
               <a:ext uri="{FF2B5EF4-FFF2-40B4-BE49-F238E27FC236}">
-                <a16:creationId xmlns:a16="http://schemas.microsoft.com/office/drawing/2014/main" id="{21762125-3796-4BC8-9C2B-7EE3CC3CC084}"/>
+                <a16:creationId xmlns:a16="http://schemas.microsoft.com/office/drawing/2014/main" id="{EB9CD785-D77D-417D-867F-1445E8E23005}"/>
               </a:ext>
             </a:extLst>
           </p:cNvPr>
@@ -5834,8 +5412,8 @@
         </p:blipFill>
         <p:spPr>
           <a:xfrm>
-            <a:off x="4610802" y="4979011"/>
-            <a:ext cx="4148454" cy="1133543"/>
+            <a:off x="4675042" y="4827364"/>
+            <a:ext cx="4096322" cy="1381318"/>
           </a:xfrm>
           <a:prstGeom prst="rect">
             <a:avLst/>
@@ -5847,7 +5425,7 @@
           <p:cNvPr id="14" name="Picture 13">
             <a:extLst>
               <a:ext uri="{FF2B5EF4-FFF2-40B4-BE49-F238E27FC236}">
-                <a16:creationId xmlns:a16="http://schemas.microsoft.com/office/drawing/2014/main" id="{7122E369-5A70-4A3C-BCFF-9FF097B1097E}"/>
+                <a16:creationId xmlns:a16="http://schemas.microsoft.com/office/drawing/2014/main" id="{2D06DAE6-96B9-44F3-B0B5-1C940BE7BA14}"/>
               </a:ext>
             </a:extLst>
           </p:cNvPr>
@@ -5864,8 +5442,8 @@
         </p:blipFill>
         <p:spPr>
           <a:xfrm>
-            <a:off x="4610802" y="4135954"/>
-            <a:ext cx="4756095" cy="830966"/>
+            <a:off x="4675042" y="3777965"/>
+            <a:ext cx="6462483" cy="1041270"/>
           </a:xfrm>
           <a:prstGeom prst="rect">
             <a:avLst/>
@@ -5877,7 +5455,7 @@
           <p:cNvPr id="16" name="Picture 15">
             <a:extLst>
               <a:ext uri="{FF2B5EF4-FFF2-40B4-BE49-F238E27FC236}">
-                <a16:creationId xmlns:a16="http://schemas.microsoft.com/office/drawing/2014/main" id="{98AC26FC-DA3E-4CA0-A648-13514EA8D5DC}"/>
+                <a16:creationId xmlns:a16="http://schemas.microsoft.com/office/drawing/2014/main" id="{312676F5-C928-4EF7-A4EB-317E67C2C548}"/>
               </a:ext>
             </a:extLst>
           </p:cNvPr>
@@ -5894,8 +5472,8 @@
         </p:blipFill>
         <p:spPr>
           <a:xfrm>
-            <a:off x="4693173" y="183303"/>
-            <a:ext cx="3794110" cy="456383"/>
+            <a:off x="4675042" y="46227"/>
+            <a:ext cx="3888514" cy="621862"/>
           </a:xfrm>
           <a:prstGeom prst="rect">
             <a:avLst/>
@@ -5904,10 +5482,10 @@
       </p:pic>
       <p:cxnSp>
         <p:nvCxnSpPr>
-          <p:cNvPr id="17" name="Straight Arrow Connector 16">
-            <a:extLst>
-              <a:ext uri="{FF2B5EF4-FFF2-40B4-BE49-F238E27FC236}">
-                <a16:creationId xmlns:a16="http://schemas.microsoft.com/office/drawing/2014/main" id="{631F42E5-2298-4762-9E98-525737D82C22}"/>
+          <p:cNvPr id="18" name="Straight Arrow Connector 17">
+            <a:extLst>
+              <a:ext uri="{FF2B5EF4-FFF2-40B4-BE49-F238E27FC236}">
+                <a16:creationId xmlns:a16="http://schemas.microsoft.com/office/drawing/2014/main" id="{376ACE2A-66B6-49C8-9F51-2DF29D79715D}"/>
               </a:ext>
             </a:extLst>
           </p:cNvPr>
@@ -5917,50 +5495,9 @@
           <p:nvPr/>
         </p:nvCxnSpPr>
         <p:spPr>
-          <a:xfrm flipV="1">
-            <a:off x="3786146" y="505543"/>
-            <a:ext cx="1208598" cy="445619"/>
-          </a:xfrm>
-          <a:prstGeom prst="straightConnector1">
-            <a:avLst/>
-          </a:prstGeom>
-          <a:ln>
-            <a:tailEnd type="triangle"/>
-          </a:ln>
-        </p:spPr>
-        <p:style>
-          <a:lnRef idx="1">
-            <a:schemeClr val="accent1"/>
-          </a:lnRef>
-          <a:fillRef idx="0">
-            <a:schemeClr val="accent1"/>
-          </a:fillRef>
-          <a:effectRef idx="0">
-            <a:schemeClr val="accent1"/>
-          </a:effectRef>
-          <a:fontRef idx="minor">
-            <a:schemeClr val="tx1"/>
-          </a:fontRef>
-        </p:style>
-      </p:cxnSp>
-      <p:cxnSp>
-        <p:nvCxnSpPr>
-          <p:cNvPr id="18" name="Straight Arrow Connector 17">
-            <a:extLst>
-              <a:ext uri="{FF2B5EF4-FFF2-40B4-BE49-F238E27FC236}">
-                <a16:creationId xmlns:a16="http://schemas.microsoft.com/office/drawing/2014/main" id="{CD42BFCB-514C-45B4-9B6D-EACD03712232}"/>
-              </a:ext>
-            </a:extLst>
-          </p:cNvPr>
-          <p:cNvCxnSpPr>
-            <a:cxnSpLocks/>
-          </p:cNvCxnSpPr>
-          <p:nvPr/>
-        </p:nvCxnSpPr>
-        <p:spPr>
-          <a:xfrm flipV="1">
-            <a:off x="2729948" y="4370999"/>
-            <a:ext cx="1963225" cy="634397"/>
+          <a:xfrm>
+            <a:off x="2124323" y="5123520"/>
+            <a:ext cx="2718021" cy="0"/>
           </a:xfrm>
           <a:prstGeom prst="straightConnector1">
             <a:avLst/>
@@ -5989,7 +5526,7 @@
           <p:cNvPr id="19" name="Straight Arrow Connector 18">
             <a:extLst>
               <a:ext uri="{FF2B5EF4-FFF2-40B4-BE49-F238E27FC236}">
-                <a16:creationId xmlns:a16="http://schemas.microsoft.com/office/drawing/2014/main" id="{9420558D-E517-4914-97B6-6EF2A4D5685F}"/>
+                <a16:creationId xmlns:a16="http://schemas.microsoft.com/office/drawing/2014/main" id="{E423E5AA-9682-4F39-9A59-047DCE4E7A5C}"/>
               </a:ext>
             </a:extLst>
           </p:cNvPr>
@@ -5999,9 +5536,50 @@
           <p:nvPr/>
         </p:nvCxnSpPr>
         <p:spPr>
-          <a:xfrm>
-            <a:off x="2125649" y="5128641"/>
-            <a:ext cx="2708744" cy="417141"/>
+          <a:xfrm flipV="1">
+            <a:off x="2728622" y="4305631"/>
+            <a:ext cx="2113722" cy="694644"/>
+          </a:xfrm>
+          <a:prstGeom prst="straightConnector1">
+            <a:avLst/>
+          </a:prstGeom>
+          <a:ln>
+            <a:tailEnd type="triangle"/>
+          </a:ln>
+        </p:spPr>
+        <p:style>
+          <a:lnRef idx="1">
+            <a:schemeClr val="accent1"/>
+          </a:lnRef>
+          <a:fillRef idx="0">
+            <a:schemeClr val="accent1"/>
+          </a:fillRef>
+          <a:effectRef idx="0">
+            <a:schemeClr val="accent1"/>
+          </a:effectRef>
+          <a:fontRef idx="minor">
+            <a:schemeClr val="tx1"/>
+          </a:fontRef>
+        </p:style>
+      </p:cxnSp>
+      <p:cxnSp>
+        <p:nvCxnSpPr>
+          <p:cNvPr id="20" name="Straight Arrow Connector 19">
+            <a:extLst>
+              <a:ext uri="{FF2B5EF4-FFF2-40B4-BE49-F238E27FC236}">
+                <a16:creationId xmlns:a16="http://schemas.microsoft.com/office/drawing/2014/main" id="{AEC0544F-8593-4520-90A8-FC1A60E7FAC2}"/>
+              </a:ext>
+            </a:extLst>
+          </p:cNvPr>
+          <p:cNvCxnSpPr>
+            <a:cxnSpLocks/>
+          </p:cNvCxnSpPr>
+          <p:nvPr/>
+        </p:nvCxnSpPr>
+        <p:spPr>
+          <a:xfrm flipV="1">
+            <a:off x="3845782" y="401542"/>
+            <a:ext cx="1208598" cy="540510"/>
           </a:xfrm>
           <a:prstGeom prst="straightConnector1">
             <a:avLst/>
@@ -6027,10 +5605,10 @@
       </p:cxnSp>
       <p:sp>
         <p:nvSpPr>
-          <p:cNvPr id="23" name="TextBox 22">
-            <a:extLst>
-              <a:ext uri="{FF2B5EF4-FFF2-40B4-BE49-F238E27FC236}">
-                <a16:creationId xmlns:a16="http://schemas.microsoft.com/office/drawing/2014/main" id="{B14193A3-407D-43BE-8986-A948BD2B4B34}"/>
+          <p:cNvPr id="24" name="TextBox 23">
+            <a:extLst>
+              <a:ext uri="{FF2B5EF4-FFF2-40B4-BE49-F238E27FC236}">
+                <a16:creationId xmlns:a16="http://schemas.microsoft.com/office/drawing/2014/main" id="{CFCB1024-48CF-4CD4-AE91-F5AC2B48C1A1}"/>
               </a:ext>
             </a:extLst>
           </p:cNvPr>
@@ -6039,8 +5617,8 @@
         </p:nvSpPr>
         <p:spPr>
           <a:xfrm>
-            <a:off x="6644640" y="710891"/>
-            <a:ext cx="5547360" cy="369332"/>
+            <a:off x="8563556" y="24691"/>
+            <a:ext cx="3888514" cy="369332"/>
           </a:xfrm>
           <a:prstGeom prst="rect">
             <a:avLst/>
@@ -6062,17 +5640,17 @@
                   <a:srgbClr val="000000"/>
                 </a:highlight>
               </a:rPr>
-              <a:t>Purpose           Track Medication in Each Branch</a:t>
+              <a:t>Purpose           Manage Medical Test</a:t>
             </a:r>
           </a:p>
         </p:txBody>
       </p:sp>
       <p:cxnSp>
         <p:nvCxnSpPr>
-          <p:cNvPr id="25" name="Straight Arrow Connector 24">
-            <a:extLst>
-              <a:ext uri="{FF2B5EF4-FFF2-40B4-BE49-F238E27FC236}">
-                <a16:creationId xmlns:a16="http://schemas.microsoft.com/office/drawing/2014/main" id="{A03346EA-A8D0-420A-B925-723CB511637C}"/>
+          <p:cNvPr id="26" name="Straight Arrow Connector 25">
+            <a:extLst>
+              <a:ext uri="{FF2B5EF4-FFF2-40B4-BE49-F238E27FC236}">
+                <a16:creationId xmlns:a16="http://schemas.microsoft.com/office/drawing/2014/main" id="{CD342D2E-0466-48E9-8EF1-F579811155E3}"/>
               </a:ext>
             </a:extLst>
           </p:cNvPr>
@@ -6081,8 +5659,8 @@
         </p:nvCxnSpPr>
         <p:spPr>
           <a:xfrm>
-            <a:off x="7581198" y="895557"/>
-            <a:ext cx="556962" cy="0"/>
+            <a:off x="9499600" y="209357"/>
+            <a:ext cx="589280" cy="0"/>
           </a:xfrm>
           <a:prstGeom prst="straightConnector1">
             <a:avLst/>
@@ -6109,7 +5687,7 @@
     </p:spTree>
     <p:extLst>
       <p:ext uri="{BB962C8B-B14F-4D97-AF65-F5344CB8AC3E}">
-        <p14:creationId xmlns:p14="http://schemas.microsoft.com/office/powerpoint/2010/main" val="2163677134"/>
+        <p14:creationId xmlns:p14="http://schemas.microsoft.com/office/powerpoint/2010/main" val="3860626882"/>
       </p:ext>
     </p:extLst>
   </p:cSld>
@@ -6141,7 +5719,7 @@
           <p:cNvPr id="2" name="Picture 1">
             <a:extLst>
               <a:ext uri="{FF2B5EF4-FFF2-40B4-BE49-F238E27FC236}">
-                <a16:creationId xmlns:a16="http://schemas.microsoft.com/office/drawing/2014/main" id="{55D08BA4-BFEE-4284-8608-4EC2E6022BDE}"/>
+                <a16:creationId xmlns:a16="http://schemas.microsoft.com/office/drawing/2014/main" id="{A4898CC2-D6A0-43AC-A6E3-682F3A298B1D}"/>
               </a:ext>
             </a:extLst>
           </p:cNvPr>
@@ -6152,13 +5730,13 @@
         </p:nvPicPr>
         <p:blipFill rotWithShape="1">
           <a:blip r:embed="rId2"/>
-          <a:srcRect l="19018" r="22776" b="44486"/>
+          <a:srcRect l="19189" r="23916" b="45266"/>
           <a:stretch/>
         </p:blipFill>
         <p:spPr>
           <a:xfrm>
-            <a:off x="0" y="-1"/>
-            <a:ext cx="4739785" cy="6392849"/>
+            <a:off x="0" y="0"/>
+            <a:ext cx="4693173" cy="6384897"/>
           </a:xfrm>
           <a:prstGeom prst="rect">
             <a:avLst/>
@@ -6170,7 +5748,7 @@
           <p:cNvPr id="4" name="Picture 3">
             <a:extLst>
               <a:ext uri="{FF2B5EF4-FFF2-40B4-BE49-F238E27FC236}">
-                <a16:creationId xmlns:a16="http://schemas.microsoft.com/office/drawing/2014/main" id="{D4E4EE6A-0021-4DF7-8985-2CED26A5313D}"/>
+                <a16:creationId xmlns:a16="http://schemas.microsoft.com/office/drawing/2014/main" id="{23ED0E1D-E2D9-4CF3-AF78-74EDB7CF9FE0}"/>
               </a:ext>
             </a:extLst>
           </p:cNvPr>
@@ -6187,8 +5765,8 @@
         </p:blipFill>
         <p:spPr>
           <a:xfrm>
-            <a:off x="4683386" y="1088324"/>
-            <a:ext cx="5510186" cy="666239"/>
+            <a:off x="4634273" y="1209283"/>
+            <a:ext cx="4953691" cy="857370"/>
           </a:xfrm>
           <a:prstGeom prst="rect">
             <a:avLst/>
@@ -6200,19 +5778,17 @@
           <p:cNvPr id="6" name="Straight Arrow Connector 5">
             <a:extLst>
               <a:ext uri="{FF2B5EF4-FFF2-40B4-BE49-F238E27FC236}">
-                <a16:creationId xmlns:a16="http://schemas.microsoft.com/office/drawing/2014/main" id="{82B73155-8715-4DBA-8879-E006380AC0AE}"/>
-              </a:ext>
-            </a:extLst>
-          </p:cNvPr>
-          <p:cNvCxnSpPr>
-            <a:cxnSpLocks/>
-          </p:cNvCxnSpPr>
+                <a16:creationId xmlns:a16="http://schemas.microsoft.com/office/drawing/2014/main" id="{7C36B617-E936-4754-A6C5-EA5C28C8BAD9}"/>
+              </a:ext>
+            </a:extLst>
+          </p:cNvPr>
+          <p:cNvCxnSpPr/>
           <p:nvPr/>
         </p:nvCxnSpPr>
         <p:spPr>
           <a:xfrm flipV="1">
-            <a:off x="2369892" y="1348805"/>
-            <a:ext cx="2313494" cy="543588"/>
+            <a:off x="2940283" y="1474507"/>
+            <a:ext cx="1836751" cy="1129085"/>
           </a:xfrm>
           <a:prstGeom prst="straightConnector1">
             <a:avLst/>
@@ -6241,7 +5817,7 @@
           <p:cNvPr id="8" name="Picture 7">
             <a:extLst>
               <a:ext uri="{FF2B5EF4-FFF2-40B4-BE49-F238E27FC236}">
-                <a16:creationId xmlns:a16="http://schemas.microsoft.com/office/drawing/2014/main" id="{7997AB51-FEDE-4491-8F0D-E1218E5EE0AD}"/>
+                <a16:creationId xmlns:a16="http://schemas.microsoft.com/office/drawing/2014/main" id="{61410FCB-3A6A-4606-8D05-30419EFF7889}"/>
               </a:ext>
             </a:extLst>
           </p:cNvPr>
@@ -6258,8 +5834,8 @@
         </p:blipFill>
         <p:spPr>
           <a:xfrm>
-            <a:off x="4579951" y="1894701"/>
-            <a:ext cx="3564324" cy="1421904"/>
+            <a:off x="4610802" y="2039050"/>
+            <a:ext cx="2970396" cy="1153398"/>
           </a:xfrm>
           <a:prstGeom prst="rect">
             <a:avLst/>
@@ -6271,7 +5847,7 @@
           <p:cNvPr id="10" name="Picture 9">
             <a:extLst>
               <a:ext uri="{FF2B5EF4-FFF2-40B4-BE49-F238E27FC236}">
-                <a16:creationId xmlns:a16="http://schemas.microsoft.com/office/drawing/2014/main" id="{B862B088-302C-4533-830E-3205D7414FBD}"/>
+                <a16:creationId xmlns:a16="http://schemas.microsoft.com/office/drawing/2014/main" id="{9CB3D2AB-9E0B-4038-A276-12C3F29EF06B}"/>
               </a:ext>
             </a:extLst>
           </p:cNvPr>
@@ -6288,8 +5864,8 @@
         </p:blipFill>
         <p:spPr>
           <a:xfrm>
-            <a:off x="6480312" y="1918728"/>
-            <a:ext cx="4900083" cy="774692"/>
+            <a:off x="4610802" y="3192448"/>
+            <a:ext cx="5232745" cy="841818"/>
           </a:xfrm>
           <a:prstGeom prst="rect">
             <a:avLst/>
@@ -6301,7 +5877,7 @@
           <p:cNvPr id="12" name="Picture 11">
             <a:extLst>
               <a:ext uri="{FF2B5EF4-FFF2-40B4-BE49-F238E27FC236}">
-                <a16:creationId xmlns:a16="http://schemas.microsoft.com/office/drawing/2014/main" id="{10D2B3BF-6C86-499C-B60C-9EE7EF5ED483}"/>
+                <a16:creationId xmlns:a16="http://schemas.microsoft.com/office/drawing/2014/main" id="{21762125-3796-4BC8-9C2B-7EE3CC3CC084}"/>
               </a:ext>
             </a:extLst>
           </p:cNvPr>
@@ -6318,8 +5894,8 @@
         </p:blipFill>
         <p:spPr>
           <a:xfrm>
-            <a:off x="4579951" y="139843"/>
-            <a:ext cx="6652987" cy="751253"/>
+            <a:off x="4610802" y="4979011"/>
+            <a:ext cx="4148454" cy="1133543"/>
           </a:xfrm>
           <a:prstGeom prst="rect">
             <a:avLst/>
@@ -6328,10 +5904,10 @@
       </p:pic>
       <p:pic>
         <p:nvPicPr>
-          <p:cNvPr id="15" name="Picture 14">
-            <a:extLst>
-              <a:ext uri="{FF2B5EF4-FFF2-40B4-BE49-F238E27FC236}">
-                <a16:creationId xmlns:a16="http://schemas.microsoft.com/office/drawing/2014/main" id="{F6866091-EF12-4D23-9452-B0057DD857E5}"/>
+          <p:cNvPr id="14" name="Picture 13">
+            <a:extLst>
+              <a:ext uri="{FF2B5EF4-FFF2-40B4-BE49-F238E27FC236}">
+                <a16:creationId xmlns:a16="http://schemas.microsoft.com/office/drawing/2014/main" id="{7122E369-5A70-4A3C-BCFF-9FF097B1097E}"/>
               </a:ext>
             </a:extLst>
           </p:cNvPr>
@@ -6348,8 +5924,8 @@
         </p:blipFill>
         <p:spPr>
           <a:xfrm>
-            <a:off x="4579950" y="3651312"/>
-            <a:ext cx="5344055" cy="1136552"/>
+            <a:off x="4610802" y="4135954"/>
+            <a:ext cx="4756095" cy="830966"/>
           </a:xfrm>
           <a:prstGeom prst="rect">
             <a:avLst/>
@@ -6358,10 +5934,10 @@
       </p:pic>
       <p:pic>
         <p:nvPicPr>
-          <p:cNvPr id="17" name="Picture 16">
-            <a:extLst>
-              <a:ext uri="{FF2B5EF4-FFF2-40B4-BE49-F238E27FC236}">
-                <a16:creationId xmlns:a16="http://schemas.microsoft.com/office/drawing/2014/main" id="{02CEAA92-0724-4406-832A-8ADA2AA36DCF}"/>
+          <p:cNvPr id="16" name="Picture 15">
+            <a:extLst>
+              <a:ext uri="{FF2B5EF4-FFF2-40B4-BE49-F238E27FC236}">
+                <a16:creationId xmlns:a16="http://schemas.microsoft.com/office/drawing/2014/main" id="{98AC26FC-DA3E-4CA0-A648-13514EA8D5DC}"/>
               </a:ext>
             </a:extLst>
           </p:cNvPr>
@@ -6378,8 +5954,8 @@
         </p:blipFill>
         <p:spPr>
           <a:xfrm>
-            <a:off x="4596397" y="5088854"/>
-            <a:ext cx="4135541" cy="1302400"/>
+            <a:off x="4693173" y="183303"/>
+            <a:ext cx="3794110" cy="456383"/>
           </a:xfrm>
           <a:prstGeom prst="rect">
             <a:avLst/>
@@ -6388,10 +5964,10 @@
       </p:pic>
       <p:cxnSp>
         <p:nvCxnSpPr>
-          <p:cNvPr id="18" name="Straight Arrow Connector 17">
-            <a:extLst>
-              <a:ext uri="{FF2B5EF4-FFF2-40B4-BE49-F238E27FC236}">
-                <a16:creationId xmlns:a16="http://schemas.microsoft.com/office/drawing/2014/main" id="{57EF29A4-7869-4EAA-9EEC-A0B21F57121E}"/>
+          <p:cNvPr id="17" name="Straight Arrow Connector 16">
+            <a:extLst>
+              <a:ext uri="{FF2B5EF4-FFF2-40B4-BE49-F238E27FC236}">
+                <a16:creationId xmlns:a16="http://schemas.microsoft.com/office/drawing/2014/main" id="{631F42E5-2298-4762-9E98-525737D82C22}"/>
               </a:ext>
             </a:extLst>
           </p:cNvPr>
@@ -6402,8 +5978,49 @@
         </p:nvCxnSpPr>
         <p:spPr>
           <a:xfrm flipV="1">
-            <a:off x="3797151" y="593640"/>
-            <a:ext cx="1208598" cy="437560"/>
+            <a:off x="3786146" y="505543"/>
+            <a:ext cx="1208598" cy="445619"/>
+          </a:xfrm>
+          <a:prstGeom prst="straightConnector1">
+            <a:avLst/>
+          </a:prstGeom>
+          <a:ln>
+            <a:tailEnd type="triangle"/>
+          </a:ln>
+        </p:spPr>
+        <p:style>
+          <a:lnRef idx="1">
+            <a:schemeClr val="accent1"/>
+          </a:lnRef>
+          <a:fillRef idx="0">
+            <a:schemeClr val="accent1"/>
+          </a:fillRef>
+          <a:effectRef idx="0">
+            <a:schemeClr val="accent1"/>
+          </a:effectRef>
+          <a:fontRef idx="minor">
+            <a:schemeClr val="tx1"/>
+          </a:fontRef>
+        </p:style>
+      </p:cxnSp>
+      <p:cxnSp>
+        <p:nvCxnSpPr>
+          <p:cNvPr id="18" name="Straight Arrow Connector 17">
+            <a:extLst>
+              <a:ext uri="{FF2B5EF4-FFF2-40B4-BE49-F238E27FC236}">
+                <a16:creationId xmlns:a16="http://schemas.microsoft.com/office/drawing/2014/main" id="{CD42BFCB-514C-45B4-9B6D-EACD03712232}"/>
+              </a:ext>
+            </a:extLst>
+          </p:cNvPr>
+          <p:cNvCxnSpPr>
+            <a:cxnSpLocks/>
+          </p:cNvCxnSpPr>
+          <p:nvPr/>
+        </p:nvCxnSpPr>
+        <p:spPr>
+          <a:xfrm flipV="1">
+            <a:off x="2729948" y="4370999"/>
+            <a:ext cx="1963225" cy="634397"/>
           </a:xfrm>
           <a:prstGeom prst="straightConnector1">
             <a:avLst/>
@@ -6432,7 +6049,7 @@
           <p:cNvPr id="19" name="Straight Arrow Connector 18">
             <a:extLst>
               <a:ext uri="{FF2B5EF4-FFF2-40B4-BE49-F238E27FC236}">
-                <a16:creationId xmlns:a16="http://schemas.microsoft.com/office/drawing/2014/main" id="{B678D1BD-26DF-4EC9-B2CA-5185187DA8EC}"/>
+                <a16:creationId xmlns:a16="http://schemas.microsoft.com/office/drawing/2014/main" id="{9420558D-E517-4914-97B6-6EF2A4D5685F}"/>
               </a:ext>
             </a:extLst>
           </p:cNvPr>
@@ -6442,50 +6059,9 @@
           <p:nvPr/>
         </p:nvCxnSpPr>
         <p:spPr>
-          <a:xfrm flipV="1">
-            <a:off x="2572650" y="4164581"/>
-            <a:ext cx="2167135" cy="785398"/>
-          </a:xfrm>
-          <a:prstGeom prst="straightConnector1">
-            <a:avLst/>
-          </a:prstGeom>
-          <a:ln>
-            <a:tailEnd type="triangle"/>
-          </a:ln>
-        </p:spPr>
-        <p:style>
-          <a:lnRef idx="1">
-            <a:schemeClr val="accent1"/>
-          </a:lnRef>
-          <a:fillRef idx="0">
-            <a:schemeClr val="accent1"/>
-          </a:fillRef>
-          <a:effectRef idx="0">
-            <a:schemeClr val="accent1"/>
-          </a:effectRef>
-          <a:fontRef idx="minor">
-            <a:schemeClr val="tx1"/>
-          </a:fontRef>
-        </p:style>
-      </p:cxnSp>
-      <p:cxnSp>
-        <p:nvCxnSpPr>
-          <p:cNvPr id="20" name="Straight Arrow Connector 19">
-            <a:extLst>
-              <a:ext uri="{FF2B5EF4-FFF2-40B4-BE49-F238E27FC236}">
-                <a16:creationId xmlns:a16="http://schemas.microsoft.com/office/drawing/2014/main" id="{11EAD0F9-E95C-4AF9-BB9D-A1F3852F4EFF}"/>
-              </a:ext>
-            </a:extLst>
-          </p:cNvPr>
-          <p:cNvCxnSpPr>
-            <a:cxnSpLocks/>
-          </p:cNvCxnSpPr>
-          <p:nvPr/>
-        </p:nvCxnSpPr>
-        <p:spPr>
-          <a:xfrm>
-            <a:off x="2085028" y="5088853"/>
-            <a:ext cx="2654757" cy="420342"/>
+          <a:xfrm>
+            <a:off x="2125649" y="5128641"/>
+            <a:ext cx="2708744" cy="417141"/>
           </a:xfrm>
           <a:prstGeom prst="straightConnector1">
             <a:avLst/>
@@ -6511,10 +6087,10 @@
       </p:cxnSp>
       <p:sp>
         <p:nvSpPr>
-          <p:cNvPr id="24" name="TextBox 23">
-            <a:extLst>
-              <a:ext uri="{FF2B5EF4-FFF2-40B4-BE49-F238E27FC236}">
-                <a16:creationId xmlns:a16="http://schemas.microsoft.com/office/drawing/2014/main" id="{A9FE768E-1D59-4CC0-8E73-99EA29868840}"/>
+          <p:cNvPr id="23" name="TextBox 22">
+            <a:extLst>
+              <a:ext uri="{FF2B5EF4-FFF2-40B4-BE49-F238E27FC236}">
+                <a16:creationId xmlns:a16="http://schemas.microsoft.com/office/drawing/2014/main" id="{B14193A3-407D-43BE-8986-A948BD2B4B34}"/>
               </a:ext>
             </a:extLst>
           </p:cNvPr>
@@ -6523,8 +6099,8 @@
         </p:nvSpPr>
         <p:spPr>
           <a:xfrm>
-            <a:off x="6216152" y="3248263"/>
-            <a:ext cx="5610088" cy="369332"/>
+            <a:off x="6644640" y="710891"/>
+            <a:ext cx="5547360" cy="369332"/>
           </a:xfrm>
           <a:prstGeom prst="rect">
             <a:avLst/>
@@ -6546,36 +6122,17 @@
                   <a:srgbClr val="000000"/>
                 </a:highlight>
               </a:rPr>
-              <a:t>Purpose           </a:t>
-            </a:r>
-            <a:r>
-              <a:rPr lang="en-US" dirty="0">
-                <a:solidFill>
-                  <a:schemeClr val="bg1"/>
-                </a:solidFill>
-                <a:highlight>
-                  <a:srgbClr val="000000"/>
-                </a:highlight>
-              </a:rPr>
-              <a:t>Manage prescriptions issued by doctors.</a:t>
-            </a:r>
-            <a:endParaRPr lang="en-US" sz="1800" dirty="0">
-              <a:solidFill>
-                <a:schemeClr val="bg1"/>
-              </a:solidFill>
-              <a:highlight>
-                <a:srgbClr val="000000"/>
-              </a:highlight>
-            </a:endParaRPr>
+              <a:t>Purpose           Track Medication in Each Branch</a:t>
+            </a:r>
           </a:p>
         </p:txBody>
       </p:sp>
       <p:cxnSp>
         <p:nvCxnSpPr>
-          <p:cNvPr id="26" name="Straight Arrow Connector 25">
-            <a:extLst>
-              <a:ext uri="{FF2B5EF4-FFF2-40B4-BE49-F238E27FC236}">
-                <a16:creationId xmlns:a16="http://schemas.microsoft.com/office/drawing/2014/main" id="{19D62060-A04C-44C2-8925-C428277BE4BB}"/>
+          <p:cNvPr id="25" name="Straight Arrow Connector 24">
+            <a:extLst>
+              <a:ext uri="{FF2B5EF4-FFF2-40B4-BE49-F238E27FC236}">
+                <a16:creationId xmlns:a16="http://schemas.microsoft.com/office/drawing/2014/main" id="{A03346EA-A8D0-420A-B925-723CB511637C}"/>
               </a:ext>
             </a:extLst>
           </p:cNvPr>
@@ -6584,8 +6141,8 @@
         </p:nvCxnSpPr>
         <p:spPr>
           <a:xfrm>
-            <a:off x="7142480" y="3429000"/>
-            <a:ext cx="579120" cy="0"/>
+            <a:off x="7581198" y="895557"/>
+            <a:ext cx="556962" cy="0"/>
           </a:xfrm>
           <a:prstGeom prst="straightConnector1">
             <a:avLst/>
@@ -6612,7 +6169,7 @@
     </p:spTree>
     <p:extLst>
       <p:ext uri="{BB962C8B-B14F-4D97-AF65-F5344CB8AC3E}">
-        <p14:creationId xmlns:p14="http://schemas.microsoft.com/office/powerpoint/2010/main" val="1884388460"/>
+        <p14:creationId xmlns:p14="http://schemas.microsoft.com/office/powerpoint/2010/main" val="2163677134"/>
       </p:ext>
     </p:extLst>
   </p:cSld>
@@ -6625,14 +6182,6 @@
 <file path=ppt/slides/slide16.xml><?xml version="1.0" encoding="utf-8"?>
 <p:sld xmlns:a="http://schemas.openxmlformats.org/drawingml/2006/main" xmlns:r="http://schemas.openxmlformats.org/officeDocument/2006/relationships" xmlns:p="http://schemas.openxmlformats.org/presentationml/2006/main">
   <p:cSld>
-    <p:bg>
-      <p:bgPr>
-        <a:solidFill>
-          <a:schemeClr val="bg1"/>
-        </a:solidFill>
-        <a:effectLst/>
-      </p:bgPr>
-    </p:bg>
     <p:spTree>
       <p:nvGrpSpPr>
         <p:cNvPr id="1" name=""/>
@@ -6649,10 +6198,10 @@
       </p:grpSpPr>
       <p:pic>
         <p:nvPicPr>
-          <p:cNvPr id="29" name="Picture 28">
-            <a:extLst>
-              <a:ext uri="{FF2B5EF4-FFF2-40B4-BE49-F238E27FC236}">
-                <a16:creationId xmlns:a16="http://schemas.microsoft.com/office/drawing/2014/main" id="{798F3F19-ADAC-47C4-8853-8EA759CB3CDB}"/>
+          <p:cNvPr id="2" name="Picture 1">
+            <a:extLst>
+              <a:ext uri="{FF2B5EF4-FFF2-40B4-BE49-F238E27FC236}">
+                <a16:creationId xmlns:a16="http://schemas.microsoft.com/office/drawing/2014/main" id="{55D08BA4-BFEE-4284-8608-4EC2E6022BDE}"/>
               </a:ext>
             </a:extLst>
           </p:cNvPr>
@@ -6662,14 +6211,14 @@
           <p:nvPr/>
         </p:nvPicPr>
         <p:blipFill rotWithShape="1">
-          <a:blip r:embed="rId3"/>
-          <a:srcRect l="19779" r="23528" b="45507"/>
+          <a:blip r:embed="rId2"/>
+          <a:srcRect l="19018" r="22776" b="44486"/>
           <a:stretch/>
         </p:blipFill>
         <p:spPr>
           <a:xfrm>
-            <a:off x="0" y="0"/>
-            <a:ext cx="4691405" cy="6376946"/>
+            <a:off x="0" y="-1"/>
+            <a:ext cx="4739785" cy="6392849"/>
           </a:xfrm>
           <a:prstGeom prst="rect">
             <a:avLst/>
@@ -6678,10 +6227,10 @@
       </p:pic>
       <p:pic>
         <p:nvPicPr>
-          <p:cNvPr id="31" name="Picture 30">
-            <a:extLst>
-              <a:ext uri="{FF2B5EF4-FFF2-40B4-BE49-F238E27FC236}">
-                <a16:creationId xmlns:a16="http://schemas.microsoft.com/office/drawing/2014/main" id="{57BFEDA9-BF85-4CFC-A96A-62D05B7CB5BE}"/>
+          <p:cNvPr id="4" name="Picture 3">
+            <a:extLst>
+              <a:ext uri="{FF2B5EF4-FFF2-40B4-BE49-F238E27FC236}">
+                <a16:creationId xmlns:a16="http://schemas.microsoft.com/office/drawing/2014/main" id="{D4E4EE6A-0021-4DF7-8985-2CED26A5313D}"/>
               </a:ext>
             </a:extLst>
           </p:cNvPr>
@@ -6691,15 +6240,15 @@
           <p:nvPr/>
         </p:nvPicPr>
         <p:blipFill>
-          <a:blip r:embed="rId4"/>
+          <a:blip r:embed="rId3"/>
           <a:stretch>
             <a:fillRect/>
           </a:stretch>
         </p:blipFill>
         <p:spPr>
           <a:xfrm>
-            <a:off x="4624884" y="647002"/>
-            <a:ext cx="4315427" cy="847843"/>
+            <a:off x="4683386" y="1088324"/>
+            <a:ext cx="5510186" cy="666239"/>
           </a:xfrm>
           <a:prstGeom prst="rect">
             <a:avLst/>
@@ -6708,10 +6257,10 @@
       </p:pic>
       <p:cxnSp>
         <p:nvCxnSpPr>
-          <p:cNvPr id="33" name="Straight Arrow Connector 32">
-            <a:extLst>
-              <a:ext uri="{FF2B5EF4-FFF2-40B4-BE49-F238E27FC236}">
-                <a16:creationId xmlns:a16="http://schemas.microsoft.com/office/drawing/2014/main" id="{6E62D000-1668-48D4-B682-EF3FF9152354}"/>
+          <p:cNvPr id="6" name="Straight Arrow Connector 5">
+            <a:extLst>
+              <a:ext uri="{FF2B5EF4-FFF2-40B4-BE49-F238E27FC236}">
+                <a16:creationId xmlns:a16="http://schemas.microsoft.com/office/drawing/2014/main" id="{82B73155-8715-4DBA-8879-E006380AC0AE}"/>
               </a:ext>
             </a:extLst>
           </p:cNvPr>
@@ -6722,8 +6271,8 @@
         </p:nvCxnSpPr>
         <p:spPr>
           <a:xfrm flipV="1">
-            <a:off x="2091193" y="1176794"/>
-            <a:ext cx="2803691" cy="636103"/>
+            <a:off x="2369892" y="1348805"/>
+            <a:ext cx="2313494" cy="543588"/>
           </a:xfrm>
           <a:prstGeom prst="straightConnector1">
             <a:avLst/>
@@ -6749,10 +6298,40 @@
       </p:cxnSp>
       <p:pic>
         <p:nvPicPr>
-          <p:cNvPr id="35" name="Picture 34">
-            <a:extLst>
-              <a:ext uri="{FF2B5EF4-FFF2-40B4-BE49-F238E27FC236}">
-                <a16:creationId xmlns:a16="http://schemas.microsoft.com/office/drawing/2014/main" id="{C6742D0F-FD04-4CDF-BCDA-003C74E274B3}"/>
+          <p:cNvPr id="8" name="Picture 7">
+            <a:extLst>
+              <a:ext uri="{FF2B5EF4-FFF2-40B4-BE49-F238E27FC236}">
+                <a16:creationId xmlns:a16="http://schemas.microsoft.com/office/drawing/2014/main" id="{7997AB51-FEDE-4491-8F0D-E1218E5EE0AD}"/>
+              </a:ext>
+            </a:extLst>
+          </p:cNvPr>
+          <p:cNvPicPr>
+            <a:picLocks noChangeAspect="1"/>
+          </p:cNvPicPr>
+          <p:nvPr/>
+        </p:nvPicPr>
+        <p:blipFill>
+          <a:blip r:embed="rId4"/>
+          <a:stretch>
+            <a:fillRect/>
+          </a:stretch>
+        </p:blipFill>
+        <p:spPr>
+          <a:xfrm>
+            <a:off x="4579951" y="1894701"/>
+            <a:ext cx="3564324" cy="1421904"/>
+          </a:xfrm>
+          <a:prstGeom prst="rect">
+            <a:avLst/>
+          </a:prstGeom>
+        </p:spPr>
+      </p:pic>
+      <p:pic>
+        <p:nvPicPr>
+          <p:cNvPr id="10" name="Picture 9">
+            <a:extLst>
+              <a:ext uri="{FF2B5EF4-FFF2-40B4-BE49-F238E27FC236}">
+                <a16:creationId xmlns:a16="http://schemas.microsoft.com/office/drawing/2014/main" id="{B862B088-302C-4533-830E-3205D7414FBD}"/>
               </a:ext>
             </a:extLst>
           </p:cNvPr>
@@ -6769,8 +6348,8 @@
         </p:blipFill>
         <p:spPr>
           <a:xfrm>
-            <a:off x="4624884" y="1489840"/>
-            <a:ext cx="2238203" cy="993914"/>
+            <a:off x="6480312" y="1918728"/>
+            <a:ext cx="4900083" cy="774692"/>
           </a:xfrm>
           <a:prstGeom prst="rect">
             <a:avLst/>
@@ -6779,10 +6358,10 @@
       </p:pic>
       <p:pic>
         <p:nvPicPr>
-          <p:cNvPr id="37" name="Picture 36">
-            <a:extLst>
-              <a:ext uri="{FF2B5EF4-FFF2-40B4-BE49-F238E27FC236}">
-                <a16:creationId xmlns:a16="http://schemas.microsoft.com/office/drawing/2014/main" id="{50A5E207-5D08-4F5B-8B78-88610E607A80}"/>
+          <p:cNvPr id="12" name="Picture 11">
+            <a:extLst>
+              <a:ext uri="{FF2B5EF4-FFF2-40B4-BE49-F238E27FC236}">
+                <a16:creationId xmlns:a16="http://schemas.microsoft.com/office/drawing/2014/main" id="{10D2B3BF-6C86-499C-B60C-9EE7EF5ED483}"/>
               </a:ext>
             </a:extLst>
           </p:cNvPr>
@@ -6799,8 +6378,8 @@
         </p:blipFill>
         <p:spPr>
           <a:xfrm>
-            <a:off x="6648402" y="1489840"/>
-            <a:ext cx="4720780" cy="1131286"/>
+            <a:off x="4579951" y="139843"/>
+            <a:ext cx="6652987" cy="751253"/>
           </a:xfrm>
           <a:prstGeom prst="rect">
             <a:avLst/>
@@ -6809,10 +6388,10 @@
       </p:pic>
       <p:pic>
         <p:nvPicPr>
-          <p:cNvPr id="40" name="Picture 39">
-            <a:extLst>
-              <a:ext uri="{FF2B5EF4-FFF2-40B4-BE49-F238E27FC236}">
-                <a16:creationId xmlns:a16="http://schemas.microsoft.com/office/drawing/2014/main" id="{F0007C92-0291-4CA2-849D-AA2E67FE6E23}"/>
+          <p:cNvPr id="15" name="Picture 14">
+            <a:extLst>
+              <a:ext uri="{FF2B5EF4-FFF2-40B4-BE49-F238E27FC236}">
+                <a16:creationId xmlns:a16="http://schemas.microsoft.com/office/drawing/2014/main" id="{F6866091-EF12-4D23-9452-B0057DD857E5}"/>
               </a:ext>
             </a:extLst>
           </p:cNvPr>
@@ -6829,8 +6408,8 @@
         </p:blipFill>
         <p:spPr>
           <a:xfrm>
-            <a:off x="4624884" y="150565"/>
-            <a:ext cx="3272875" cy="463083"/>
+            <a:off x="4579950" y="3651312"/>
+            <a:ext cx="5344055" cy="1136552"/>
           </a:xfrm>
           <a:prstGeom prst="rect">
             <a:avLst/>
@@ -6839,10 +6418,10 @@
       </p:pic>
       <p:pic>
         <p:nvPicPr>
-          <p:cNvPr id="42" name="Picture 41">
-            <a:extLst>
-              <a:ext uri="{FF2B5EF4-FFF2-40B4-BE49-F238E27FC236}">
-                <a16:creationId xmlns:a16="http://schemas.microsoft.com/office/drawing/2014/main" id="{E0C32A8D-12A4-4E59-A043-989B14A4D794}"/>
+          <p:cNvPr id="17" name="Picture 16">
+            <a:extLst>
+              <a:ext uri="{FF2B5EF4-FFF2-40B4-BE49-F238E27FC236}">
+                <a16:creationId xmlns:a16="http://schemas.microsoft.com/office/drawing/2014/main" id="{02CEAA92-0724-4406-832A-8ADA2AA36DCF}"/>
               </a:ext>
             </a:extLst>
           </p:cNvPr>
@@ -6859,38 +6438,8 @@
         </p:blipFill>
         <p:spPr>
           <a:xfrm>
-            <a:off x="4624884" y="3523341"/>
-            <a:ext cx="4248743" cy="1143160"/>
-          </a:xfrm>
-          <a:prstGeom prst="rect">
-            <a:avLst/>
-          </a:prstGeom>
-        </p:spPr>
-      </p:pic>
-      <p:pic>
-        <p:nvPicPr>
-          <p:cNvPr id="44" name="Picture 43">
-            <a:extLst>
-              <a:ext uri="{FF2B5EF4-FFF2-40B4-BE49-F238E27FC236}">
-                <a16:creationId xmlns:a16="http://schemas.microsoft.com/office/drawing/2014/main" id="{C1E9FCF9-9B5B-4E7F-9146-9CC671132C86}"/>
-              </a:ext>
-            </a:extLst>
-          </p:cNvPr>
-          <p:cNvPicPr>
-            <a:picLocks noChangeAspect="1"/>
-          </p:cNvPicPr>
-          <p:nvPr/>
-        </p:nvPicPr>
-        <p:blipFill>
-          <a:blip r:embed="rId9"/>
-          <a:stretch>
-            <a:fillRect/>
-          </a:stretch>
-        </p:blipFill>
-        <p:spPr>
-          <a:xfrm>
-            <a:off x="4624884" y="4682264"/>
-            <a:ext cx="4124901" cy="1371791"/>
+            <a:off x="4596397" y="5088854"/>
+            <a:ext cx="4135541" cy="1302400"/>
           </a:xfrm>
           <a:prstGeom prst="rect">
             <a:avLst/>
@@ -6899,23 +6448,22 @@
       </p:pic>
       <p:cxnSp>
         <p:nvCxnSpPr>
-          <p:cNvPr id="45" name="Straight Arrow Connector 44">
-            <a:extLst>
-              <a:ext uri="{FF2B5EF4-FFF2-40B4-BE49-F238E27FC236}">
-                <a16:creationId xmlns:a16="http://schemas.microsoft.com/office/drawing/2014/main" id="{2D074DDB-69C8-4895-8B75-DF576A01FEB7}"/>
+          <p:cNvPr id="18" name="Straight Arrow Connector 17">
+            <a:extLst>
+              <a:ext uri="{FF2B5EF4-FFF2-40B4-BE49-F238E27FC236}">
+                <a16:creationId xmlns:a16="http://schemas.microsoft.com/office/drawing/2014/main" id="{57EF29A4-7869-4EAA-9EEC-A0B21F57121E}"/>
               </a:ext>
             </a:extLst>
           </p:cNvPr>
           <p:cNvCxnSpPr>
             <a:cxnSpLocks/>
-            <a:endCxn id="40" idx="1"/>
           </p:cNvCxnSpPr>
           <p:nvPr/>
         </p:nvCxnSpPr>
         <p:spPr>
           <a:xfrm flipV="1">
-            <a:off x="3857006" y="382107"/>
-            <a:ext cx="767878" cy="596124"/>
+            <a:off x="3797151" y="593640"/>
+            <a:ext cx="1208598" cy="437560"/>
           </a:xfrm>
           <a:prstGeom prst="straightConnector1">
             <a:avLst/>
@@ -6941,10 +6489,10 @@
       </p:cxnSp>
       <p:cxnSp>
         <p:nvCxnSpPr>
-          <p:cNvPr id="46" name="Straight Arrow Connector 45">
-            <a:extLst>
-              <a:ext uri="{FF2B5EF4-FFF2-40B4-BE49-F238E27FC236}">
-                <a16:creationId xmlns:a16="http://schemas.microsoft.com/office/drawing/2014/main" id="{78027C1A-C956-452C-968E-4A31AC7AF2BB}"/>
+          <p:cNvPr id="19" name="Straight Arrow Connector 18">
+            <a:extLst>
+              <a:ext uri="{FF2B5EF4-FFF2-40B4-BE49-F238E27FC236}">
+                <a16:creationId xmlns:a16="http://schemas.microsoft.com/office/drawing/2014/main" id="{B678D1BD-26DF-4EC9-B2CA-5185187DA8EC}"/>
               </a:ext>
             </a:extLst>
           </p:cNvPr>
@@ -6955,8 +6503,8 @@
         </p:nvCxnSpPr>
         <p:spPr>
           <a:xfrm flipV="1">
-            <a:off x="2553694" y="3824577"/>
-            <a:ext cx="2137711" cy="1207728"/>
+            <a:off x="2572650" y="4164581"/>
+            <a:ext cx="2167135" cy="785398"/>
           </a:xfrm>
           <a:prstGeom prst="straightConnector1">
             <a:avLst/>
@@ -6982,10 +6530,10 @@
       </p:cxnSp>
       <p:cxnSp>
         <p:nvCxnSpPr>
-          <p:cNvPr id="47" name="Straight Arrow Connector 46">
-            <a:extLst>
-              <a:ext uri="{FF2B5EF4-FFF2-40B4-BE49-F238E27FC236}">
-                <a16:creationId xmlns:a16="http://schemas.microsoft.com/office/drawing/2014/main" id="{A01176E3-81E9-48CB-922F-34D4BD9E62E3}"/>
+          <p:cNvPr id="20" name="Straight Arrow Connector 19">
+            <a:extLst>
+              <a:ext uri="{FF2B5EF4-FFF2-40B4-BE49-F238E27FC236}">
+                <a16:creationId xmlns:a16="http://schemas.microsoft.com/office/drawing/2014/main" id="{11EAD0F9-E95C-4AF9-BB9D-A1F3852F4EFF}"/>
               </a:ext>
             </a:extLst>
           </p:cNvPr>
@@ -6996,8 +6544,8 @@
         </p:nvCxnSpPr>
         <p:spPr>
           <a:xfrm>
-            <a:off x="2091193" y="5155550"/>
-            <a:ext cx="2803691" cy="92311"/>
+            <a:off x="2085028" y="5088853"/>
+            <a:ext cx="2654757" cy="420342"/>
           </a:xfrm>
           <a:prstGeom prst="straightConnector1">
             <a:avLst/>
@@ -7023,10 +6571,10 @@
       </p:cxnSp>
       <p:sp>
         <p:nvSpPr>
-          <p:cNvPr id="53" name="TextBox 52">
-            <a:extLst>
-              <a:ext uri="{FF2B5EF4-FFF2-40B4-BE49-F238E27FC236}">
-                <a16:creationId xmlns:a16="http://schemas.microsoft.com/office/drawing/2014/main" id="{64E74B79-75FE-4E8E-8627-3ECD52E48F13}"/>
+          <p:cNvPr id="24" name="TextBox 23">
+            <a:extLst>
+              <a:ext uri="{FF2B5EF4-FFF2-40B4-BE49-F238E27FC236}">
+                <a16:creationId xmlns:a16="http://schemas.microsoft.com/office/drawing/2014/main" id="{A9FE768E-1D59-4CC0-8E73-99EA29868840}"/>
               </a:ext>
             </a:extLst>
           </p:cNvPr>
@@ -7035,8 +6583,8 @@
         </p:nvSpPr>
         <p:spPr>
           <a:xfrm>
-            <a:off x="4691405" y="2772374"/>
-            <a:ext cx="6096000" cy="369332"/>
+            <a:off x="6216152" y="3248263"/>
+            <a:ext cx="5610088" cy="369332"/>
           </a:xfrm>
           <a:prstGeom prst="rect">
             <a:avLst/>
@@ -7044,7 +6592,7 @@
           <a:noFill/>
         </p:spPr>
         <p:txBody>
-          <a:bodyPr wrap="square">
+          <a:bodyPr wrap="square" rtlCol="0">
             <a:spAutoFit/>
           </a:bodyPr>
           <a:lstStyle/>
@@ -7069,7 +6617,7 @@
                   <a:srgbClr val="000000"/>
                 </a:highlight>
               </a:rPr>
-              <a:t>Manage clinic branches</a:t>
+              <a:t>Manage prescriptions issued by doctors.</a:t>
             </a:r>
             <a:endParaRPr lang="en-US" sz="1800" dirty="0">
               <a:solidFill>
@@ -7084,22 +6632,20 @@
       </p:sp>
       <p:cxnSp>
         <p:nvCxnSpPr>
-          <p:cNvPr id="59" name="Straight Arrow Connector 58">
-            <a:extLst>
-              <a:ext uri="{FF2B5EF4-FFF2-40B4-BE49-F238E27FC236}">
-                <a16:creationId xmlns:a16="http://schemas.microsoft.com/office/drawing/2014/main" id="{779391CA-4A1F-454B-ADA7-B9833A7DA1AD}"/>
-              </a:ext>
-            </a:extLst>
-          </p:cNvPr>
-          <p:cNvCxnSpPr>
-            <a:cxnSpLocks/>
-          </p:cNvCxnSpPr>
+          <p:cNvPr id="26" name="Straight Arrow Connector 25">
+            <a:extLst>
+              <a:ext uri="{FF2B5EF4-FFF2-40B4-BE49-F238E27FC236}">
+                <a16:creationId xmlns:a16="http://schemas.microsoft.com/office/drawing/2014/main" id="{19D62060-A04C-44C2-8925-C428277BE4BB}"/>
+              </a:ext>
+            </a:extLst>
+          </p:cNvPr>
+          <p:cNvCxnSpPr/>
           <p:nvPr/>
         </p:nvCxnSpPr>
         <p:spPr>
           <a:xfrm>
-            <a:off x="5638800" y="2957040"/>
-            <a:ext cx="457200" cy="0"/>
+            <a:off x="7142480" y="3429000"/>
+            <a:ext cx="579120" cy="0"/>
           </a:xfrm>
           <a:prstGeom prst="straightConnector1">
             <a:avLst/>
@@ -7126,7 +6672,7 @@
     </p:spTree>
     <p:extLst>
       <p:ext uri="{BB962C8B-B14F-4D97-AF65-F5344CB8AC3E}">
-        <p14:creationId xmlns:p14="http://schemas.microsoft.com/office/powerpoint/2010/main" val="1374554019"/>
+        <p14:creationId xmlns:p14="http://schemas.microsoft.com/office/powerpoint/2010/main" val="1884388460"/>
       </p:ext>
     </p:extLst>
   </p:cSld>
@@ -7161,6 +6707,520 @@
           <a:chExt cx="0" cy="0"/>
         </a:xfrm>
       </p:grpSpPr>
+      <p:pic>
+        <p:nvPicPr>
+          <p:cNvPr id="29" name="Picture 28">
+            <a:extLst>
+              <a:ext uri="{FF2B5EF4-FFF2-40B4-BE49-F238E27FC236}">
+                <a16:creationId xmlns:a16="http://schemas.microsoft.com/office/drawing/2014/main" id="{798F3F19-ADAC-47C4-8853-8EA759CB3CDB}"/>
+              </a:ext>
+            </a:extLst>
+          </p:cNvPr>
+          <p:cNvPicPr>
+            <a:picLocks noChangeAspect="1"/>
+          </p:cNvPicPr>
+          <p:nvPr/>
+        </p:nvPicPr>
+        <p:blipFill rotWithShape="1">
+          <a:blip r:embed="rId3"/>
+          <a:srcRect l="19779" r="23528" b="45507"/>
+          <a:stretch/>
+        </p:blipFill>
+        <p:spPr>
+          <a:xfrm>
+            <a:off x="0" y="0"/>
+            <a:ext cx="4691405" cy="6376946"/>
+          </a:xfrm>
+          <a:prstGeom prst="rect">
+            <a:avLst/>
+          </a:prstGeom>
+        </p:spPr>
+      </p:pic>
+      <p:pic>
+        <p:nvPicPr>
+          <p:cNvPr id="31" name="Picture 30">
+            <a:extLst>
+              <a:ext uri="{FF2B5EF4-FFF2-40B4-BE49-F238E27FC236}">
+                <a16:creationId xmlns:a16="http://schemas.microsoft.com/office/drawing/2014/main" id="{57BFEDA9-BF85-4CFC-A96A-62D05B7CB5BE}"/>
+              </a:ext>
+            </a:extLst>
+          </p:cNvPr>
+          <p:cNvPicPr>
+            <a:picLocks noChangeAspect="1"/>
+          </p:cNvPicPr>
+          <p:nvPr/>
+        </p:nvPicPr>
+        <p:blipFill>
+          <a:blip r:embed="rId4"/>
+          <a:stretch>
+            <a:fillRect/>
+          </a:stretch>
+        </p:blipFill>
+        <p:spPr>
+          <a:xfrm>
+            <a:off x="4624884" y="647002"/>
+            <a:ext cx="4315427" cy="847843"/>
+          </a:xfrm>
+          <a:prstGeom prst="rect">
+            <a:avLst/>
+          </a:prstGeom>
+        </p:spPr>
+      </p:pic>
+      <p:cxnSp>
+        <p:nvCxnSpPr>
+          <p:cNvPr id="33" name="Straight Arrow Connector 32">
+            <a:extLst>
+              <a:ext uri="{FF2B5EF4-FFF2-40B4-BE49-F238E27FC236}">
+                <a16:creationId xmlns:a16="http://schemas.microsoft.com/office/drawing/2014/main" id="{6E62D000-1668-48D4-B682-EF3FF9152354}"/>
+              </a:ext>
+            </a:extLst>
+          </p:cNvPr>
+          <p:cNvCxnSpPr>
+            <a:cxnSpLocks/>
+          </p:cNvCxnSpPr>
+          <p:nvPr/>
+        </p:nvCxnSpPr>
+        <p:spPr>
+          <a:xfrm flipV="1">
+            <a:off x="2091193" y="1176794"/>
+            <a:ext cx="2803691" cy="636103"/>
+          </a:xfrm>
+          <a:prstGeom prst="straightConnector1">
+            <a:avLst/>
+          </a:prstGeom>
+          <a:ln>
+            <a:tailEnd type="triangle"/>
+          </a:ln>
+        </p:spPr>
+        <p:style>
+          <a:lnRef idx="1">
+            <a:schemeClr val="accent1"/>
+          </a:lnRef>
+          <a:fillRef idx="0">
+            <a:schemeClr val="accent1"/>
+          </a:fillRef>
+          <a:effectRef idx="0">
+            <a:schemeClr val="accent1"/>
+          </a:effectRef>
+          <a:fontRef idx="minor">
+            <a:schemeClr val="tx1"/>
+          </a:fontRef>
+        </p:style>
+      </p:cxnSp>
+      <p:pic>
+        <p:nvPicPr>
+          <p:cNvPr id="35" name="Picture 34">
+            <a:extLst>
+              <a:ext uri="{FF2B5EF4-FFF2-40B4-BE49-F238E27FC236}">
+                <a16:creationId xmlns:a16="http://schemas.microsoft.com/office/drawing/2014/main" id="{C6742D0F-FD04-4CDF-BCDA-003C74E274B3}"/>
+              </a:ext>
+            </a:extLst>
+          </p:cNvPr>
+          <p:cNvPicPr>
+            <a:picLocks noChangeAspect="1"/>
+          </p:cNvPicPr>
+          <p:nvPr/>
+        </p:nvPicPr>
+        <p:blipFill>
+          <a:blip r:embed="rId5"/>
+          <a:stretch>
+            <a:fillRect/>
+          </a:stretch>
+        </p:blipFill>
+        <p:spPr>
+          <a:xfrm>
+            <a:off x="4624884" y="1489840"/>
+            <a:ext cx="2238203" cy="993914"/>
+          </a:xfrm>
+          <a:prstGeom prst="rect">
+            <a:avLst/>
+          </a:prstGeom>
+        </p:spPr>
+      </p:pic>
+      <p:pic>
+        <p:nvPicPr>
+          <p:cNvPr id="37" name="Picture 36">
+            <a:extLst>
+              <a:ext uri="{FF2B5EF4-FFF2-40B4-BE49-F238E27FC236}">
+                <a16:creationId xmlns:a16="http://schemas.microsoft.com/office/drawing/2014/main" id="{50A5E207-5D08-4F5B-8B78-88610E607A80}"/>
+              </a:ext>
+            </a:extLst>
+          </p:cNvPr>
+          <p:cNvPicPr>
+            <a:picLocks noChangeAspect="1"/>
+          </p:cNvPicPr>
+          <p:nvPr/>
+        </p:nvPicPr>
+        <p:blipFill>
+          <a:blip r:embed="rId6"/>
+          <a:stretch>
+            <a:fillRect/>
+          </a:stretch>
+        </p:blipFill>
+        <p:spPr>
+          <a:xfrm>
+            <a:off x="6648402" y="1489840"/>
+            <a:ext cx="4720780" cy="1131286"/>
+          </a:xfrm>
+          <a:prstGeom prst="rect">
+            <a:avLst/>
+          </a:prstGeom>
+        </p:spPr>
+      </p:pic>
+      <p:pic>
+        <p:nvPicPr>
+          <p:cNvPr id="40" name="Picture 39">
+            <a:extLst>
+              <a:ext uri="{FF2B5EF4-FFF2-40B4-BE49-F238E27FC236}">
+                <a16:creationId xmlns:a16="http://schemas.microsoft.com/office/drawing/2014/main" id="{F0007C92-0291-4CA2-849D-AA2E67FE6E23}"/>
+              </a:ext>
+            </a:extLst>
+          </p:cNvPr>
+          <p:cNvPicPr>
+            <a:picLocks noChangeAspect="1"/>
+          </p:cNvPicPr>
+          <p:nvPr/>
+        </p:nvPicPr>
+        <p:blipFill>
+          <a:blip r:embed="rId7"/>
+          <a:stretch>
+            <a:fillRect/>
+          </a:stretch>
+        </p:blipFill>
+        <p:spPr>
+          <a:xfrm>
+            <a:off x="4624884" y="150565"/>
+            <a:ext cx="3272875" cy="463083"/>
+          </a:xfrm>
+          <a:prstGeom prst="rect">
+            <a:avLst/>
+          </a:prstGeom>
+        </p:spPr>
+      </p:pic>
+      <p:pic>
+        <p:nvPicPr>
+          <p:cNvPr id="42" name="Picture 41">
+            <a:extLst>
+              <a:ext uri="{FF2B5EF4-FFF2-40B4-BE49-F238E27FC236}">
+                <a16:creationId xmlns:a16="http://schemas.microsoft.com/office/drawing/2014/main" id="{E0C32A8D-12A4-4E59-A043-989B14A4D794}"/>
+              </a:ext>
+            </a:extLst>
+          </p:cNvPr>
+          <p:cNvPicPr>
+            <a:picLocks noChangeAspect="1"/>
+          </p:cNvPicPr>
+          <p:nvPr/>
+        </p:nvPicPr>
+        <p:blipFill>
+          <a:blip r:embed="rId8"/>
+          <a:stretch>
+            <a:fillRect/>
+          </a:stretch>
+        </p:blipFill>
+        <p:spPr>
+          <a:xfrm>
+            <a:off x="4624884" y="3523341"/>
+            <a:ext cx="4248743" cy="1143160"/>
+          </a:xfrm>
+          <a:prstGeom prst="rect">
+            <a:avLst/>
+          </a:prstGeom>
+        </p:spPr>
+      </p:pic>
+      <p:pic>
+        <p:nvPicPr>
+          <p:cNvPr id="44" name="Picture 43">
+            <a:extLst>
+              <a:ext uri="{FF2B5EF4-FFF2-40B4-BE49-F238E27FC236}">
+                <a16:creationId xmlns:a16="http://schemas.microsoft.com/office/drawing/2014/main" id="{C1E9FCF9-9B5B-4E7F-9146-9CC671132C86}"/>
+              </a:ext>
+            </a:extLst>
+          </p:cNvPr>
+          <p:cNvPicPr>
+            <a:picLocks noChangeAspect="1"/>
+          </p:cNvPicPr>
+          <p:nvPr/>
+        </p:nvPicPr>
+        <p:blipFill>
+          <a:blip r:embed="rId9"/>
+          <a:stretch>
+            <a:fillRect/>
+          </a:stretch>
+        </p:blipFill>
+        <p:spPr>
+          <a:xfrm>
+            <a:off x="4624884" y="4682264"/>
+            <a:ext cx="4124901" cy="1371791"/>
+          </a:xfrm>
+          <a:prstGeom prst="rect">
+            <a:avLst/>
+          </a:prstGeom>
+        </p:spPr>
+      </p:pic>
+      <p:cxnSp>
+        <p:nvCxnSpPr>
+          <p:cNvPr id="45" name="Straight Arrow Connector 44">
+            <a:extLst>
+              <a:ext uri="{FF2B5EF4-FFF2-40B4-BE49-F238E27FC236}">
+                <a16:creationId xmlns:a16="http://schemas.microsoft.com/office/drawing/2014/main" id="{2D074DDB-69C8-4895-8B75-DF576A01FEB7}"/>
+              </a:ext>
+            </a:extLst>
+          </p:cNvPr>
+          <p:cNvCxnSpPr>
+            <a:cxnSpLocks/>
+            <a:endCxn id="40" idx="1"/>
+          </p:cNvCxnSpPr>
+          <p:nvPr/>
+        </p:nvCxnSpPr>
+        <p:spPr>
+          <a:xfrm flipV="1">
+            <a:off x="3857006" y="382107"/>
+            <a:ext cx="767878" cy="596124"/>
+          </a:xfrm>
+          <a:prstGeom prst="straightConnector1">
+            <a:avLst/>
+          </a:prstGeom>
+          <a:ln>
+            <a:tailEnd type="triangle"/>
+          </a:ln>
+        </p:spPr>
+        <p:style>
+          <a:lnRef idx="1">
+            <a:schemeClr val="accent1"/>
+          </a:lnRef>
+          <a:fillRef idx="0">
+            <a:schemeClr val="accent1"/>
+          </a:fillRef>
+          <a:effectRef idx="0">
+            <a:schemeClr val="accent1"/>
+          </a:effectRef>
+          <a:fontRef idx="minor">
+            <a:schemeClr val="tx1"/>
+          </a:fontRef>
+        </p:style>
+      </p:cxnSp>
+      <p:cxnSp>
+        <p:nvCxnSpPr>
+          <p:cNvPr id="46" name="Straight Arrow Connector 45">
+            <a:extLst>
+              <a:ext uri="{FF2B5EF4-FFF2-40B4-BE49-F238E27FC236}">
+                <a16:creationId xmlns:a16="http://schemas.microsoft.com/office/drawing/2014/main" id="{78027C1A-C956-452C-968E-4A31AC7AF2BB}"/>
+              </a:ext>
+            </a:extLst>
+          </p:cNvPr>
+          <p:cNvCxnSpPr>
+            <a:cxnSpLocks/>
+          </p:cNvCxnSpPr>
+          <p:nvPr/>
+        </p:nvCxnSpPr>
+        <p:spPr>
+          <a:xfrm flipV="1">
+            <a:off x="2553694" y="3824577"/>
+            <a:ext cx="2137711" cy="1207728"/>
+          </a:xfrm>
+          <a:prstGeom prst="straightConnector1">
+            <a:avLst/>
+          </a:prstGeom>
+          <a:ln>
+            <a:tailEnd type="triangle"/>
+          </a:ln>
+        </p:spPr>
+        <p:style>
+          <a:lnRef idx="1">
+            <a:schemeClr val="accent1"/>
+          </a:lnRef>
+          <a:fillRef idx="0">
+            <a:schemeClr val="accent1"/>
+          </a:fillRef>
+          <a:effectRef idx="0">
+            <a:schemeClr val="accent1"/>
+          </a:effectRef>
+          <a:fontRef idx="minor">
+            <a:schemeClr val="tx1"/>
+          </a:fontRef>
+        </p:style>
+      </p:cxnSp>
+      <p:cxnSp>
+        <p:nvCxnSpPr>
+          <p:cNvPr id="47" name="Straight Arrow Connector 46">
+            <a:extLst>
+              <a:ext uri="{FF2B5EF4-FFF2-40B4-BE49-F238E27FC236}">
+                <a16:creationId xmlns:a16="http://schemas.microsoft.com/office/drawing/2014/main" id="{A01176E3-81E9-48CB-922F-34D4BD9E62E3}"/>
+              </a:ext>
+            </a:extLst>
+          </p:cNvPr>
+          <p:cNvCxnSpPr>
+            <a:cxnSpLocks/>
+          </p:cNvCxnSpPr>
+          <p:nvPr/>
+        </p:nvCxnSpPr>
+        <p:spPr>
+          <a:xfrm>
+            <a:off x="2091193" y="5155550"/>
+            <a:ext cx="2803691" cy="92311"/>
+          </a:xfrm>
+          <a:prstGeom prst="straightConnector1">
+            <a:avLst/>
+          </a:prstGeom>
+          <a:ln>
+            <a:tailEnd type="triangle"/>
+          </a:ln>
+        </p:spPr>
+        <p:style>
+          <a:lnRef idx="1">
+            <a:schemeClr val="accent1"/>
+          </a:lnRef>
+          <a:fillRef idx="0">
+            <a:schemeClr val="accent1"/>
+          </a:fillRef>
+          <a:effectRef idx="0">
+            <a:schemeClr val="accent1"/>
+          </a:effectRef>
+          <a:fontRef idx="minor">
+            <a:schemeClr val="tx1"/>
+          </a:fontRef>
+        </p:style>
+      </p:cxnSp>
+      <p:sp>
+        <p:nvSpPr>
+          <p:cNvPr id="53" name="TextBox 52">
+            <a:extLst>
+              <a:ext uri="{FF2B5EF4-FFF2-40B4-BE49-F238E27FC236}">
+                <a16:creationId xmlns:a16="http://schemas.microsoft.com/office/drawing/2014/main" id="{64E74B79-75FE-4E8E-8627-3ECD52E48F13}"/>
+              </a:ext>
+            </a:extLst>
+          </p:cNvPr>
+          <p:cNvSpPr txBox="1"/>
+          <p:nvPr/>
+        </p:nvSpPr>
+        <p:spPr>
+          <a:xfrm>
+            <a:off x="4691405" y="2772374"/>
+            <a:ext cx="6096000" cy="369332"/>
+          </a:xfrm>
+          <a:prstGeom prst="rect">
+            <a:avLst/>
+          </a:prstGeom>
+          <a:noFill/>
+        </p:spPr>
+        <p:txBody>
+          <a:bodyPr wrap="square">
+            <a:spAutoFit/>
+          </a:bodyPr>
+          <a:lstStyle/>
+          <a:p>
+            <a:r>
+              <a:rPr lang="en-US" sz="1800" dirty="0">
+                <a:solidFill>
+                  <a:schemeClr val="bg1"/>
+                </a:solidFill>
+                <a:highlight>
+                  <a:srgbClr val="000000"/>
+                </a:highlight>
+              </a:rPr>
+              <a:t>Purpose           </a:t>
+            </a:r>
+            <a:r>
+              <a:rPr lang="en-US" dirty="0">
+                <a:solidFill>
+                  <a:schemeClr val="bg1"/>
+                </a:solidFill>
+                <a:highlight>
+                  <a:srgbClr val="000000"/>
+                </a:highlight>
+              </a:rPr>
+              <a:t>Manage clinic branches</a:t>
+            </a:r>
+            <a:endParaRPr lang="en-US" sz="1800" dirty="0">
+              <a:solidFill>
+                <a:schemeClr val="bg1"/>
+              </a:solidFill>
+              <a:highlight>
+                <a:srgbClr val="000000"/>
+              </a:highlight>
+            </a:endParaRPr>
+          </a:p>
+        </p:txBody>
+      </p:sp>
+      <p:cxnSp>
+        <p:nvCxnSpPr>
+          <p:cNvPr id="59" name="Straight Arrow Connector 58">
+            <a:extLst>
+              <a:ext uri="{FF2B5EF4-FFF2-40B4-BE49-F238E27FC236}">
+                <a16:creationId xmlns:a16="http://schemas.microsoft.com/office/drawing/2014/main" id="{779391CA-4A1F-454B-ADA7-B9833A7DA1AD}"/>
+              </a:ext>
+            </a:extLst>
+          </p:cNvPr>
+          <p:cNvCxnSpPr>
+            <a:cxnSpLocks/>
+          </p:cNvCxnSpPr>
+          <p:nvPr/>
+        </p:nvCxnSpPr>
+        <p:spPr>
+          <a:xfrm>
+            <a:off x="5638800" y="2957040"/>
+            <a:ext cx="457200" cy="0"/>
+          </a:xfrm>
+          <a:prstGeom prst="straightConnector1">
+            <a:avLst/>
+          </a:prstGeom>
+          <a:ln>
+            <a:tailEnd type="triangle"/>
+          </a:ln>
+        </p:spPr>
+        <p:style>
+          <a:lnRef idx="1">
+            <a:schemeClr val="accent1"/>
+          </a:lnRef>
+          <a:fillRef idx="0">
+            <a:schemeClr val="accent1"/>
+          </a:fillRef>
+          <a:effectRef idx="0">
+            <a:schemeClr val="accent1"/>
+          </a:effectRef>
+          <a:fontRef idx="minor">
+            <a:schemeClr val="tx1"/>
+          </a:fontRef>
+        </p:style>
+      </p:cxnSp>
+    </p:spTree>
+    <p:extLst>
+      <p:ext uri="{BB962C8B-B14F-4D97-AF65-F5344CB8AC3E}">
+        <p14:creationId xmlns:p14="http://schemas.microsoft.com/office/powerpoint/2010/main" val="1374554019"/>
+      </p:ext>
+    </p:extLst>
+  </p:cSld>
+  <p:clrMapOvr>
+    <a:masterClrMapping/>
+  </p:clrMapOvr>
+</p:sld>
+</file>
+
+<file path=ppt/slides/slide18.xml><?xml version="1.0" encoding="utf-8"?>
+<p:sld xmlns:a="http://schemas.openxmlformats.org/drawingml/2006/main" xmlns:r="http://schemas.openxmlformats.org/officeDocument/2006/relationships" xmlns:p="http://schemas.openxmlformats.org/presentationml/2006/main">
+  <p:cSld>
+    <p:bg>
+      <p:bgPr>
+        <a:solidFill>
+          <a:schemeClr val="bg1"/>
+        </a:solidFill>
+        <a:effectLst/>
+      </p:bgPr>
+    </p:bg>
+    <p:spTree>
+      <p:nvGrpSpPr>
+        <p:cNvPr id="1" name=""/>
+        <p:cNvGrpSpPr/>
+        <p:nvPr/>
+      </p:nvGrpSpPr>
+      <p:grpSpPr>
+        <a:xfrm>
+          <a:off x="0" y="0"/>
+          <a:ext cx="0" cy="0"/>
+          <a:chOff x="0" y="0"/>
+          <a:chExt cx="0" cy="0"/>
+        </a:xfrm>
+      </p:grpSpPr>
       <p:sp>
         <p:nvSpPr>
           <p:cNvPr id="2" name="Title 1">
@@ -7281,7 +7341,7 @@
 </p:sld>
 </file>
 
-<file path=ppt/slides/slide18.xml><?xml version="1.0" encoding="utf-8"?>
+<file path=ppt/slides/slide19.xml><?xml version="1.0" encoding="utf-8"?>
 <p:sld xmlns:a="http://schemas.openxmlformats.org/drawingml/2006/main" xmlns:r="http://schemas.openxmlformats.org/officeDocument/2006/relationships" xmlns:p="http://schemas.openxmlformats.org/presentationml/2006/main">
   <p:cSld>
     <p:spTree>
@@ -7760,117 +7820,64 @@
           <a:chExt cx="0" cy="0"/>
         </a:xfrm>
       </p:grpSpPr>
+      <p:sp>
+        <p:nvSpPr>
+          <p:cNvPr id="2" name="Title 1">
+            <a:extLst>
+              <a:ext uri="{FF2B5EF4-FFF2-40B4-BE49-F238E27FC236}">
+                <a16:creationId xmlns:a16="http://schemas.microsoft.com/office/drawing/2014/main" id="{D0F22ED7-46D3-2625-3BD5-8AC99AE8C1F0}"/>
+              </a:ext>
+            </a:extLst>
+          </p:cNvPr>
+          <p:cNvSpPr>
+            <a:spLocks noGrp="1"/>
+          </p:cNvSpPr>
+          <p:nvPr>
+            <p:ph type="title"/>
+          </p:nvPr>
+        </p:nvSpPr>
+        <p:spPr/>
+        <p:txBody>
+          <a:bodyPr/>
+          <a:lstStyle/>
+          <a:p>
+            <a:endParaRPr lang="en-US" dirty="0"/>
+          </a:p>
+        </p:txBody>
+      </p:sp>
       <p:pic>
         <p:nvPicPr>
-          <p:cNvPr id="2" name="Picture 1">
-            <a:extLst>
-              <a:ext uri="{FF2B5EF4-FFF2-40B4-BE49-F238E27FC236}">
-                <a16:creationId xmlns:a16="http://schemas.microsoft.com/office/drawing/2014/main" id="{73B07CC5-72FC-4ED2-8763-F1A1688C8824}"/>
+          <p:cNvPr id="5" name="Content Placeholder 4">
+            <a:extLst>
+              <a:ext uri="{FF2B5EF4-FFF2-40B4-BE49-F238E27FC236}">
+                <a16:creationId xmlns:a16="http://schemas.microsoft.com/office/drawing/2014/main" id="{7A7CADB1-94D0-EE11-F1A8-8DAC5D7F1C3C}"/>
               </a:ext>
             </a:extLst>
           </p:cNvPr>
           <p:cNvPicPr>
-            <a:picLocks noChangeAspect="1"/>
+            <a:picLocks noGrp="1" noChangeAspect="1"/>
           </p:cNvPicPr>
-          <p:nvPr/>
+          <p:nvPr>
+            <p:ph idx="1"/>
+          </p:nvPr>
         </p:nvPicPr>
-        <p:blipFill rotWithShape="1">
+        <p:blipFill>
           <a:blip r:embed="rId2"/>
-          <a:srcRect l="18902" r="23220" b="44713"/>
-          <a:stretch/>
+          <a:stretch>
+            <a:fillRect/>
+          </a:stretch>
         </p:blipFill>
         <p:spPr>
           <a:xfrm>
-            <a:off x="0" y="55660"/>
-            <a:ext cx="4697130" cy="6345141"/>
-          </a:xfrm>
-          <a:prstGeom prst="rect">
-            <a:avLst/>
-          </a:prstGeom>
+            <a:off x="1097280" y="-14438"/>
+            <a:ext cx="10178727" cy="6485117"/>
+          </a:xfrm>
         </p:spPr>
       </p:pic>
-      <p:sp>
-        <p:nvSpPr>
-          <p:cNvPr id="3" name="TextBox 2">
-            <a:extLst>
-              <a:ext uri="{FF2B5EF4-FFF2-40B4-BE49-F238E27FC236}">
-                <a16:creationId xmlns:a16="http://schemas.microsoft.com/office/drawing/2014/main" id="{88671C2C-78FD-43FF-9C7D-4257ECBA019E}"/>
-              </a:ext>
-            </a:extLst>
-          </p:cNvPr>
-          <p:cNvSpPr txBox="1"/>
-          <p:nvPr/>
-        </p:nvSpPr>
-        <p:spPr>
-          <a:xfrm>
-            <a:off x="4613081" y="0"/>
-            <a:ext cx="2965837" cy="1569660"/>
-          </a:xfrm>
-          <a:prstGeom prst="rect">
-            <a:avLst/>
-          </a:prstGeom>
-          <a:noFill/>
-        </p:spPr>
-        <p:txBody>
-          <a:bodyPr wrap="square" rtlCol="0">
-            <a:spAutoFit/>
-          </a:bodyPr>
-          <a:lstStyle/>
-          <a:p>
-            <a:pPr marL="514350" indent="-514350">
-              <a:buAutoNum type="arabicPeriod"/>
-            </a:pPr>
-            <a:r>
-              <a:rPr lang="en-US" sz="3200" dirty="0"/>
-              <a:t>Home page</a:t>
-            </a:r>
-          </a:p>
-          <a:p>
-            <a:pPr marL="457200" indent="-457200">
-              <a:buFont typeface="Arial" panose="020B0604020202020204" pitchFamily="34" charset="0"/>
-              <a:buChar char="•"/>
-            </a:pPr>
-            <a:r>
-              <a:rPr lang="en-US" sz="1600" dirty="0"/>
-              <a:t>Number of Patients</a:t>
-            </a:r>
-          </a:p>
-          <a:p>
-            <a:pPr marL="457200" indent="-457200">
-              <a:buFont typeface="Arial" panose="020B0604020202020204" pitchFamily="34" charset="0"/>
-              <a:buChar char="•"/>
-            </a:pPr>
-            <a:r>
-              <a:rPr lang="en-US" sz="1600" dirty="0"/>
-              <a:t>Number of Doctors</a:t>
-            </a:r>
-          </a:p>
-          <a:p>
-            <a:pPr marL="457200" indent="-457200">
-              <a:buFont typeface="Arial" panose="020B0604020202020204" pitchFamily="34" charset="0"/>
-              <a:buChar char="•"/>
-            </a:pPr>
-            <a:r>
-              <a:rPr lang="en-US" sz="1600" dirty="0"/>
-              <a:t>On-going appointment/s</a:t>
-            </a:r>
-          </a:p>
-          <a:p>
-            <a:pPr marL="457200" indent="-457200">
-              <a:buFont typeface="Arial" panose="020B0604020202020204" pitchFamily="34" charset="0"/>
-              <a:buChar char="•"/>
-            </a:pPr>
-            <a:r>
-              <a:rPr lang="en-US" sz="1600" dirty="0"/>
-              <a:t>Pending Payment/s</a:t>
-            </a:r>
-          </a:p>
-        </p:txBody>
-      </p:sp>
     </p:spTree>
     <p:extLst>
       <p:ext uri="{BB962C8B-B14F-4D97-AF65-F5344CB8AC3E}">
-        <p14:creationId xmlns:p14="http://schemas.microsoft.com/office/powerpoint/2010/main" val="1692663604"/>
+        <p14:creationId xmlns:p14="http://schemas.microsoft.com/office/powerpoint/2010/main" val="3632622401"/>
       </p:ext>
     </p:extLst>
   </p:cSld>
@@ -7902,7 +7909,7 @@
           <p:cNvPr id="2" name="Picture 1">
             <a:extLst>
               <a:ext uri="{FF2B5EF4-FFF2-40B4-BE49-F238E27FC236}">
-                <a16:creationId xmlns:a16="http://schemas.microsoft.com/office/drawing/2014/main" id="{AE771346-FC70-4FFA-BE4A-8F3BD2536D95}"/>
+                <a16:creationId xmlns:a16="http://schemas.microsoft.com/office/drawing/2014/main" id="{73B07CC5-72FC-4ED2-8763-F1A1688C8824}"/>
               </a:ext>
             </a:extLst>
           </p:cNvPr>
@@ -7913,13 +7920,13 @@
         </p:nvPicPr>
         <p:blipFill rotWithShape="1">
           <a:blip r:embed="rId2"/>
-          <a:srcRect l="18871" r="22267" b="44867"/>
+          <a:srcRect l="18902" r="23220" b="44713"/>
           <a:stretch/>
         </p:blipFill>
         <p:spPr>
           <a:xfrm>
-            <a:off x="0" y="0"/>
-            <a:ext cx="4826330" cy="6392849"/>
+            <a:off x="0" y="55660"/>
+            <a:ext cx="4697130" cy="6345141"/>
           </a:xfrm>
           <a:prstGeom prst="rect">
             <a:avLst/>
@@ -7931,7 +7938,7 @@
           <p:cNvPr id="3" name="TextBox 2">
             <a:extLst>
               <a:ext uri="{FF2B5EF4-FFF2-40B4-BE49-F238E27FC236}">
-                <a16:creationId xmlns:a16="http://schemas.microsoft.com/office/drawing/2014/main" id="{ED23DB9B-F11E-42C6-8060-19959B9716C5}"/>
+                <a16:creationId xmlns:a16="http://schemas.microsoft.com/office/drawing/2014/main" id="{88671C2C-78FD-43FF-9C7D-4257ECBA019E}"/>
               </a:ext>
             </a:extLst>
           </p:cNvPr>
@@ -7969,7 +7976,7 @@
             </a:pPr>
             <a:r>
               <a:rPr lang="en-US" sz="1600" dirty="0"/>
-              <a:t>Number of patients</a:t>
+              <a:t>Number of Patients</a:t>
             </a:r>
           </a:p>
           <a:p>
@@ -8007,7 +8014,7 @@
     </p:spTree>
     <p:extLst>
       <p:ext uri="{BB962C8B-B14F-4D97-AF65-F5344CB8AC3E}">
-        <p14:creationId xmlns:p14="http://schemas.microsoft.com/office/powerpoint/2010/main" val="4251833062"/>
+        <p14:creationId xmlns:p14="http://schemas.microsoft.com/office/powerpoint/2010/main" val="1692663604"/>
       </p:ext>
     </p:extLst>
   </p:cSld>
@@ -8039,7 +8046,7 @@
           <p:cNvPr id="2" name="Picture 1">
             <a:extLst>
               <a:ext uri="{FF2B5EF4-FFF2-40B4-BE49-F238E27FC236}">
-                <a16:creationId xmlns:a16="http://schemas.microsoft.com/office/drawing/2014/main" id="{F2FE8B03-FC54-4EA3-B17A-E5796C130C1C}"/>
+                <a16:creationId xmlns:a16="http://schemas.microsoft.com/office/drawing/2014/main" id="{AE771346-FC70-4FFA-BE4A-8F3BD2536D95}"/>
               </a:ext>
             </a:extLst>
           </p:cNvPr>
@@ -8050,13 +8057,13 @@
         </p:nvPicPr>
         <p:blipFill rotWithShape="1">
           <a:blip r:embed="rId2"/>
-          <a:srcRect l="18454" r="22640" b="44713"/>
+          <a:srcRect l="18871" r="22267" b="44867"/>
           <a:stretch/>
         </p:blipFill>
         <p:spPr>
           <a:xfrm>
             <a:off x="0" y="0"/>
-            <a:ext cx="4810443" cy="6384897"/>
+            <a:ext cx="4826330" cy="6392849"/>
           </a:xfrm>
           <a:prstGeom prst="rect">
             <a:avLst/>
@@ -8068,7 +8075,7 @@
           <p:cNvPr id="3" name="TextBox 2">
             <a:extLst>
               <a:ext uri="{FF2B5EF4-FFF2-40B4-BE49-F238E27FC236}">
-                <a16:creationId xmlns:a16="http://schemas.microsoft.com/office/drawing/2014/main" id="{7C20166F-164D-435D-9A26-F88E7C9F03E9}"/>
+                <a16:creationId xmlns:a16="http://schemas.microsoft.com/office/drawing/2014/main" id="{ED23DB9B-F11E-42C6-8060-19959B9716C5}"/>
               </a:ext>
             </a:extLst>
           </p:cNvPr>
@@ -8077,8 +8084,8 @@
         </p:nvSpPr>
         <p:spPr>
           <a:xfrm>
-            <a:off x="4978400" y="375920"/>
-            <a:ext cx="4348480" cy="1754326"/>
+            <a:off x="4613081" y="0"/>
+            <a:ext cx="2965837" cy="1569660"/>
           </a:xfrm>
           <a:prstGeom prst="rect">
             <a:avLst/>
@@ -8091,95 +8098,60 @@
           </a:bodyPr>
           <a:lstStyle/>
           <a:p>
-            <a:r>
-              <a:rPr lang="en-US" dirty="0"/>
-              <a:t>Purpose           Manage Patient Records</a:t>
-            </a:r>
-          </a:p>
-          <a:p>
-            <a:endParaRPr lang="en-US" dirty="0"/>
-          </a:p>
-          <a:p>
-            <a:r>
-              <a:rPr lang="en-US" dirty="0"/>
-              <a:t>Features:</a:t>
-            </a:r>
-          </a:p>
-          <a:p>
-            <a:pPr marL="285750" indent="-285750">
+            <a:pPr marL="514350" indent="-514350">
+              <a:buAutoNum type="arabicPeriod"/>
+            </a:pPr>
+            <a:r>
+              <a:rPr lang="en-US" sz="3200" dirty="0"/>
+              <a:t>Home page</a:t>
+            </a:r>
+          </a:p>
+          <a:p>
+            <a:pPr marL="457200" indent="-457200">
               <a:buFont typeface="Arial" panose="020B0604020202020204" pitchFamily="34" charset="0"/>
               <a:buChar char="•"/>
             </a:pPr>
             <a:r>
-              <a:rPr lang="en-US" dirty="0"/>
-              <a:t>Edit</a:t>
-            </a:r>
-          </a:p>
-          <a:p>
-            <a:pPr marL="285750" indent="-285750">
+              <a:rPr lang="en-US" sz="1600" dirty="0"/>
+              <a:t>Number of patients</a:t>
+            </a:r>
+          </a:p>
+          <a:p>
+            <a:pPr marL="457200" indent="-457200">
               <a:buFont typeface="Arial" panose="020B0604020202020204" pitchFamily="34" charset="0"/>
               <a:buChar char="•"/>
             </a:pPr>
             <a:r>
-              <a:rPr lang="en-US" dirty="0"/>
-              <a:t>Create</a:t>
-            </a:r>
-          </a:p>
-          <a:p>
-            <a:pPr marL="285750" indent="-285750">
+              <a:rPr lang="en-US" sz="1600" dirty="0"/>
+              <a:t>Number of Doctors</a:t>
+            </a:r>
+          </a:p>
+          <a:p>
+            <a:pPr marL="457200" indent="-457200">
               <a:buFont typeface="Arial" panose="020B0604020202020204" pitchFamily="34" charset="0"/>
               <a:buChar char="•"/>
             </a:pPr>
             <a:r>
-              <a:rPr lang="en-US" dirty="0"/>
-              <a:t>Search</a:t>
+              <a:rPr lang="en-US" sz="1600" dirty="0"/>
+              <a:t>On-going appointment/s</a:t>
+            </a:r>
+          </a:p>
+          <a:p>
+            <a:pPr marL="457200" indent="-457200">
+              <a:buFont typeface="Arial" panose="020B0604020202020204" pitchFamily="34" charset="0"/>
+              <a:buChar char="•"/>
+            </a:pPr>
+            <a:r>
+              <a:rPr lang="en-US" sz="1600" dirty="0"/>
+              <a:t>Pending Payment/s</a:t>
             </a:r>
           </a:p>
         </p:txBody>
       </p:sp>
-      <p:cxnSp>
-        <p:nvCxnSpPr>
-          <p:cNvPr id="7" name="Straight Arrow Connector 6">
-            <a:extLst>
-              <a:ext uri="{FF2B5EF4-FFF2-40B4-BE49-F238E27FC236}">
-                <a16:creationId xmlns:a16="http://schemas.microsoft.com/office/drawing/2014/main" id="{E51332BB-DFFC-4B98-A1F5-1BF2E2777769}"/>
-              </a:ext>
-            </a:extLst>
-          </p:cNvPr>
-          <p:cNvCxnSpPr/>
-          <p:nvPr/>
-        </p:nvCxnSpPr>
-        <p:spPr>
-          <a:xfrm>
-            <a:off x="5943600" y="558800"/>
-            <a:ext cx="477520" cy="0"/>
-          </a:xfrm>
-          <a:prstGeom prst="straightConnector1">
-            <a:avLst/>
-          </a:prstGeom>
-          <a:ln>
-            <a:tailEnd type="triangle"/>
-          </a:ln>
-        </p:spPr>
-        <p:style>
-          <a:lnRef idx="1">
-            <a:schemeClr val="accent1"/>
-          </a:lnRef>
-          <a:fillRef idx="0">
-            <a:schemeClr val="accent1"/>
-          </a:fillRef>
-          <a:effectRef idx="0">
-            <a:schemeClr val="accent1"/>
-          </a:effectRef>
-          <a:fontRef idx="minor">
-            <a:schemeClr val="tx1"/>
-          </a:fontRef>
-        </p:style>
-      </p:cxnSp>
     </p:spTree>
     <p:extLst>
       <p:ext uri="{BB962C8B-B14F-4D97-AF65-F5344CB8AC3E}">
-        <p14:creationId xmlns:p14="http://schemas.microsoft.com/office/powerpoint/2010/main" val="1845853998"/>
+        <p14:creationId xmlns:p14="http://schemas.microsoft.com/office/powerpoint/2010/main" val="4251833062"/>
       </p:ext>
     </p:extLst>
   </p:cSld>
@@ -8235,214 +8207,12 @@
           </a:prstGeom>
         </p:spPr>
       </p:pic>
-      <p:pic>
-        <p:nvPicPr>
-          <p:cNvPr id="4" name="Picture 3">
-            <a:extLst>
-              <a:ext uri="{FF2B5EF4-FFF2-40B4-BE49-F238E27FC236}">
-                <a16:creationId xmlns:a16="http://schemas.microsoft.com/office/drawing/2014/main" id="{09F3A48E-BE87-4BCD-A88A-E8D433AF0C82}"/>
-              </a:ext>
-            </a:extLst>
-          </p:cNvPr>
-          <p:cNvPicPr>
-            <a:picLocks noChangeAspect="1"/>
-          </p:cNvPicPr>
-          <p:nvPr/>
-        </p:nvPicPr>
-        <p:blipFill>
-          <a:blip r:embed="rId3"/>
-          <a:stretch>
-            <a:fillRect/>
-          </a:stretch>
-        </p:blipFill>
-        <p:spPr>
-          <a:xfrm>
-            <a:off x="4829117" y="3375581"/>
-            <a:ext cx="6482692" cy="969062"/>
-          </a:xfrm>
-          <a:prstGeom prst="rect">
-            <a:avLst/>
-          </a:prstGeom>
-        </p:spPr>
-      </p:pic>
-      <p:cxnSp>
-        <p:nvCxnSpPr>
-          <p:cNvPr id="6" name="Straight Arrow Connector 5">
-            <a:extLst>
-              <a:ext uri="{FF2B5EF4-FFF2-40B4-BE49-F238E27FC236}">
-                <a16:creationId xmlns:a16="http://schemas.microsoft.com/office/drawing/2014/main" id="{83A460D7-CC65-4C4B-857B-A5C9C803BE3C}"/>
-              </a:ext>
-            </a:extLst>
-          </p:cNvPr>
-          <p:cNvCxnSpPr>
-            <a:cxnSpLocks/>
-          </p:cNvCxnSpPr>
-          <p:nvPr/>
-        </p:nvCxnSpPr>
-        <p:spPr>
-          <a:xfrm flipV="1">
-            <a:off x="1065475" y="3665551"/>
-            <a:ext cx="3744968" cy="1338902"/>
-          </a:xfrm>
-          <a:prstGeom prst="straightConnector1">
-            <a:avLst/>
-          </a:prstGeom>
-          <a:ln>
-            <a:tailEnd type="triangle"/>
-          </a:ln>
-        </p:spPr>
-        <p:style>
-          <a:lnRef idx="1">
-            <a:schemeClr val="accent1"/>
-          </a:lnRef>
-          <a:fillRef idx="0">
-            <a:schemeClr val="accent1"/>
-          </a:fillRef>
-          <a:effectRef idx="0">
-            <a:schemeClr val="accent1"/>
-          </a:effectRef>
-          <a:fontRef idx="minor">
-            <a:schemeClr val="tx1"/>
-          </a:fontRef>
-        </p:style>
-      </p:cxnSp>
-      <p:pic>
-        <p:nvPicPr>
-          <p:cNvPr id="8" name="Picture 7">
-            <a:extLst>
-              <a:ext uri="{FF2B5EF4-FFF2-40B4-BE49-F238E27FC236}">
-                <a16:creationId xmlns:a16="http://schemas.microsoft.com/office/drawing/2014/main" id="{07234769-99B5-4126-99D4-A9C2196CB285}"/>
-              </a:ext>
-            </a:extLst>
-          </p:cNvPr>
-          <p:cNvPicPr>
-            <a:picLocks noChangeAspect="1"/>
-          </p:cNvPicPr>
-          <p:nvPr/>
-        </p:nvPicPr>
-        <p:blipFill>
-          <a:blip r:embed="rId4"/>
-          <a:stretch>
-            <a:fillRect/>
-          </a:stretch>
-        </p:blipFill>
-        <p:spPr>
-          <a:xfrm>
-            <a:off x="9139362" y="81011"/>
-            <a:ext cx="2362529" cy="1730179"/>
-          </a:xfrm>
-          <a:prstGeom prst="rect">
-            <a:avLst/>
-          </a:prstGeom>
-        </p:spPr>
-      </p:pic>
-      <p:pic>
-        <p:nvPicPr>
-          <p:cNvPr id="10" name="Picture 9">
-            <a:extLst>
-              <a:ext uri="{FF2B5EF4-FFF2-40B4-BE49-F238E27FC236}">
-                <a16:creationId xmlns:a16="http://schemas.microsoft.com/office/drawing/2014/main" id="{9A7F0C47-65AD-4669-824B-19EDB085D012}"/>
-              </a:ext>
-            </a:extLst>
-          </p:cNvPr>
-          <p:cNvPicPr>
-            <a:picLocks noChangeAspect="1"/>
-          </p:cNvPicPr>
-          <p:nvPr/>
-        </p:nvPicPr>
-        <p:blipFill>
-          <a:blip r:embed="rId5"/>
-          <a:stretch>
-            <a:fillRect/>
-          </a:stretch>
-        </p:blipFill>
-        <p:spPr>
-          <a:xfrm>
-            <a:off x="6013862" y="4873380"/>
-            <a:ext cx="5557820" cy="1154010"/>
-          </a:xfrm>
-          <a:prstGeom prst="rect">
-            <a:avLst/>
-          </a:prstGeom>
-        </p:spPr>
-      </p:pic>
-      <p:pic>
-        <p:nvPicPr>
-          <p:cNvPr id="21" name="Picture 20">
-            <a:extLst>
-              <a:ext uri="{FF2B5EF4-FFF2-40B4-BE49-F238E27FC236}">
-                <a16:creationId xmlns:a16="http://schemas.microsoft.com/office/drawing/2014/main" id="{BBF8EF5D-9631-47C1-8578-17557EB71F72}"/>
-              </a:ext>
-            </a:extLst>
-          </p:cNvPr>
-          <p:cNvPicPr>
-            <a:picLocks noChangeAspect="1"/>
-          </p:cNvPicPr>
-          <p:nvPr/>
-        </p:nvPicPr>
-        <p:blipFill>
-          <a:blip r:embed="rId6"/>
-          <a:stretch>
-            <a:fillRect/>
-          </a:stretch>
-        </p:blipFill>
-        <p:spPr>
-          <a:xfrm>
-            <a:off x="4754021" y="83219"/>
-            <a:ext cx="3104766" cy="1087617"/>
-          </a:xfrm>
-          <a:prstGeom prst="rect">
-            <a:avLst/>
-          </a:prstGeom>
-        </p:spPr>
-      </p:pic>
-      <p:cxnSp>
-        <p:nvCxnSpPr>
-          <p:cNvPr id="24" name="Straight Arrow Connector 23">
-            <a:extLst>
-              <a:ext uri="{FF2B5EF4-FFF2-40B4-BE49-F238E27FC236}">
-                <a16:creationId xmlns:a16="http://schemas.microsoft.com/office/drawing/2014/main" id="{28D125BD-544F-48AE-A039-E62F104314D8}"/>
-              </a:ext>
-            </a:extLst>
-          </p:cNvPr>
-          <p:cNvCxnSpPr>
-            <a:cxnSpLocks/>
-          </p:cNvCxnSpPr>
-          <p:nvPr/>
-        </p:nvCxnSpPr>
-        <p:spPr>
-          <a:xfrm flipV="1">
-            <a:off x="2202511" y="1252509"/>
-            <a:ext cx="2626606" cy="1490691"/>
-          </a:xfrm>
-          <a:prstGeom prst="straightConnector1">
-            <a:avLst/>
-          </a:prstGeom>
-          <a:ln>
-            <a:tailEnd type="triangle"/>
-          </a:ln>
-        </p:spPr>
-        <p:style>
-          <a:lnRef idx="1">
-            <a:schemeClr val="accent1"/>
-          </a:lnRef>
-          <a:fillRef idx="0">
-            <a:schemeClr val="accent1"/>
-          </a:fillRef>
-          <a:effectRef idx="0">
-            <a:schemeClr val="accent1"/>
-          </a:effectRef>
-          <a:fontRef idx="minor">
-            <a:schemeClr val="tx1"/>
-          </a:fontRef>
-        </p:style>
-      </p:cxnSp>
       <p:sp>
         <p:nvSpPr>
-          <p:cNvPr id="25" name="TextBox 24">
-            <a:extLst>
-              <a:ext uri="{FF2B5EF4-FFF2-40B4-BE49-F238E27FC236}">
-                <a16:creationId xmlns:a16="http://schemas.microsoft.com/office/drawing/2014/main" id="{28075644-A6DD-4790-9965-93CF39ED55FF}"/>
+          <p:cNvPr id="3" name="TextBox 2">
+            <a:extLst>
+              <a:ext uri="{FF2B5EF4-FFF2-40B4-BE49-F238E27FC236}">
+                <a16:creationId xmlns:a16="http://schemas.microsoft.com/office/drawing/2014/main" id="{7C20166F-164D-435D-9A26-F88E7C9F03E9}"/>
               </a:ext>
             </a:extLst>
           </p:cNvPr>
@@ -8451,8 +8221,8 @@
         </p:nvSpPr>
         <p:spPr>
           <a:xfrm>
-            <a:off x="4613799" y="1753210"/>
-            <a:ext cx="5850117" cy="451535"/>
+            <a:off x="4978400" y="375920"/>
+            <a:ext cx="4348480" cy="1754326"/>
           </a:xfrm>
           <a:prstGeom prst="rect">
             <a:avLst/>
@@ -8465,170 +8235,68 @@
           </a:bodyPr>
           <a:lstStyle/>
           <a:p>
-            <a:pPr>
-              <a:lnSpc>
-                <a:spcPct val="150000"/>
-              </a:lnSpc>
+            <a:r>
+              <a:rPr lang="en-US" dirty="0"/>
+              <a:t>Purpose           Manage Patient Records</a:t>
+            </a:r>
+          </a:p>
+          <a:p>
+            <a:endParaRPr lang="en-US" dirty="0"/>
+          </a:p>
+          <a:p>
+            <a:r>
+              <a:rPr lang="en-US" dirty="0"/>
+              <a:t>Features:</a:t>
+            </a:r>
+          </a:p>
+          <a:p>
+            <a:pPr marL="285750" indent="-285750">
+              <a:buFont typeface="Arial" panose="020B0604020202020204" pitchFamily="34" charset="0"/>
+              <a:buChar char="•"/>
             </a:pPr>
             <a:r>
-              <a:rPr lang="en-US" sz="800" b="1" i="0" dirty="0">
-                <a:solidFill>
-                  <a:srgbClr val="1F1F1F"/>
-                </a:solidFill>
-                <a:effectLst/>
-                <a:latin typeface="Courier New" panose="02070309020205020404" pitchFamily="49" charset="0"/>
-              </a:rPr>
-              <a:t>   PatientID FirstName LastName DateOfBirth Gender ContactInfo        Address MedicalHistory </a:t>
-            </a:r>
-          </a:p>
-          <a:p>
-            <a:pPr>
-              <a:lnSpc>
-                <a:spcPct val="150000"/>
-              </a:lnSpc>
+              <a:rPr lang="en-US" dirty="0"/>
+              <a:t>Edit</a:t>
+            </a:r>
+          </a:p>
+          <a:p>
+            <a:pPr marL="285750" indent="-285750">
+              <a:buFont typeface="Arial" panose="020B0604020202020204" pitchFamily="34" charset="0"/>
+              <a:buChar char="•"/>
             </a:pPr>
             <a:r>
-              <a:rPr lang="en-US" sz="800" b="1" i="0" dirty="0">
-                <a:solidFill>
-                  <a:srgbClr val="1F1F1F"/>
-                </a:solidFill>
-                <a:effectLst/>
-                <a:latin typeface="Courier New" panose="02070309020205020404" pitchFamily="49" charset="0"/>
-              </a:rPr>
-              <a:t>0          1      John      Doe  1980-05-15   Male 555-999-888 Wolf Street 29       Diabetes</a:t>
-            </a:r>
-            <a:endParaRPr lang="en-US" sz="800" b="1" dirty="0"/>
+              <a:rPr lang="en-US" dirty="0"/>
+              <a:t>Create</a:t>
+            </a:r>
+          </a:p>
+          <a:p>
+            <a:pPr marL="285750" indent="-285750">
+              <a:buFont typeface="Arial" panose="020B0604020202020204" pitchFamily="34" charset="0"/>
+              <a:buChar char="•"/>
+            </a:pPr>
+            <a:r>
+              <a:rPr lang="en-US" dirty="0"/>
+              <a:t>Search</a:t>
+            </a:r>
           </a:p>
         </p:txBody>
       </p:sp>
       <p:cxnSp>
         <p:nvCxnSpPr>
-          <p:cNvPr id="27" name="Straight Arrow Connector 26">
-            <a:extLst>
-              <a:ext uri="{FF2B5EF4-FFF2-40B4-BE49-F238E27FC236}">
-                <a16:creationId xmlns:a16="http://schemas.microsoft.com/office/drawing/2014/main" id="{60212F13-DF2D-4CD5-9B90-EE34E8FDC921}"/>
-              </a:ext>
-            </a:extLst>
-          </p:cNvPr>
-          <p:cNvCxnSpPr>
-            <a:stCxn id="21" idx="2"/>
-          </p:cNvCxnSpPr>
+          <p:cNvPr id="7" name="Straight Arrow Connector 6">
+            <a:extLst>
+              <a:ext uri="{FF2B5EF4-FFF2-40B4-BE49-F238E27FC236}">
+                <a16:creationId xmlns:a16="http://schemas.microsoft.com/office/drawing/2014/main" id="{E51332BB-DFFC-4B98-A1F5-1BF2E2777769}"/>
+              </a:ext>
+            </a:extLst>
+          </p:cNvPr>
+          <p:cNvCxnSpPr/>
           <p:nvPr/>
         </p:nvCxnSpPr>
         <p:spPr>
           <a:xfrm>
-            <a:off x="6306404" y="1170836"/>
-            <a:ext cx="420399" cy="451535"/>
-          </a:xfrm>
-          <a:prstGeom prst="straightConnector1">
-            <a:avLst/>
-          </a:prstGeom>
-          <a:ln>
-            <a:tailEnd type="triangle"/>
-          </a:ln>
-        </p:spPr>
-        <p:style>
-          <a:lnRef idx="1">
-            <a:schemeClr val="accent1"/>
-          </a:lnRef>
-          <a:fillRef idx="0">
-            <a:schemeClr val="accent1"/>
-          </a:fillRef>
-          <a:effectRef idx="0">
-            <a:schemeClr val="accent1"/>
-          </a:effectRef>
-          <a:fontRef idx="minor">
-            <a:schemeClr val="tx1"/>
-          </a:fontRef>
-        </p:style>
-      </p:cxnSp>
-      <p:cxnSp>
-        <p:nvCxnSpPr>
-          <p:cNvPr id="32" name="Straight Arrow Connector 31">
-            <a:extLst>
-              <a:ext uri="{FF2B5EF4-FFF2-40B4-BE49-F238E27FC236}">
-                <a16:creationId xmlns:a16="http://schemas.microsoft.com/office/drawing/2014/main" id="{2161D159-A819-4185-8D67-2EA8FEBAC076}"/>
-              </a:ext>
-            </a:extLst>
-          </p:cNvPr>
-          <p:cNvCxnSpPr/>
-          <p:nvPr/>
-        </p:nvCxnSpPr>
-        <p:spPr>
-          <a:xfrm flipH="1" flipV="1">
-            <a:off x="8269357" y="4253948"/>
-            <a:ext cx="166977" cy="469127"/>
-          </a:xfrm>
-          <a:prstGeom prst="straightConnector1">
-            <a:avLst/>
-          </a:prstGeom>
-          <a:ln>
-            <a:tailEnd type="triangle"/>
-          </a:ln>
-        </p:spPr>
-        <p:style>
-          <a:lnRef idx="1">
-            <a:schemeClr val="accent1"/>
-          </a:lnRef>
-          <a:fillRef idx="0">
-            <a:schemeClr val="accent1"/>
-          </a:fillRef>
-          <a:effectRef idx="0">
-            <a:schemeClr val="accent1"/>
-          </a:effectRef>
-          <a:fontRef idx="minor">
-            <a:schemeClr val="tx1"/>
-          </a:fontRef>
-        </p:style>
-      </p:cxnSp>
-      <p:pic>
-        <p:nvPicPr>
-          <p:cNvPr id="36" name="Picture 35">
-            <a:extLst>
-              <a:ext uri="{FF2B5EF4-FFF2-40B4-BE49-F238E27FC236}">
-                <a16:creationId xmlns:a16="http://schemas.microsoft.com/office/drawing/2014/main" id="{F5EAF6DC-C1E2-4A5C-9460-46C045D1BB6A}"/>
-              </a:ext>
-            </a:extLst>
-          </p:cNvPr>
-          <p:cNvPicPr>
-            <a:picLocks noChangeAspect="1"/>
-          </p:cNvPicPr>
-          <p:nvPr/>
-        </p:nvPicPr>
-        <p:blipFill>
-          <a:blip r:embed="rId7"/>
-          <a:stretch>
-            <a:fillRect/>
-          </a:stretch>
-        </p:blipFill>
-        <p:spPr>
-          <a:xfrm>
-            <a:off x="5292078" y="2574396"/>
-            <a:ext cx="4915586" cy="362001"/>
-          </a:xfrm>
-          <a:prstGeom prst="rect">
-            <a:avLst/>
-          </a:prstGeom>
-        </p:spPr>
-      </p:pic>
-      <p:cxnSp>
-        <p:nvCxnSpPr>
-          <p:cNvPr id="38" name="Straight Arrow Connector 37">
-            <a:extLst>
-              <a:ext uri="{FF2B5EF4-FFF2-40B4-BE49-F238E27FC236}">
-                <a16:creationId xmlns:a16="http://schemas.microsoft.com/office/drawing/2014/main" id="{7FD734AE-32A4-47F7-94B7-87A0A6A5A6FD}"/>
-              </a:ext>
-            </a:extLst>
-          </p:cNvPr>
-          <p:cNvCxnSpPr>
-            <a:endCxn id="36" idx="1"/>
-          </p:cNvCxnSpPr>
-          <p:nvPr/>
-        </p:nvCxnSpPr>
-        <p:spPr>
-          <a:xfrm flipV="1">
-            <a:off x="4142630" y="2755397"/>
-            <a:ext cx="1149448" cy="1597461"/>
+            <a:off x="5943600" y="558800"/>
+            <a:ext cx="477520" cy="0"/>
           </a:xfrm>
           <a:prstGeom prst="straightConnector1">
             <a:avLst/>
@@ -8655,7 +8323,7 @@
     </p:spTree>
     <p:extLst>
       <p:ext uri="{BB962C8B-B14F-4D97-AF65-F5344CB8AC3E}">
-        <p14:creationId xmlns:p14="http://schemas.microsoft.com/office/powerpoint/2010/main" val="2135890023"/>
+        <p14:creationId xmlns:p14="http://schemas.microsoft.com/office/powerpoint/2010/main" val="1845853998"/>
       </p:ext>
     </p:extLst>
   </p:cSld>
@@ -8687,7 +8355,7 @@
           <p:cNvPr id="2" name="Picture 1">
             <a:extLst>
               <a:ext uri="{FF2B5EF4-FFF2-40B4-BE49-F238E27FC236}">
-                <a16:creationId xmlns:a16="http://schemas.microsoft.com/office/drawing/2014/main" id="{60D19DF5-34A0-4D78-9018-24F57B9F00B7}"/>
+                <a16:creationId xmlns:a16="http://schemas.microsoft.com/office/drawing/2014/main" id="{F2FE8B03-FC54-4EA3-B17A-E5796C130C1C}"/>
               </a:ext>
             </a:extLst>
           </p:cNvPr>
@@ -8698,23 +8366,440 @@
         </p:nvPicPr>
         <p:blipFill rotWithShape="1">
           <a:blip r:embed="rId2"/>
-          <a:srcRect l="18148" r="23153" b="44559"/>
+          <a:srcRect l="18454" r="22640" b="44713"/>
           <a:stretch/>
         </p:blipFill>
         <p:spPr>
           <a:xfrm>
             <a:off x="0" y="0"/>
-            <a:ext cx="4774282" cy="6376946"/>
+            <a:ext cx="4810443" cy="6384897"/>
           </a:xfrm>
           <a:prstGeom prst="rect">
             <a:avLst/>
           </a:prstGeom>
         </p:spPr>
       </p:pic>
+      <p:pic>
+        <p:nvPicPr>
+          <p:cNvPr id="4" name="Picture 3">
+            <a:extLst>
+              <a:ext uri="{FF2B5EF4-FFF2-40B4-BE49-F238E27FC236}">
+                <a16:creationId xmlns:a16="http://schemas.microsoft.com/office/drawing/2014/main" id="{09F3A48E-BE87-4BCD-A88A-E8D433AF0C82}"/>
+              </a:ext>
+            </a:extLst>
+          </p:cNvPr>
+          <p:cNvPicPr>
+            <a:picLocks noChangeAspect="1"/>
+          </p:cNvPicPr>
+          <p:nvPr/>
+        </p:nvPicPr>
+        <p:blipFill>
+          <a:blip r:embed="rId3"/>
+          <a:stretch>
+            <a:fillRect/>
+          </a:stretch>
+        </p:blipFill>
+        <p:spPr>
+          <a:xfrm>
+            <a:off x="4829117" y="3375581"/>
+            <a:ext cx="6482692" cy="969062"/>
+          </a:xfrm>
+          <a:prstGeom prst="rect">
+            <a:avLst/>
+          </a:prstGeom>
+        </p:spPr>
+      </p:pic>
+      <p:cxnSp>
+        <p:nvCxnSpPr>
+          <p:cNvPr id="6" name="Straight Arrow Connector 5">
+            <a:extLst>
+              <a:ext uri="{FF2B5EF4-FFF2-40B4-BE49-F238E27FC236}">
+                <a16:creationId xmlns:a16="http://schemas.microsoft.com/office/drawing/2014/main" id="{83A460D7-CC65-4C4B-857B-A5C9C803BE3C}"/>
+              </a:ext>
+            </a:extLst>
+          </p:cNvPr>
+          <p:cNvCxnSpPr>
+            <a:cxnSpLocks/>
+          </p:cNvCxnSpPr>
+          <p:nvPr/>
+        </p:nvCxnSpPr>
+        <p:spPr>
+          <a:xfrm flipV="1">
+            <a:off x="1065475" y="3665551"/>
+            <a:ext cx="3744968" cy="1338902"/>
+          </a:xfrm>
+          <a:prstGeom prst="straightConnector1">
+            <a:avLst/>
+          </a:prstGeom>
+          <a:ln>
+            <a:tailEnd type="triangle"/>
+          </a:ln>
+        </p:spPr>
+        <p:style>
+          <a:lnRef idx="1">
+            <a:schemeClr val="accent1"/>
+          </a:lnRef>
+          <a:fillRef idx="0">
+            <a:schemeClr val="accent1"/>
+          </a:fillRef>
+          <a:effectRef idx="0">
+            <a:schemeClr val="accent1"/>
+          </a:effectRef>
+          <a:fontRef idx="minor">
+            <a:schemeClr val="tx1"/>
+          </a:fontRef>
+        </p:style>
+      </p:cxnSp>
+      <p:pic>
+        <p:nvPicPr>
+          <p:cNvPr id="8" name="Picture 7">
+            <a:extLst>
+              <a:ext uri="{FF2B5EF4-FFF2-40B4-BE49-F238E27FC236}">
+                <a16:creationId xmlns:a16="http://schemas.microsoft.com/office/drawing/2014/main" id="{07234769-99B5-4126-99D4-A9C2196CB285}"/>
+              </a:ext>
+            </a:extLst>
+          </p:cNvPr>
+          <p:cNvPicPr>
+            <a:picLocks noChangeAspect="1"/>
+          </p:cNvPicPr>
+          <p:nvPr/>
+        </p:nvPicPr>
+        <p:blipFill>
+          <a:blip r:embed="rId4"/>
+          <a:stretch>
+            <a:fillRect/>
+          </a:stretch>
+        </p:blipFill>
+        <p:spPr>
+          <a:xfrm>
+            <a:off x="9139362" y="81011"/>
+            <a:ext cx="2362529" cy="1730179"/>
+          </a:xfrm>
+          <a:prstGeom prst="rect">
+            <a:avLst/>
+          </a:prstGeom>
+        </p:spPr>
+      </p:pic>
+      <p:pic>
+        <p:nvPicPr>
+          <p:cNvPr id="10" name="Picture 9">
+            <a:extLst>
+              <a:ext uri="{FF2B5EF4-FFF2-40B4-BE49-F238E27FC236}">
+                <a16:creationId xmlns:a16="http://schemas.microsoft.com/office/drawing/2014/main" id="{9A7F0C47-65AD-4669-824B-19EDB085D012}"/>
+              </a:ext>
+            </a:extLst>
+          </p:cNvPr>
+          <p:cNvPicPr>
+            <a:picLocks noChangeAspect="1"/>
+          </p:cNvPicPr>
+          <p:nvPr/>
+        </p:nvPicPr>
+        <p:blipFill>
+          <a:blip r:embed="rId5"/>
+          <a:stretch>
+            <a:fillRect/>
+          </a:stretch>
+        </p:blipFill>
+        <p:spPr>
+          <a:xfrm>
+            <a:off x="6013862" y="4873380"/>
+            <a:ext cx="5557820" cy="1154010"/>
+          </a:xfrm>
+          <a:prstGeom prst="rect">
+            <a:avLst/>
+          </a:prstGeom>
+        </p:spPr>
+      </p:pic>
+      <p:pic>
+        <p:nvPicPr>
+          <p:cNvPr id="21" name="Picture 20">
+            <a:extLst>
+              <a:ext uri="{FF2B5EF4-FFF2-40B4-BE49-F238E27FC236}">
+                <a16:creationId xmlns:a16="http://schemas.microsoft.com/office/drawing/2014/main" id="{BBF8EF5D-9631-47C1-8578-17557EB71F72}"/>
+              </a:ext>
+            </a:extLst>
+          </p:cNvPr>
+          <p:cNvPicPr>
+            <a:picLocks noChangeAspect="1"/>
+          </p:cNvPicPr>
+          <p:nvPr/>
+        </p:nvPicPr>
+        <p:blipFill>
+          <a:blip r:embed="rId6"/>
+          <a:stretch>
+            <a:fillRect/>
+          </a:stretch>
+        </p:blipFill>
+        <p:spPr>
+          <a:xfrm>
+            <a:off x="4754021" y="83219"/>
+            <a:ext cx="3104766" cy="1087617"/>
+          </a:xfrm>
+          <a:prstGeom prst="rect">
+            <a:avLst/>
+          </a:prstGeom>
+        </p:spPr>
+      </p:pic>
+      <p:cxnSp>
+        <p:nvCxnSpPr>
+          <p:cNvPr id="24" name="Straight Arrow Connector 23">
+            <a:extLst>
+              <a:ext uri="{FF2B5EF4-FFF2-40B4-BE49-F238E27FC236}">
+                <a16:creationId xmlns:a16="http://schemas.microsoft.com/office/drawing/2014/main" id="{28D125BD-544F-48AE-A039-E62F104314D8}"/>
+              </a:ext>
+            </a:extLst>
+          </p:cNvPr>
+          <p:cNvCxnSpPr>
+            <a:cxnSpLocks/>
+          </p:cNvCxnSpPr>
+          <p:nvPr/>
+        </p:nvCxnSpPr>
+        <p:spPr>
+          <a:xfrm flipV="1">
+            <a:off x="2202511" y="1252509"/>
+            <a:ext cx="2626606" cy="1490691"/>
+          </a:xfrm>
+          <a:prstGeom prst="straightConnector1">
+            <a:avLst/>
+          </a:prstGeom>
+          <a:ln>
+            <a:tailEnd type="triangle"/>
+          </a:ln>
+        </p:spPr>
+        <p:style>
+          <a:lnRef idx="1">
+            <a:schemeClr val="accent1"/>
+          </a:lnRef>
+          <a:fillRef idx="0">
+            <a:schemeClr val="accent1"/>
+          </a:fillRef>
+          <a:effectRef idx="0">
+            <a:schemeClr val="accent1"/>
+          </a:effectRef>
+          <a:fontRef idx="minor">
+            <a:schemeClr val="tx1"/>
+          </a:fontRef>
+        </p:style>
+      </p:cxnSp>
+      <p:sp>
+        <p:nvSpPr>
+          <p:cNvPr id="25" name="TextBox 24">
+            <a:extLst>
+              <a:ext uri="{FF2B5EF4-FFF2-40B4-BE49-F238E27FC236}">
+                <a16:creationId xmlns:a16="http://schemas.microsoft.com/office/drawing/2014/main" id="{28075644-A6DD-4790-9965-93CF39ED55FF}"/>
+              </a:ext>
+            </a:extLst>
+          </p:cNvPr>
+          <p:cNvSpPr txBox="1"/>
+          <p:nvPr/>
+        </p:nvSpPr>
+        <p:spPr>
+          <a:xfrm>
+            <a:off x="4613799" y="1753210"/>
+            <a:ext cx="5850117" cy="451535"/>
+          </a:xfrm>
+          <a:prstGeom prst="rect">
+            <a:avLst/>
+          </a:prstGeom>
+          <a:noFill/>
+        </p:spPr>
+        <p:txBody>
+          <a:bodyPr wrap="square" rtlCol="0">
+            <a:spAutoFit/>
+          </a:bodyPr>
+          <a:lstStyle/>
+          <a:p>
+            <a:pPr>
+              <a:lnSpc>
+                <a:spcPct val="150000"/>
+              </a:lnSpc>
+            </a:pPr>
+            <a:r>
+              <a:rPr lang="en-US" sz="800" b="1" i="0" dirty="0">
+                <a:solidFill>
+                  <a:srgbClr val="1F1F1F"/>
+                </a:solidFill>
+                <a:effectLst/>
+                <a:latin typeface="Courier New" panose="02070309020205020404" pitchFamily="49" charset="0"/>
+              </a:rPr>
+              <a:t>   PatientID FirstName LastName DateOfBirth Gender ContactInfo        Address MedicalHistory </a:t>
+            </a:r>
+          </a:p>
+          <a:p>
+            <a:pPr>
+              <a:lnSpc>
+                <a:spcPct val="150000"/>
+              </a:lnSpc>
+            </a:pPr>
+            <a:r>
+              <a:rPr lang="en-US" sz="800" b="1" i="0" dirty="0">
+                <a:solidFill>
+                  <a:srgbClr val="1F1F1F"/>
+                </a:solidFill>
+                <a:effectLst/>
+                <a:latin typeface="Courier New" panose="02070309020205020404" pitchFamily="49" charset="0"/>
+              </a:rPr>
+              <a:t>0          1      John      Doe  1980-05-15   Male 555-999-888 Wolf Street 29       Diabetes</a:t>
+            </a:r>
+            <a:endParaRPr lang="en-US" sz="800" b="1" dirty="0"/>
+          </a:p>
+        </p:txBody>
+      </p:sp>
+      <p:cxnSp>
+        <p:nvCxnSpPr>
+          <p:cNvPr id="27" name="Straight Arrow Connector 26">
+            <a:extLst>
+              <a:ext uri="{FF2B5EF4-FFF2-40B4-BE49-F238E27FC236}">
+                <a16:creationId xmlns:a16="http://schemas.microsoft.com/office/drawing/2014/main" id="{60212F13-DF2D-4CD5-9B90-EE34E8FDC921}"/>
+              </a:ext>
+            </a:extLst>
+          </p:cNvPr>
+          <p:cNvCxnSpPr>
+            <a:stCxn id="21" idx="2"/>
+          </p:cNvCxnSpPr>
+          <p:nvPr/>
+        </p:nvCxnSpPr>
+        <p:spPr>
+          <a:xfrm>
+            <a:off x="6306404" y="1170836"/>
+            <a:ext cx="420399" cy="451535"/>
+          </a:xfrm>
+          <a:prstGeom prst="straightConnector1">
+            <a:avLst/>
+          </a:prstGeom>
+          <a:ln>
+            <a:tailEnd type="triangle"/>
+          </a:ln>
+        </p:spPr>
+        <p:style>
+          <a:lnRef idx="1">
+            <a:schemeClr val="accent1"/>
+          </a:lnRef>
+          <a:fillRef idx="0">
+            <a:schemeClr val="accent1"/>
+          </a:fillRef>
+          <a:effectRef idx="0">
+            <a:schemeClr val="accent1"/>
+          </a:effectRef>
+          <a:fontRef idx="minor">
+            <a:schemeClr val="tx1"/>
+          </a:fontRef>
+        </p:style>
+      </p:cxnSp>
+      <p:cxnSp>
+        <p:nvCxnSpPr>
+          <p:cNvPr id="32" name="Straight Arrow Connector 31">
+            <a:extLst>
+              <a:ext uri="{FF2B5EF4-FFF2-40B4-BE49-F238E27FC236}">
+                <a16:creationId xmlns:a16="http://schemas.microsoft.com/office/drawing/2014/main" id="{2161D159-A819-4185-8D67-2EA8FEBAC076}"/>
+              </a:ext>
+            </a:extLst>
+          </p:cNvPr>
+          <p:cNvCxnSpPr/>
+          <p:nvPr/>
+        </p:nvCxnSpPr>
+        <p:spPr>
+          <a:xfrm flipH="1" flipV="1">
+            <a:off x="8269357" y="4253948"/>
+            <a:ext cx="166977" cy="469127"/>
+          </a:xfrm>
+          <a:prstGeom prst="straightConnector1">
+            <a:avLst/>
+          </a:prstGeom>
+          <a:ln>
+            <a:tailEnd type="triangle"/>
+          </a:ln>
+        </p:spPr>
+        <p:style>
+          <a:lnRef idx="1">
+            <a:schemeClr val="accent1"/>
+          </a:lnRef>
+          <a:fillRef idx="0">
+            <a:schemeClr val="accent1"/>
+          </a:fillRef>
+          <a:effectRef idx="0">
+            <a:schemeClr val="accent1"/>
+          </a:effectRef>
+          <a:fontRef idx="minor">
+            <a:schemeClr val="tx1"/>
+          </a:fontRef>
+        </p:style>
+      </p:cxnSp>
+      <p:pic>
+        <p:nvPicPr>
+          <p:cNvPr id="36" name="Picture 35">
+            <a:extLst>
+              <a:ext uri="{FF2B5EF4-FFF2-40B4-BE49-F238E27FC236}">
+                <a16:creationId xmlns:a16="http://schemas.microsoft.com/office/drawing/2014/main" id="{F5EAF6DC-C1E2-4A5C-9460-46C045D1BB6A}"/>
+              </a:ext>
+            </a:extLst>
+          </p:cNvPr>
+          <p:cNvPicPr>
+            <a:picLocks noChangeAspect="1"/>
+          </p:cNvPicPr>
+          <p:nvPr/>
+        </p:nvPicPr>
+        <p:blipFill>
+          <a:blip r:embed="rId7"/>
+          <a:stretch>
+            <a:fillRect/>
+          </a:stretch>
+        </p:blipFill>
+        <p:spPr>
+          <a:xfrm>
+            <a:off x="5292078" y="2574396"/>
+            <a:ext cx="4915586" cy="362001"/>
+          </a:xfrm>
+          <a:prstGeom prst="rect">
+            <a:avLst/>
+          </a:prstGeom>
+        </p:spPr>
+      </p:pic>
+      <p:cxnSp>
+        <p:nvCxnSpPr>
+          <p:cNvPr id="38" name="Straight Arrow Connector 37">
+            <a:extLst>
+              <a:ext uri="{FF2B5EF4-FFF2-40B4-BE49-F238E27FC236}">
+                <a16:creationId xmlns:a16="http://schemas.microsoft.com/office/drawing/2014/main" id="{7FD734AE-32A4-47F7-94B7-87A0A6A5A6FD}"/>
+              </a:ext>
+            </a:extLst>
+          </p:cNvPr>
+          <p:cNvCxnSpPr>
+            <a:endCxn id="36" idx="1"/>
+          </p:cNvCxnSpPr>
+          <p:nvPr/>
+        </p:nvCxnSpPr>
+        <p:spPr>
+          <a:xfrm flipV="1">
+            <a:off x="4142630" y="2755397"/>
+            <a:ext cx="1149448" cy="1597461"/>
+          </a:xfrm>
+          <a:prstGeom prst="straightConnector1">
+            <a:avLst/>
+          </a:prstGeom>
+          <a:ln>
+            <a:tailEnd type="triangle"/>
+          </a:ln>
+        </p:spPr>
+        <p:style>
+          <a:lnRef idx="1">
+            <a:schemeClr val="accent1"/>
+          </a:lnRef>
+          <a:fillRef idx="0">
+            <a:schemeClr val="accent1"/>
+          </a:fillRef>
+          <a:effectRef idx="0">
+            <a:schemeClr val="accent1"/>
+          </a:effectRef>
+          <a:fontRef idx="minor">
+            <a:schemeClr val="tx1"/>
+          </a:fontRef>
+        </p:style>
+      </p:cxnSp>
     </p:spTree>
     <p:extLst>
       <p:ext uri="{BB962C8B-B14F-4D97-AF65-F5344CB8AC3E}">
-        <p14:creationId xmlns:p14="http://schemas.microsoft.com/office/powerpoint/2010/main" val="1592368510"/>
+        <p14:creationId xmlns:p14="http://schemas.microsoft.com/office/powerpoint/2010/main" val="2135890023"/>
       </p:ext>
     </p:extLst>
   </p:cSld>

--- a/Database for Clinic Management.pptx
+++ b/Database for Clinic Management.pptx
@@ -7487,7 +7487,7 @@
             </a:pPr>
             <a:r>
               <a:rPr lang="en-US" dirty="0"/>
-              <a:t>Patient Record</a:t>
+              <a:t>Patient Records</a:t>
             </a:r>
           </a:p>
           <a:p>
@@ -7507,7 +7507,7 @@
             </a:pPr>
             <a:r>
               <a:rPr lang="en-US" dirty="0"/>
-              <a:t>Management for Doctor, Staff, and/or Patient</a:t>
+              <a:t>Management for Doctor, Staff, and/or Patients</a:t>
             </a:r>
           </a:p>
           <a:p>
@@ -8011,6 +8011,36 @@
           </a:p>
         </p:txBody>
       </p:sp>
+      <p:pic>
+        <p:nvPicPr>
+          <p:cNvPr id="7" name="Picture 6">
+            <a:extLst>
+              <a:ext uri="{FF2B5EF4-FFF2-40B4-BE49-F238E27FC236}">
+                <a16:creationId xmlns:a16="http://schemas.microsoft.com/office/drawing/2014/main" id="{75C04699-42E7-4277-A16F-3F2EF15811A5}"/>
+              </a:ext>
+            </a:extLst>
+          </p:cNvPr>
+          <p:cNvPicPr>
+            <a:picLocks noChangeAspect="1"/>
+          </p:cNvPicPr>
+          <p:nvPr/>
+        </p:nvPicPr>
+        <p:blipFill>
+          <a:blip r:embed="rId3"/>
+          <a:stretch>
+            <a:fillRect/>
+          </a:stretch>
+        </p:blipFill>
+        <p:spPr>
+          <a:xfrm>
+            <a:off x="4697130" y="1569659"/>
+            <a:ext cx="2554996" cy="275043"/>
+          </a:xfrm>
+          <a:prstGeom prst="rect">
+            <a:avLst/>
+          </a:prstGeom>
+        </p:spPr>
+      </p:pic>
     </p:spTree>
     <p:extLst>
       <p:ext uri="{BB962C8B-B14F-4D97-AF65-F5344CB8AC3E}">
@@ -8639,7 +8669,7 @@
                 <a:effectLst/>
                 <a:latin typeface="Courier New" panose="02070309020205020404" pitchFamily="49" charset="0"/>
               </a:rPr>
-              <a:t>0          1      John      Doe  1980-05-15   Male 555-999-888 Wolf Street 29       Diabetes</a:t>
+              <a:t>0          1      John      Doe  1980-05-15   Male 555-999-8888 Wolf Street 29       Diabetes</a:t>
             </a:r>
             <a:endParaRPr lang="en-US" sz="800" b="1" dirty="0"/>
           </a:p>
@@ -9351,24 +9381,6 @@
 </file>
 
 <file path=customXml/item1.xml><?xml version="1.0" encoding="utf-8"?>
-<p:properties xmlns:p="http://schemas.microsoft.com/office/2006/metadata/properties" xmlns:xsi="http://www.w3.org/2001/XMLSchema-instance" xmlns:pc="http://schemas.microsoft.com/office/infopath/2007/PartnerControls">
-  <documentManagement>
-    <Status xmlns="71af3243-3dd4-4a8d-8c0d-dd76da1f02a5">Not started</Status>
-    <MediaServiceKeyPoints xmlns="71af3243-3dd4-4a8d-8c0d-dd76da1f02a5" xsi:nil="true"/>
-  </documentManagement>
-</p:properties>
-</file>
-
-<file path=customXml/item2.xml><?xml version="1.0" encoding="utf-8"?>
-<?mso-contentType ?>
-<FormTemplates xmlns="http://schemas.microsoft.com/sharepoint/v3/contenttype/forms">
-  <Display>DocumentLibraryForm</Display>
-  <Edit>DocumentLibraryForm</Edit>
-  <New>DocumentLibraryForm</New>
-</FormTemplates>
-</file>
-
-<file path=customXml/item3.xml><?xml version="1.0" encoding="utf-8"?>
 <ct:contentTypeSchema xmlns:ct="http://schemas.microsoft.com/office/2006/metadata/contentType" xmlns:ma="http://schemas.microsoft.com/office/2006/metadata/properties/metaAttributes" ct:_="" ma:_="" ma:contentTypeName="Document" ma:contentTypeID="0x01010079F111ED35F8CC479449609E8A0923A6" ma:contentTypeVersion="12" ma:contentTypeDescription="Create a new document." ma:contentTypeScope="" ma:versionID="a410dd7f93c95333ffa1b60ed6adedd1">
   <xsd:schema xmlns:xsd="http://www.w3.org/2001/XMLSchema" xmlns:xs="http://www.w3.org/2001/XMLSchema" xmlns:p="http://schemas.microsoft.com/office/2006/metadata/properties" xmlns:ns2="71af3243-3dd4-4a8d-8c0d-dd76da1f02a5" xmlns:ns3="16c05727-aa75-4e4a-9b5f-8a80a1165891" targetNamespace="http://schemas.microsoft.com/office/2006/metadata/properties" ma:root="true" ma:fieldsID="a936d9baba76aa3866493feff160faab" ns2:_="" ns3:_="">
     <xsd:import namespace="71af3243-3dd4-4a8d-8c0d-dd76da1f02a5"/>
@@ -9589,25 +9601,25 @@
 </ct:contentTypeSchema>
 </file>
 
-<file path=customXml/itemProps1.xml><?xml version="1.0" encoding="utf-8"?>
-<ds:datastoreItem xmlns:ds="http://schemas.openxmlformats.org/officeDocument/2006/customXml" ds:itemID="{4F5B1FD9-3BB6-4DA9-A089-3B68C2323D4F}">
-  <ds:schemaRefs>
-    <ds:schemaRef ds:uri="http://schemas.microsoft.com/office/2006/metadata/properties"/>
-    <ds:schemaRef ds:uri="http://schemas.microsoft.com/office/infopath/2007/PartnerControls"/>
-    <ds:schemaRef ds:uri="71af3243-3dd4-4a8d-8c0d-dd76da1f02a5"/>
-  </ds:schemaRefs>
-</ds:datastoreItem>
+<file path=customXml/item2.xml><?xml version="1.0" encoding="utf-8"?>
+<p:properties xmlns:p="http://schemas.microsoft.com/office/2006/metadata/properties" xmlns:xsi="http://www.w3.org/2001/XMLSchema-instance" xmlns:pc="http://schemas.microsoft.com/office/infopath/2007/PartnerControls">
+  <documentManagement>
+    <Status xmlns="71af3243-3dd4-4a8d-8c0d-dd76da1f02a5">Not started</Status>
+    <MediaServiceKeyPoints xmlns="71af3243-3dd4-4a8d-8c0d-dd76da1f02a5" xsi:nil="true"/>
+  </documentManagement>
+</p:properties>
 </file>
 
-<file path=customXml/itemProps2.xml><?xml version="1.0" encoding="utf-8"?>
-<ds:datastoreItem xmlns:ds="http://schemas.openxmlformats.org/officeDocument/2006/customXml" ds:itemID="{638A3B04-B0F3-4C12-A722-52B5CF6D9723}">
-  <ds:schemaRefs>
-    <ds:schemaRef ds:uri="http://schemas.microsoft.com/sharepoint/v3/contenttype/forms"/>
-  </ds:schemaRefs>
-</ds:datastoreItem>
+<file path=customXml/item3.xml><?xml version="1.0" encoding="utf-8"?>
+<?mso-contentType ?>
+<FormTemplates xmlns="http://schemas.microsoft.com/sharepoint/v3/contenttype/forms">
+  <Display>DocumentLibraryForm</Display>
+  <Edit>DocumentLibraryForm</Edit>
+  <New>DocumentLibraryForm</New>
+</FormTemplates>
 </file>
 
-<file path=customXml/itemProps3.xml><?xml version="1.0" encoding="utf-8"?>
+<file path=customXml/itemProps1.xml><?xml version="1.0" encoding="utf-8"?>
 <ds:datastoreItem xmlns:ds="http://schemas.openxmlformats.org/officeDocument/2006/customXml" ds:itemID="{1747A963-53E0-44AF-AF13-963FE676C682}">
   <ds:schemaRefs>
     <ds:schemaRef ds:uri="http://schemas.microsoft.com/office/2006/metadata/contentType"/>
@@ -9624,4 +9636,22 @@
     <ds:schemaRef ds:uri="http://schemas.microsoft.com/internal/obd"/>
   </ds:schemaRefs>
 </ds:datastoreItem>
+</file>
+
+<file path=customXml/itemProps2.xml><?xml version="1.0" encoding="utf-8"?>
+<ds:datastoreItem xmlns:ds="http://schemas.openxmlformats.org/officeDocument/2006/customXml" ds:itemID="{4F5B1FD9-3BB6-4DA9-A089-3B68C2323D4F}">
+  <ds:schemaRefs>
+    <ds:schemaRef ds:uri="http://schemas.microsoft.com/office/2006/metadata/properties"/>
+    <ds:schemaRef ds:uri="http://schemas.microsoft.com/office/infopath/2007/PartnerControls"/>
+    <ds:schemaRef ds:uri="71af3243-3dd4-4a8d-8c0d-dd76da1f02a5"/>
+  </ds:schemaRefs>
+</ds:datastoreItem>
+</file>
+
+<file path=customXml/itemProps3.xml><?xml version="1.0" encoding="utf-8"?>
+<ds:datastoreItem xmlns:ds="http://schemas.openxmlformats.org/officeDocument/2006/customXml" ds:itemID="{638A3B04-B0F3-4C12-A722-52B5CF6D9723}">
+  <ds:schemaRefs>
+    <ds:schemaRef ds:uri="http://schemas.microsoft.com/sharepoint/v3/contenttype/forms"/>
+  </ds:schemaRefs>
+</ds:datastoreItem>
 </file>